--- a/Project Data/Ciclo de trabalho.pptx
+++ b/Project Data/Ciclo de trabalho.pptx
@@ -1322,15 +1322,15 @@
       </dsp:nvSpPr>
       <dsp:spPr>
         <a:xfrm>
-          <a:off x="946638" y="-17043"/>
-          <a:ext cx="4886309" cy="4886309"/>
+          <a:off x="301411" y="335151"/>
+          <a:ext cx="4790656" cy="4790656"/>
         </a:xfrm>
         <a:prstGeom prst="circularArrow">
           <a:avLst>
             <a:gd name="adj1" fmla="val 5544"/>
             <a:gd name="adj2" fmla="val 330680"/>
-            <a:gd name="adj3" fmla="val 14517858"/>
-            <a:gd name="adj4" fmla="val 16949042"/>
+            <a:gd name="adj3" fmla="val 14542073"/>
+            <a:gd name="adj4" fmla="val 16935207"/>
             <a:gd name="adj5" fmla="val 5757"/>
           </a:avLst>
         </a:prstGeom>
@@ -1368,8 +1368,8 @@
       </dsp:nvSpPr>
       <dsp:spPr>
         <a:xfrm>
-          <a:off x="2630294" y="16750"/>
-          <a:ext cx="1518997" cy="759498"/>
+          <a:off x="1964938" y="369945"/>
+          <a:ext cx="1463602" cy="731801"/>
         </a:xfrm>
         <a:prstGeom prst="roundRect">
           <a:avLst/>
@@ -1411,12 +1411,12 @@
         </a:fontRef>
       </dsp:style>
       <dsp:txBody>
-        <a:bodyPr spcFirstLastPara="0" vert="horz" wrap="square" lIns="76200" tIns="76200" rIns="76200" bIns="76200" numCol="1" spcCol="1270" anchor="ctr" anchorCtr="0">
+        <a:bodyPr spcFirstLastPara="0" vert="horz" wrap="square" lIns="72390" tIns="72390" rIns="72390" bIns="72390" numCol="1" spcCol="1270" anchor="ctr" anchorCtr="0">
           <a:noAutofit/>
         </a:bodyPr>
         <a:lstStyle/>
         <a:p>
-          <a:pPr lvl="0" algn="ctr" defTabSz="889000">
+          <a:pPr lvl="0" algn="ctr" defTabSz="844550">
             <a:lnSpc>
               <a:spcPct val="90000"/>
             </a:lnSpc>
@@ -1428,15 +1428,15 @@
             </a:spcAft>
           </a:pPr>
           <a:r>
-            <a:rPr lang="pt-BR" sz="2000" kern="1200" dirty="0" smtClean="0"/>
+            <a:rPr lang="pt-BR" sz="1900" kern="1200" dirty="0" smtClean="0"/>
             <a:t>Mundo</a:t>
           </a:r>
-          <a:endParaRPr lang="pt-BR" sz="2000" kern="1200" dirty="0"/>
+          <a:endParaRPr lang="pt-BR" sz="1900" kern="1200" dirty="0"/>
         </a:p>
       </dsp:txBody>
       <dsp:txXfrm>
-        <a:off x="2667370" y="53826"/>
-        <a:ext cx="1444845" cy="685346"/>
+        <a:off x="2000662" y="405669"/>
+        <a:ext cx="1392154" cy="660353"/>
       </dsp:txXfrm>
     </dsp:sp>
     <dsp:sp modelId="{90D0D70D-D3A1-45A4-918B-982BB4D59ADC}">
@@ -1446,8 +1446,8 @@
       </dsp:nvSpPr>
       <dsp:spPr>
         <a:xfrm>
-          <a:off x="4288192" y="786899"/>
-          <a:ext cx="1518997" cy="759498"/>
+          <a:off x="3590382" y="1125018"/>
+          <a:ext cx="1463602" cy="731801"/>
         </a:xfrm>
         <a:prstGeom prst="roundRect">
           <a:avLst/>
@@ -1489,12 +1489,12 @@
         </a:fontRef>
       </dsp:style>
       <dsp:txBody>
-        <a:bodyPr spcFirstLastPara="0" vert="horz" wrap="square" lIns="76200" tIns="76200" rIns="76200" bIns="76200" numCol="1" spcCol="1270" anchor="ctr" anchorCtr="0">
+        <a:bodyPr spcFirstLastPara="0" vert="horz" wrap="square" lIns="72390" tIns="72390" rIns="72390" bIns="72390" numCol="1" spcCol="1270" anchor="ctr" anchorCtr="0">
           <a:noAutofit/>
         </a:bodyPr>
         <a:lstStyle/>
         <a:p>
-          <a:pPr lvl="0" algn="ctr" defTabSz="889000">
+          <a:pPr lvl="0" algn="ctr" defTabSz="844550">
             <a:lnSpc>
               <a:spcPct val="90000"/>
             </a:lnSpc>
@@ -1506,15 +1506,15 @@
             </a:spcAft>
           </a:pPr>
           <a:r>
-            <a:rPr lang="pt-BR" sz="2000" kern="1200" dirty="0" smtClean="0"/>
+            <a:rPr lang="pt-BR" sz="1900" kern="1200" dirty="0" smtClean="0"/>
             <a:t>Personagem</a:t>
           </a:r>
-          <a:endParaRPr lang="pt-BR" sz="2000" kern="1200" dirty="0"/>
+          <a:endParaRPr lang="pt-BR" sz="1900" kern="1200" dirty="0"/>
         </a:p>
       </dsp:txBody>
       <dsp:txXfrm>
-        <a:off x="4325268" y="823975"/>
-        <a:ext cx="1444845" cy="685346"/>
+        <a:off x="3626106" y="1160742"/>
+        <a:ext cx="1392154" cy="660353"/>
       </dsp:txXfrm>
     </dsp:sp>
     <dsp:sp modelId="{C8EC1AB9-E882-456E-A861-F133D58F334B}">
@@ -1524,8 +1524,8 @@
       </dsp:nvSpPr>
       <dsp:spPr>
         <a:xfrm>
-          <a:off x="4690550" y="2549744"/>
-          <a:ext cx="1518997" cy="759498"/>
+          <a:off x="3984863" y="2853353"/>
+          <a:ext cx="1463602" cy="731801"/>
         </a:xfrm>
         <a:prstGeom prst="roundRect">
           <a:avLst/>
@@ -1567,12 +1567,12 @@
         </a:fontRef>
       </dsp:style>
       <dsp:txBody>
-        <a:bodyPr spcFirstLastPara="0" vert="horz" wrap="square" lIns="76200" tIns="76200" rIns="76200" bIns="76200" numCol="1" spcCol="1270" anchor="ctr" anchorCtr="0">
+        <a:bodyPr spcFirstLastPara="0" vert="horz" wrap="square" lIns="72390" tIns="72390" rIns="72390" bIns="72390" numCol="1" spcCol="1270" anchor="ctr" anchorCtr="0">
           <a:noAutofit/>
         </a:bodyPr>
         <a:lstStyle/>
         <a:p>
-          <a:pPr lvl="0" algn="ctr" defTabSz="889000">
+          <a:pPr lvl="0" algn="ctr" defTabSz="844550">
             <a:lnSpc>
               <a:spcPct val="90000"/>
             </a:lnSpc>
@@ -1584,15 +1584,15 @@
             </a:spcAft>
           </a:pPr>
           <a:r>
-            <a:rPr lang="pt-BR" sz="2000" kern="1200" dirty="0" smtClean="0"/>
+            <a:rPr lang="pt-BR" sz="1900" kern="1200" dirty="0" smtClean="0"/>
             <a:t>Controles</a:t>
           </a:r>
-          <a:endParaRPr lang="pt-BR" sz="2000" kern="1200" dirty="0"/>
+          <a:endParaRPr lang="pt-BR" sz="1900" kern="1200" dirty="0"/>
         </a:p>
       </dsp:txBody>
       <dsp:txXfrm>
-        <a:off x="4727626" y="2586820"/>
-        <a:ext cx="1444845" cy="685346"/>
+        <a:off x="4020587" y="2889077"/>
+        <a:ext cx="1392154" cy="660353"/>
       </dsp:txXfrm>
     </dsp:sp>
     <dsp:sp modelId="{51F19B06-1BC5-4226-97D5-B1E0478F73EB}">
@@ -1602,8 +1602,8 @@
       </dsp:nvSpPr>
       <dsp:spPr>
         <a:xfrm>
-          <a:off x="3563169" y="3963436"/>
-          <a:ext cx="1518997" cy="759498"/>
+          <a:off x="2879551" y="4239371"/>
+          <a:ext cx="1463602" cy="731801"/>
         </a:xfrm>
         <a:prstGeom prst="roundRect">
           <a:avLst/>
@@ -1645,12 +1645,12 @@
         </a:fontRef>
       </dsp:style>
       <dsp:txBody>
-        <a:bodyPr spcFirstLastPara="0" vert="horz" wrap="square" lIns="76200" tIns="76200" rIns="76200" bIns="76200" numCol="1" spcCol="1270" anchor="ctr" anchorCtr="0">
+        <a:bodyPr spcFirstLastPara="0" vert="horz" wrap="square" lIns="72390" tIns="72390" rIns="72390" bIns="72390" numCol="1" spcCol="1270" anchor="ctr" anchorCtr="0">
           <a:noAutofit/>
         </a:bodyPr>
         <a:lstStyle/>
         <a:p>
-          <a:pPr lvl="0" algn="ctr" defTabSz="889000">
+          <a:pPr lvl="0" algn="ctr" defTabSz="844550">
             <a:lnSpc>
               <a:spcPct val="90000"/>
             </a:lnSpc>
@@ -1662,15 +1662,15 @@
             </a:spcAft>
           </a:pPr>
           <a:r>
-            <a:rPr lang="pt-BR" sz="2000" kern="1200" dirty="0" smtClean="0"/>
+            <a:rPr lang="pt-BR" sz="1900" kern="1200" dirty="0" smtClean="0"/>
             <a:t>Habilidades</a:t>
           </a:r>
-          <a:endParaRPr lang="pt-BR" sz="2000" kern="1200" dirty="0"/>
+          <a:endParaRPr lang="pt-BR" sz="1900" kern="1200" dirty="0"/>
         </a:p>
       </dsp:txBody>
       <dsp:txXfrm>
-        <a:off x="3600245" y="4000512"/>
-        <a:ext cx="1444845" cy="685346"/>
+        <a:off x="2915275" y="4275095"/>
+        <a:ext cx="1392154" cy="660353"/>
       </dsp:txXfrm>
     </dsp:sp>
     <dsp:sp modelId="{11B3B5C0-DE0F-4653-9724-38A485F5C155}">
@@ -1680,8 +1680,8 @@
       </dsp:nvSpPr>
       <dsp:spPr>
         <a:xfrm>
-          <a:off x="1754989" y="3963436"/>
-          <a:ext cx="1518997" cy="759498"/>
+          <a:off x="1106768" y="4239371"/>
+          <a:ext cx="1463602" cy="731801"/>
         </a:xfrm>
         <a:prstGeom prst="roundRect">
           <a:avLst/>
@@ -1723,12 +1723,12 @@
         </a:fontRef>
       </dsp:style>
       <dsp:txBody>
-        <a:bodyPr spcFirstLastPara="0" vert="horz" wrap="square" lIns="76200" tIns="76200" rIns="76200" bIns="76200" numCol="1" spcCol="1270" anchor="ctr" anchorCtr="0">
+        <a:bodyPr spcFirstLastPara="0" vert="horz" wrap="square" lIns="72390" tIns="72390" rIns="72390" bIns="72390" numCol="1" spcCol="1270" anchor="ctr" anchorCtr="0">
           <a:noAutofit/>
         </a:bodyPr>
         <a:lstStyle/>
         <a:p>
-          <a:pPr lvl="0" algn="ctr" defTabSz="889000">
+          <a:pPr lvl="0" algn="ctr" defTabSz="844550">
             <a:lnSpc>
               <a:spcPct val="90000"/>
             </a:lnSpc>
@@ -1740,15 +1740,15 @@
             </a:spcAft>
           </a:pPr>
           <a:r>
-            <a:rPr lang="pt-BR" sz="2000" kern="1200" dirty="0" smtClean="0"/>
+            <a:rPr lang="pt-BR" sz="1900" kern="1200" dirty="0" smtClean="0"/>
             <a:t>Perigos</a:t>
           </a:r>
-          <a:endParaRPr lang="pt-BR" sz="2000" kern="1200" dirty="0"/>
+          <a:endParaRPr lang="pt-BR" sz="1900" kern="1200" dirty="0"/>
         </a:p>
       </dsp:txBody>
       <dsp:txXfrm>
-        <a:off x="1792065" y="4000512"/>
-        <a:ext cx="1444845" cy="685346"/>
+        <a:off x="1142492" y="4275095"/>
+        <a:ext cx="1392154" cy="660353"/>
       </dsp:txXfrm>
     </dsp:sp>
     <dsp:sp modelId="{3AD4BDFD-7BF9-46C9-9579-978AA34A66E6}">
@@ -1758,8 +1758,8 @@
       </dsp:nvSpPr>
       <dsp:spPr>
         <a:xfrm>
-          <a:off x="627608" y="2549744"/>
-          <a:ext cx="1518997" cy="759498"/>
+          <a:off x="1456" y="2853353"/>
+          <a:ext cx="1463602" cy="731801"/>
         </a:xfrm>
         <a:prstGeom prst="roundRect">
           <a:avLst/>
@@ -1801,12 +1801,12 @@
         </a:fontRef>
       </dsp:style>
       <dsp:txBody>
-        <a:bodyPr spcFirstLastPara="0" vert="horz" wrap="square" lIns="76200" tIns="76200" rIns="76200" bIns="76200" numCol="1" spcCol="1270" anchor="ctr" anchorCtr="0">
+        <a:bodyPr spcFirstLastPara="0" vert="horz" wrap="square" lIns="72390" tIns="72390" rIns="72390" bIns="72390" numCol="1" spcCol="1270" anchor="ctr" anchorCtr="0">
           <a:noAutofit/>
         </a:bodyPr>
         <a:lstStyle/>
         <a:p>
-          <a:pPr lvl="0" algn="ctr" defTabSz="889000">
+          <a:pPr lvl="0" algn="ctr" defTabSz="844550">
             <a:lnSpc>
               <a:spcPct val="90000"/>
             </a:lnSpc>
@@ -1818,15 +1818,15 @@
             </a:spcAft>
           </a:pPr>
           <a:r>
-            <a:rPr lang="pt-BR" sz="2000" kern="1200" dirty="0" smtClean="0"/>
+            <a:rPr lang="pt-BR" sz="1900" kern="1200" dirty="0" smtClean="0"/>
             <a:t>Inimigos</a:t>
           </a:r>
-          <a:endParaRPr lang="pt-BR" sz="2000" kern="1200" dirty="0"/>
+          <a:endParaRPr lang="pt-BR" sz="1900" kern="1200" dirty="0"/>
         </a:p>
       </dsp:txBody>
       <dsp:txXfrm>
-        <a:off x="664684" y="2586820"/>
-        <a:ext cx="1444845" cy="685346"/>
+        <a:off x="37180" y="2889077"/>
+        <a:ext cx="1392154" cy="660353"/>
       </dsp:txXfrm>
     </dsp:sp>
     <dsp:sp modelId="{C26B5CE8-72F9-43AF-8825-44853FB96962}">
@@ -1836,8 +1836,8 @@
       </dsp:nvSpPr>
       <dsp:spPr>
         <a:xfrm>
-          <a:off x="1029966" y="786899"/>
-          <a:ext cx="1518997" cy="759498"/>
+          <a:off x="395937" y="1125018"/>
+          <a:ext cx="1463602" cy="731801"/>
         </a:xfrm>
         <a:prstGeom prst="roundRect">
           <a:avLst/>
@@ -1879,12 +1879,12 @@
         </a:fontRef>
       </dsp:style>
       <dsp:txBody>
-        <a:bodyPr spcFirstLastPara="0" vert="horz" wrap="square" lIns="76200" tIns="76200" rIns="76200" bIns="76200" numCol="1" spcCol="1270" anchor="ctr" anchorCtr="0">
+        <a:bodyPr spcFirstLastPara="0" vert="horz" wrap="square" lIns="72390" tIns="72390" rIns="72390" bIns="72390" numCol="1" spcCol="1270" anchor="ctr" anchorCtr="0">
           <a:noAutofit/>
         </a:bodyPr>
         <a:lstStyle/>
         <a:p>
-          <a:pPr lvl="0" algn="ctr" defTabSz="889000">
+          <a:pPr lvl="0" algn="ctr" defTabSz="844550">
             <a:lnSpc>
               <a:spcPct val="90000"/>
             </a:lnSpc>
@@ -1896,15 +1896,15 @@
             </a:spcAft>
           </a:pPr>
           <a:r>
-            <a:rPr lang="pt-BR" sz="2000" kern="1200" dirty="0" smtClean="0"/>
+            <a:rPr lang="pt-BR" sz="1900" kern="1200" dirty="0" smtClean="0"/>
             <a:t>Menus/UI</a:t>
           </a:r>
-          <a:endParaRPr lang="pt-BR" sz="2000" kern="1200" dirty="0"/>
+          <a:endParaRPr lang="pt-BR" sz="1900" kern="1200" dirty="0"/>
         </a:p>
       </dsp:txBody>
       <dsp:txXfrm>
-        <a:off x="1067042" y="823975"/>
-        <a:ext cx="1444845" cy="685346"/>
+        <a:off x="431661" y="1160742"/>
+        <a:ext cx="1392154" cy="660353"/>
       </dsp:txXfrm>
     </dsp:sp>
   </dsp:spTree>
@@ -3479,7 +3479,7 @@
           <a:p>
             <a:fld id="{033C220F-AFE8-4CCC-95E1-E0424241E150}" type="datetimeFigureOut">
               <a:rPr lang="pt-BR" smtClean="0"/>
-              <a:t>14/10/2017</a:t>
+              <a:t>26/10/2017</a:t>
             </a:fld>
             <a:endParaRPr lang="pt-BR"/>
           </a:p>
@@ -3649,7 +3649,7 @@
           <a:p>
             <a:fld id="{033C220F-AFE8-4CCC-95E1-E0424241E150}" type="datetimeFigureOut">
               <a:rPr lang="pt-BR" smtClean="0"/>
-              <a:t>14/10/2017</a:t>
+              <a:t>26/10/2017</a:t>
             </a:fld>
             <a:endParaRPr lang="pt-BR"/>
           </a:p>
@@ -3829,7 +3829,7 @@
           <a:p>
             <a:fld id="{033C220F-AFE8-4CCC-95E1-E0424241E150}" type="datetimeFigureOut">
               <a:rPr lang="pt-BR" smtClean="0"/>
-              <a:t>14/10/2017</a:t>
+              <a:t>26/10/2017</a:t>
             </a:fld>
             <a:endParaRPr lang="pt-BR"/>
           </a:p>
@@ -3999,7 +3999,7 @@
           <a:p>
             <a:fld id="{033C220F-AFE8-4CCC-95E1-E0424241E150}" type="datetimeFigureOut">
               <a:rPr lang="pt-BR" smtClean="0"/>
-              <a:t>14/10/2017</a:t>
+              <a:t>26/10/2017</a:t>
             </a:fld>
             <a:endParaRPr lang="pt-BR"/>
           </a:p>
@@ -4245,7 +4245,7 @@
           <a:p>
             <a:fld id="{033C220F-AFE8-4CCC-95E1-E0424241E150}" type="datetimeFigureOut">
               <a:rPr lang="pt-BR" smtClean="0"/>
-              <a:t>14/10/2017</a:t>
+              <a:t>26/10/2017</a:t>
             </a:fld>
             <a:endParaRPr lang="pt-BR"/>
           </a:p>
@@ -4477,7 +4477,7 @@
           <a:p>
             <a:fld id="{033C220F-AFE8-4CCC-95E1-E0424241E150}" type="datetimeFigureOut">
               <a:rPr lang="pt-BR" smtClean="0"/>
-              <a:t>14/10/2017</a:t>
+              <a:t>26/10/2017</a:t>
             </a:fld>
             <a:endParaRPr lang="pt-BR"/>
           </a:p>
@@ -4844,7 +4844,7 @@
           <a:p>
             <a:fld id="{033C220F-AFE8-4CCC-95E1-E0424241E150}" type="datetimeFigureOut">
               <a:rPr lang="pt-BR" smtClean="0"/>
-              <a:t>14/10/2017</a:t>
+              <a:t>26/10/2017</a:t>
             </a:fld>
             <a:endParaRPr lang="pt-BR"/>
           </a:p>
@@ -4962,7 +4962,7 @@
           <a:p>
             <a:fld id="{033C220F-AFE8-4CCC-95E1-E0424241E150}" type="datetimeFigureOut">
               <a:rPr lang="pt-BR" smtClean="0"/>
-              <a:t>14/10/2017</a:t>
+              <a:t>26/10/2017</a:t>
             </a:fld>
             <a:endParaRPr lang="pt-BR"/>
           </a:p>
@@ -5057,7 +5057,7 @@
           <a:p>
             <a:fld id="{033C220F-AFE8-4CCC-95E1-E0424241E150}" type="datetimeFigureOut">
               <a:rPr lang="pt-BR" smtClean="0"/>
-              <a:t>14/10/2017</a:t>
+              <a:t>26/10/2017</a:t>
             </a:fld>
             <a:endParaRPr lang="pt-BR"/>
           </a:p>
@@ -5334,7 +5334,7 @@
           <a:p>
             <a:fld id="{033C220F-AFE8-4CCC-95E1-E0424241E150}" type="datetimeFigureOut">
               <a:rPr lang="pt-BR" smtClean="0"/>
-              <a:t>14/10/2017</a:t>
+              <a:t>26/10/2017</a:t>
             </a:fld>
             <a:endParaRPr lang="pt-BR"/>
           </a:p>
@@ -5587,7 +5587,7 @@
           <a:p>
             <a:fld id="{033C220F-AFE8-4CCC-95E1-E0424241E150}" type="datetimeFigureOut">
               <a:rPr lang="pt-BR" smtClean="0"/>
-              <a:t>14/10/2017</a:t>
+              <a:t>26/10/2017</a:t>
             </a:fld>
             <a:endParaRPr lang="pt-BR"/>
           </a:p>
@@ -5800,7 +5800,7 @@
           <a:p>
             <a:fld id="{033C220F-AFE8-4CCC-95E1-E0424241E150}" type="datetimeFigureOut">
               <a:rPr lang="pt-BR" smtClean="0"/>
-              <a:t>14/10/2017</a:t>
+              <a:t>26/10/2017</a:t>
             </a:fld>
             <a:endParaRPr lang="pt-BR"/>
           </a:p>
@@ -6212,14 +6212,14 @@
           <p:nvPr>
             <p:extLst>
               <p:ext uri="{D42A27DB-BD31-4B8C-83A1-F6EECF244321}">
-                <p14:modId xmlns:p14="http://schemas.microsoft.com/office/powerpoint/2010/main" val="3918081489"/>
+                <p14:modId xmlns:p14="http://schemas.microsoft.com/office/powerpoint/2010/main" val="836488203"/>
               </p:ext>
             </p:extLst>
           </p:nvPr>
         </p:nvGraphicFramePr>
         <p:xfrm>
-          <a:off x="-517195" y="0"/>
-          <a:ext cx="6837156" cy="4725295"/>
+          <a:off x="-517194" y="0"/>
+          <a:ext cx="5449922" cy="5327009"/>
         </p:xfrm>
         <a:graphic>
           <a:graphicData uri="http://schemas.openxmlformats.org/drawingml/2006/diagram">
@@ -6235,8 +6235,8 @@
         </p:nvSpPr>
         <p:spPr>
           <a:xfrm>
-            <a:off x="5218631" y="148453"/>
-            <a:ext cx="1680934" cy="1061829"/>
+            <a:off x="4329397" y="5840"/>
+            <a:ext cx="1680934" cy="846386"/>
           </a:xfrm>
           <a:prstGeom prst="rect">
             <a:avLst/>
@@ -6250,54 +6250,54 @@
           <a:lstStyle/>
           <a:p>
             <a:r>
-              <a:rPr lang="pt-BR" sz="900" strike="sngStrike" dirty="0" smtClean="0"/>
+              <a:rPr lang="pt-BR" sz="700" strike="sngStrike" dirty="0" smtClean="0"/>
               <a:t>Primeiro ciclo:</a:t>
             </a:r>
           </a:p>
           <a:p>
             <a:r>
-              <a:rPr lang="pt-BR" sz="900" strike="sngStrike" dirty="0" smtClean="0"/>
+              <a:rPr lang="pt-BR" sz="700" strike="sngStrike" dirty="0" smtClean="0"/>
               <a:t>-criar o mundo do jogo</a:t>
             </a:r>
           </a:p>
           <a:p>
             <a:r>
-              <a:rPr lang="pt-BR" sz="900" strike="sngStrike" dirty="0" smtClean="0"/>
+              <a:rPr lang="pt-BR" sz="700" strike="sngStrike" dirty="0" smtClean="0"/>
               <a:t>-criar um personagem</a:t>
             </a:r>
           </a:p>
           <a:p>
             <a:r>
-              <a:rPr lang="pt-BR" sz="900" strike="sngStrike" dirty="0" smtClean="0"/>
+              <a:rPr lang="pt-BR" sz="700" strike="sngStrike" dirty="0" smtClean="0"/>
               <a:t>- inserir controle horizontal</a:t>
             </a:r>
           </a:p>
           <a:p>
             <a:r>
-              <a:rPr lang="pt-BR" sz="900" strike="sngStrike" dirty="0" smtClean="0"/>
+              <a:rPr lang="pt-BR" sz="700" strike="sngStrike" dirty="0" smtClean="0"/>
               <a:t>- inserir pulo</a:t>
             </a:r>
           </a:p>
           <a:p>
             <a:r>
-              <a:rPr lang="pt-BR" sz="900" strike="sngStrike" dirty="0" smtClean="0"/>
+              <a:rPr lang="pt-BR" sz="700" strike="sngStrike" dirty="0" smtClean="0"/>
               <a:t>- fazer um </a:t>
             </a:r>
             <a:r>
-              <a:rPr lang="pt-BR" sz="900" strike="sngStrike" dirty="0" err="1" smtClean="0"/>
+              <a:rPr lang="pt-BR" sz="700" strike="sngStrike" dirty="0" err="1" smtClean="0"/>
               <a:t>level</a:t>
             </a:r>
             <a:r>
-              <a:rPr lang="pt-BR" sz="900" strike="sngStrike" dirty="0" smtClean="0"/>
+              <a:rPr lang="pt-BR" sz="700" strike="sngStrike" dirty="0" smtClean="0"/>
               <a:t> com buracos</a:t>
             </a:r>
           </a:p>
           <a:p>
             <a:r>
-              <a:rPr lang="pt-BR" sz="900" strike="sngStrike" dirty="0" smtClean="0"/>
+              <a:rPr lang="pt-BR" sz="700" strike="sngStrike" dirty="0" smtClean="0"/>
               <a:t>- criar menu de inicio</a:t>
             </a:r>
-            <a:endParaRPr lang="pt-BR" sz="900" strike="sngStrike" dirty="0"/>
+            <a:endParaRPr lang="pt-BR" sz="700" strike="sngStrike" dirty="0"/>
           </a:p>
         </p:txBody>
       </p:sp>
@@ -6309,7 +6309,7 @@
         </p:nvSpPr>
         <p:spPr>
           <a:xfrm>
-            <a:off x="6899565" y="109980"/>
+            <a:off x="5406323" y="923"/>
             <a:ext cx="1791429" cy="1138773"/>
           </a:xfrm>
           <a:prstGeom prst="rect">
@@ -6399,8 +6399,8 @@
         </p:nvSpPr>
         <p:spPr>
           <a:xfrm>
-            <a:off x="8633256" y="25749"/>
-            <a:ext cx="2125361" cy="1200329"/>
+            <a:off x="6980623" y="25749"/>
+            <a:ext cx="2125361" cy="954107"/>
           </a:xfrm>
           <a:prstGeom prst="rect">
             <a:avLst/>
@@ -6414,95 +6414,95 @@
           <a:lstStyle/>
           <a:p>
             <a:r>
-              <a:rPr lang="pt-BR" sz="900" dirty="0" smtClean="0"/>
+              <a:rPr lang="pt-BR" sz="700" dirty="0" smtClean="0"/>
               <a:t>Terceiro ciclo:</a:t>
             </a:r>
           </a:p>
           <a:p>
             <a:r>
-              <a:rPr lang="pt-BR" sz="900" strike="sngStrike" dirty="0" smtClean="0"/>
+              <a:rPr lang="pt-BR" sz="700" strike="sngStrike" dirty="0" smtClean="0"/>
               <a:t>-</a:t>
             </a:r>
             <a:r>
-              <a:rPr lang="pt-BR" sz="900" strike="sngStrike" dirty="0" err="1" smtClean="0"/>
+              <a:rPr lang="pt-BR" sz="700" strike="sngStrike" dirty="0" err="1" smtClean="0"/>
               <a:t>backgrund</a:t>
             </a:r>
             <a:r>
-              <a:rPr lang="pt-BR" sz="900" strike="sngStrike" dirty="0" smtClean="0"/>
+              <a:rPr lang="pt-BR" sz="700" strike="sngStrike" dirty="0" smtClean="0"/>
               <a:t> do primeiro </a:t>
             </a:r>
             <a:r>
-              <a:rPr lang="pt-BR" sz="900" strike="sngStrike" dirty="0" err="1" smtClean="0"/>
+              <a:rPr lang="pt-BR" sz="700" strike="sngStrike" dirty="0" err="1" smtClean="0"/>
               <a:t>level</a:t>
             </a:r>
-            <a:endParaRPr lang="pt-BR" sz="900" strike="sngStrike" dirty="0" smtClean="0"/>
-          </a:p>
-          <a:p>
-            <a:r>
-              <a:rPr lang="pt-BR" sz="900" strike="sngStrike" dirty="0" smtClean="0"/>
+            <a:endParaRPr lang="pt-BR" sz="700" strike="sngStrike" dirty="0" smtClean="0"/>
+          </a:p>
+          <a:p>
+            <a:r>
+              <a:rPr lang="pt-BR" sz="700" strike="sngStrike" dirty="0" smtClean="0"/>
               <a:t>-animação </a:t>
             </a:r>
             <a:r>
-              <a:rPr lang="pt-BR" sz="900" strike="sngStrike" dirty="0" err="1" smtClean="0"/>
+              <a:rPr lang="pt-BR" sz="700" strike="sngStrike" dirty="0" err="1" smtClean="0"/>
               <a:t>idle</a:t>
             </a:r>
-            <a:endParaRPr lang="pt-BR" sz="900" strike="sngStrike" dirty="0" smtClean="0"/>
-          </a:p>
-          <a:p>
-            <a:r>
-              <a:rPr lang="pt-BR" sz="900" strike="sngStrike" dirty="0" smtClean="0"/>
+            <a:endParaRPr lang="pt-BR" sz="700" strike="sngStrike" dirty="0" smtClean="0"/>
+          </a:p>
+          <a:p>
+            <a:r>
+              <a:rPr lang="pt-BR" sz="700" strike="sngStrike" dirty="0" smtClean="0"/>
               <a:t>- Melhorar percepção do pulo</a:t>
             </a:r>
           </a:p>
           <a:p>
             <a:r>
-              <a:rPr lang="pt-BR" sz="900" strike="sngStrike" dirty="0" smtClean="0"/>
+              <a:rPr lang="pt-BR" sz="700" strike="sngStrike" dirty="0" smtClean="0"/>
               <a:t>- </a:t>
             </a:r>
             <a:r>
-              <a:rPr lang="pt-BR" sz="900" strike="sngStrike" dirty="0" err="1" smtClean="0"/>
+              <a:rPr lang="pt-BR" sz="700" strike="sngStrike" dirty="0" err="1" smtClean="0"/>
               <a:t>wall</a:t>
             </a:r>
             <a:r>
-              <a:rPr lang="pt-BR" sz="900" strike="sngStrike" dirty="0" smtClean="0"/>
+              <a:rPr lang="pt-BR" sz="700" strike="sngStrike" dirty="0" smtClean="0"/>
               <a:t> </a:t>
             </a:r>
             <a:r>
-              <a:rPr lang="pt-BR" sz="900" strike="sngStrike" dirty="0" err="1" smtClean="0"/>
+              <a:rPr lang="pt-BR" sz="700" strike="sngStrike" dirty="0" err="1" smtClean="0"/>
               <a:t>jump</a:t>
             </a:r>
-            <a:endParaRPr lang="pt-BR" sz="900" strike="sngStrike" dirty="0" smtClean="0"/>
-          </a:p>
-          <a:p>
-            <a:r>
-              <a:rPr lang="pt-BR" sz="900" dirty="0" smtClean="0"/>
+            <a:endParaRPr lang="pt-BR" sz="700" strike="sngStrike" dirty="0" smtClean="0"/>
+          </a:p>
+          <a:p>
+            <a:r>
+              <a:rPr lang="pt-BR" sz="700" dirty="0" smtClean="0"/>
               <a:t>- </a:t>
             </a:r>
             <a:r>
-              <a:rPr lang="pt-BR" sz="900" strike="sngStrike" dirty="0"/>
+              <a:rPr lang="pt-BR" sz="700" strike="sngStrike" dirty="0"/>
               <a:t>plataformas moveis</a:t>
             </a:r>
           </a:p>
           <a:p>
             <a:r>
-              <a:rPr lang="pt-BR" sz="900" strike="sngStrike" dirty="0" smtClean="0"/>
+              <a:rPr lang="pt-BR" sz="700" strike="sngStrike" dirty="0" smtClean="0"/>
               <a:t>- criar a IA do inimigo fazendo ele andar</a:t>
             </a:r>
           </a:p>
           <a:p>
             <a:r>
-              <a:rPr lang="pt-BR" sz="900" strike="sngStrike" dirty="0" smtClean="0"/>
+              <a:rPr lang="pt-BR" sz="700" strike="sngStrike" dirty="0" smtClean="0"/>
               <a:t>- game </a:t>
             </a:r>
             <a:r>
-              <a:rPr lang="pt-BR" sz="900" strike="sngStrike" dirty="0" err="1" smtClean="0"/>
+              <a:rPr lang="pt-BR" sz="700" strike="sngStrike" dirty="0" err="1" smtClean="0"/>
               <a:t>pad</a:t>
             </a:r>
             <a:r>
-              <a:rPr lang="pt-BR" sz="900" strike="sngStrike" dirty="0" smtClean="0"/>
+              <a:rPr lang="pt-BR" sz="700" strike="sngStrike" dirty="0" smtClean="0"/>
               <a:t> funcionar nos menus.</a:t>
             </a:r>
-            <a:endParaRPr lang="pt-BR" sz="900" strike="sngStrike" dirty="0"/>
+            <a:endParaRPr lang="pt-BR" sz="700" strike="sngStrike" dirty="0"/>
           </a:p>
         </p:txBody>
       </p:sp>
@@ -6514,8 +6514,8 @@
         </p:nvSpPr>
         <p:spPr>
           <a:xfrm>
-            <a:off x="5749254" y="1210282"/>
-            <a:ext cx="5883479" cy="2862322"/>
+            <a:off x="8474920" y="3762"/>
+            <a:ext cx="1676857" cy="1277273"/>
           </a:xfrm>
           <a:prstGeom prst="rect">
             <a:avLst/>
@@ -6529,178 +6529,148 @@
           <a:lstStyle/>
           <a:p>
             <a:r>
-              <a:rPr lang="pt-BR" dirty="0" smtClean="0"/>
+              <a:rPr lang="pt-BR" sz="700" dirty="0" smtClean="0"/>
               <a:t>Quarto ciclo</a:t>
             </a:r>
             <a:r>
-              <a:rPr lang="pt-BR" dirty="0" smtClean="0">
+              <a:rPr lang="pt-BR" sz="700" dirty="0" smtClean="0">
                 <a:sym typeface="Wingdings" panose="05000000000000000000" pitchFamily="2" charset="2"/>
               </a:rPr>
               <a:t>: (</a:t>
             </a:r>
             <a:r>
-              <a:rPr lang="pt-BR" strike="sngStrike" dirty="0" err="1" smtClean="0">
+              <a:rPr lang="pt-BR" sz="700" strike="sngStrike" dirty="0" err="1" smtClean="0">
                 <a:sym typeface="Wingdings" panose="05000000000000000000" pitchFamily="2" charset="2"/>
               </a:rPr>
               <a:t>refactor</a:t>
             </a:r>
             <a:r>
-              <a:rPr lang="pt-BR" dirty="0" smtClean="0">
+              <a:rPr lang="pt-BR" sz="700" dirty="0" smtClean="0">
                 <a:sym typeface="Wingdings" panose="05000000000000000000" pitchFamily="2" charset="2"/>
               </a:rPr>
               <a:t>)</a:t>
             </a:r>
-            <a:endParaRPr lang="pt-BR" dirty="0" smtClean="0"/>
-          </a:p>
-          <a:p>
-            <a:r>
-              <a:rPr lang="pt-BR" dirty="0" smtClean="0"/>
-              <a:t>	</a:t>
-            </a:r>
-            <a:r>
-              <a:rPr lang="pt-BR" strike="sngStrike" dirty="0" smtClean="0"/>
-              <a:t>- 1st </a:t>
-            </a:r>
-            <a:r>
-              <a:rPr lang="pt-BR" strike="sngStrike" dirty="0" err="1" smtClean="0"/>
+            <a:endParaRPr lang="pt-BR" sz="700" dirty="0">
+              <a:sym typeface="Wingdings" panose="05000000000000000000" pitchFamily="2" charset="2"/>
+            </a:endParaRPr>
+          </a:p>
+          <a:p>
+            <a:r>
+              <a:rPr lang="pt-BR" sz="700" strike="sngStrike" dirty="0" smtClean="0"/>
+              <a:t>-1st </a:t>
+            </a:r>
+            <a:r>
+              <a:rPr lang="pt-BR" sz="700" strike="sngStrike" dirty="0" err="1" smtClean="0"/>
               <a:t>Level</a:t>
             </a:r>
             <a:r>
-              <a:rPr lang="pt-BR" strike="sngStrike" dirty="0" smtClean="0"/>
+              <a:rPr lang="pt-BR" sz="700" strike="sngStrike" dirty="0" smtClean="0"/>
               <a:t> </a:t>
             </a:r>
             <a:r>
-              <a:rPr lang="pt-BR" strike="sngStrike" dirty="0" err="1" smtClean="0"/>
+              <a:rPr lang="pt-BR" sz="700" strike="sngStrike" dirty="0" err="1" smtClean="0"/>
               <a:t>Desing</a:t>
             </a:r>
-            <a:endParaRPr lang="pt-BR" strike="sngStrike" dirty="0" smtClean="0"/>
-          </a:p>
-          <a:p>
-            <a:r>
-              <a:rPr lang="pt-BR" dirty="0"/>
-              <a:t>	</a:t>
-            </a:r>
-            <a:r>
-              <a:rPr lang="pt-BR" strike="sngStrike" dirty="0" smtClean="0"/>
+            <a:endParaRPr lang="pt-BR" sz="700" strike="sngStrike" dirty="0" smtClean="0"/>
+          </a:p>
+          <a:p>
+            <a:r>
+              <a:rPr lang="pt-BR" sz="700" strike="sngStrike" dirty="0" smtClean="0"/>
               <a:t>- Corrigir dano e permitir </a:t>
             </a:r>
             <a:r>
-              <a:rPr lang="pt-BR" strike="sngStrike" dirty="0" err="1" smtClean="0"/>
+              <a:rPr lang="pt-BR" sz="700" strike="sngStrike" dirty="0" err="1" smtClean="0"/>
               <a:t>crirar</a:t>
             </a:r>
             <a:r>
-              <a:rPr lang="pt-BR" strike="sngStrike" dirty="0" smtClean="0"/>
+              <a:rPr lang="pt-BR" sz="700" strike="sngStrike" dirty="0" smtClean="0"/>
               <a:t> mecânica de matar o </a:t>
             </a:r>
             <a:r>
-              <a:rPr lang="pt-BR" strike="sngStrike" dirty="0" err="1" smtClean="0"/>
+              <a:rPr lang="pt-BR" sz="700" strike="sngStrike" dirty="0" err="1" smtClean="0"/>
               <a:t>mik</a:t>
             </a:r>
             <a:r>
-              <a:rPr lang="pt-BR" dirty="0" smtClean="0"/>
+              <a:rPr lang="pt-BR" sz="700" dirty="0" smtClean="0"/>
               <a:t> </a:t>
             </a:r>
             <a:r>
-              <a:rPr lang="pt-BR" strike="sngStrike" dirty="0" smtClean="0"/>
+              <a:rPr lang="pt-BR" sz="700" strike="sngStrike" dirty="0" smtClean="0"/>
               <a:t>Fazer o personagem saber que matou o </a:t>
             </a:r>
             <a:r>
-              <a:rPr lang="pt-BR" strike="sngStrike" dirty="0" err="1" smtClean="0"/>
+              <a:rPr lang="pt-BR" sz="700" strike="sngStrike" dirty="0" err="1" smtClean="0"/>
               <a:t>mik</a:t>
             </a:r>
             <a:r>
-              <a:rPr lang="pt-BR" strike="sngStrike" dirty="0" smtClean="0"/>
+              <a:rPr lang="pt-BR" sz="700" strike="sngStrike" dirty="0" smtClean="0"/>
               <a:t> (</a:t>
             </a:r>
             <a:r>
-              <a:rPr lang="pt-BR" strike="sngStrike" dirty="0" err="1" smtClean="0"/>
+              <a:rPr lang="pt-BR" sz="700" strike="sngStrike" dirty="0" err="1" smtClean="0"/>
               <a:t>add</a:t>
             </a:r>
             <a:r>
-              <a:rPr lang="pt-BR" strike="sngStrike" dirty="0" smtClean="0"/>
+              <a:rPr lang="pt-BR" sz="700" strike="sngStrike" dirty="0" smtClean="0"/>
               <a:t> pulo)</a:t>
             </a:r>
-            <a:r>
-              <a:rPr lang="pt-BR" dirty="0"/>
-              <a:t>	</a:t>
-            </a:r>
-            <a:endParaRPr lang="pt-BR" dirty="0" smtClean="0"/>
-          </a:p>
-          <a:p>
-            <a:r>
-              <a:rPr lang="pt-BR" dirty="0"/>
-              <a:t>	</a:t>
-            </a:r>
-            <a:r>
-              <a:rPr lang="pt-BR" strike="sngStrike" dirty="0" smtClean="0"/>
+            <a:endParaRPr lang="pt-BR" sz="700" dirty="0" smtClean="0"/>
+          </a:p>
+          <a:p>
+            <a:r>
+              <a:rPr lang="pt-BR" sz="700" strike="sngStrike" dirty="0" smtClean="0"/>
               <a:t>- rever atrito no ar </a:t>
             </a:r>
           </a:p>
           <a:p>
             <a:r>
-              <a:rPr lang="pt-BR" dirty="0" smtClean="0"/>
-              <a:t>	</a:t>
-            </a:r>
-            <a:r>
-              <a:rPr lang="pt-BR" strike="sngStrike" dirty="0" smtClean="0"/>
+              <a:rPr lang="pt-BR" sz="700" strike="sngStrike" dirty="0" smtClean="0"/>
               <a:t>- </a:t>
             </a:r>
             <a:r>
-              <a:rPr lang="pt-BR" strike="sngStrike" dirty="0" err="1" smtClean="0"/>
+              <a:rPr lang="pt-BR" sz="700" strike="sngStrike" dirty="0" err="1" smtClean="0"/>
               <a:t>wall</a:t>
             </a:r>
             <a:r>
-              <a:rPr lang="pt-BR" strike="sngStrike" dirty="0" smtClean="0"/>
+              <a:rPr lang="pt-BR" sz="700" strike="sngStrike" dirty="0" smtClean="0"/>
               <a:t> </a:t>
             </a:r>
             <a:r>
-              <a:rPr lang="pt-BR" strike="sngStrike" dirty="0" err="1" smtClean="0"/>
+              <a:rPr lang="pt-BR" sz="700" strike="sngStrike" dirty="0" err="1" smtClean="0"/>
               <a:t>jump</a:t>
             </a:r>
             <a:r>
-              <a:rPr lang="pt-BR" strike="sngStrike" dirty="0" smtClean="0"/>
+              <a:rPr lang="pt-BR" sz="700" strike="sngStrike" dirty="0" smtClean="0"/>
               <a:t> melhorado</a:t>
             </a:r>
-            <a:endParaRPr lang="pt-BR" strike="sngStrike" dirty="0" smtClean="0"/>
-          </a:p>
-          <a:p>
-            <a:r>
-              <a:rPr lang="pt-BR" dirty="0"/>
-              <a:t>	</a:t>
-            </a:r>
-            <a:r>
-              <a:rPr lang="pt-BR" dirty="0" smtClean="0"/>
+          </a:p>
+          <a:p>
+            <a:r>
+              <a:rPr lang="pt-BR" sz="700" strike="sngStrike" dirty="0" smtClean="0"/>
               <a:t>- criar </a:t>
             </a:r>
             <a:r>
-              <a:rPr lang="pt-BR" dirty="0"/>
-              <a:t>desenhos para espetos, fogo, choque</a:t>
-            </a:r>
-          </a:p>
-          <a:p>
-            <a:r>
-              <a:rPr lang="pt-BR" dirty="0" smtClean="0"/>
-              <a:t> </a:t>
-            </a:r>
-            <a:r>
-              <a:rPr lang="pt-BR" dirty="0"/>
-              <a:t>	</a:t>
-            </a:r>
-            <a:r>
-              <a:rPr lang="pt-BR" dirty="0" smtClean="0"/>
+              <a:rPr lang="pt-BR" sz="700" strike="sngStrike" dirty="0"/>
+              <a:t>desenhos para </a:t>
+            </a:r>
+            <a:r>
+              <a:rPr lang="pt-BR" sz="700" strike="sngStrike" dirty="0" smtClean="0"/>
+              <a:t>choque</a:t>
+            </a:r>
+            <a:endParaRPr lang="pt-BR" sz="700" strike="sngStrike" dirty="0"/>
+          </a:p>
+          <a:p>
+            <a:r>
+              <a:rPr lang="pt-BR" sz="700" strike="sngStrike" dirty="0" smtClean="0"/>
               <a:t>- Mecânicas do  primeiro chefão</a:t>
             </a:r>
           </a:p>
           <a:p>
             <a:r>
-              <a:rPr lang="pt-BR" dirty="0"/>
-              <a:t>	</a:t>
-            </a:r>
-            <a:r>
-              <a:rPr lang="pt-BR" dirty="0" smtClean="0"/>
+              <a:rPr lang="pt-BR" sz="700" strike="sngStrike" dirty="0" smtClean="0"/>
               <a:t>- melhorar código dos corações e adicionar vidas</a:t>
             </a:r>
-            <a:endParaRPr lang="pt-BR" dirty="0"/>
+            <a:endParaRPr lang="pt-BR" sz="700" strike="sngStrike" dirty="0"/>
           </a:p>
         </p:txBody>
       </p:sp>
@@ -6712,8 +6682,8 @@
         </p:nvSpPr>
         <p:spPr>
           <a:xfrm>
-            <a:off x="5588617" y="3995678"/>
-            <a:ext cx="5883479" cy="2585323"/>
+            <a:off x="5533180" y="2084426"/>
+            <a:ext cx="6337242" cy="3139321"/>
           </a:xfrm>
           <a:prstGeom prst="rect">
             <a:avLst/>
@@ -6734,7 +6704,19 @@
               <a:rPr lang="pt-BR" dirty="0" smtClean="0">
                 <a:sym typeface="Wingdings" panose="05000000000000000000" pitchFamily="2" charset="2"/>
               </a:rPr>
-              <a:t>:</a:t>
+              <a:t>: (BIG </a:t>
+            </a:r>
+            <a:r>
+              <a:rPr lang="pt-BR" dirty="0" err="1" smtClean="0">
+                <a:sym typeface="Wingdings" panose="05000000000000000000" pitchFamily="2" charset="2"/>
+              </a:rPr>
+              <a:t>Refactor</a:t>
+            </a:r>
+            <a:r>
+              <a:rPr lang="pt-BR" dirty="0" smtClean="0">
+                <a:sym typeface="Wingdings" panose="05000000000000000000" pitchFamily="2" charset="2"/>
+              </a:rPr>
+              <a:t>)</a:t>
             </a:r>
             <a:endParaRPr lang="pt-BR" dirty="0" smtClean="0"/>
           </a:p>
@@ -6759,7 +6741,7 @@
             </a:r>
             <a:r>
               <a:rPr lang="pt-BR" dirty="0" smtClean="0"/>
-              <a:t>- Montar animações de pulo corrida e </a:t>
+              <a:t>- Desenhar animações de pulo, corrida e </a:t>
             </a:r>
             <a:r>
               <a:rPr lang="pt-BR" dirty="0" err="1" smtClean="0"/>
@@ -6774,9 +6756,8 @@
             </a:r>
             <a:r>
               <a:rPr lang="pt-BR" dirty="0" smtClean="0"/>
-              <a:t>-habilidades????</a:t>
-            </a:r>
-            <a:endParaRPr lang="pt-BR" dirty="0" smtClean="0"/>
+              <a:t>- habilidades de correr mais rápido</a:t>
+            </a:r>
           </a:p>
           <a:p>
             <a:r>
@@ -6842,9 +6823,8 @@
             </a:r>
             <a:r>
               <a:rPr lang="pt-BR" dirty="0" smtClean="0"/>
-              <a:t>).</a:t>
-            </a:r>
-            <a:endParaRPr lang="pt-BR" dirty="0"/>
+              <a:t>). Adicionar contorno as vidas para que seja possível indicar quantas vidas se tem</a:t>
+            </a:r>
           </a:p>
         </p:txBody>
       </p:sp>

--- a/Project Data/Ciclo de trabalho.pptx
+++ b/Project Data/Ciclo de trabalho.pptx
@@ -3479,7 +3479,7 @@
           <a:p>
             <a:fld id="{033C220F-AFE8-4CCC-95E1-E0424241E150}" type="datetimeFigureOut">
               <a:rPr lang="pt-BR" smtClean="0"/>
-              <a:t>26/10/2017</a:t>
+              <a:t>01/11/2017</a:t>
             </a:fld>
             <a:endParaRPr lang="pt-BR"/>
           </a:p>
@@ -3649,7 +3649,7 @@
           <a:p>
             <a:fld id="{033C220F-AFE8-4CCC-95E1-E0424241E150}" type="datetimeFigureOut">
               <a:rPr lang="pt-BR" smtClean="0"/>
-              <a:t>26/10/2017</a:t>
+              <a:t>01/11/2017</a:t>
             </a:fld>
             <a:endParaRPr lang="pt-BR"/>
           </a:p>
@@ -3829,7 +3829,7 @@
           <a:p>
             <a:fld id="{033C220F-AFE8-4CCC-95E1-E0424241E150}" type="datetimeFigureOut">
               <a:rPr lang="pt-BR" smtClean="0"/>
-              <a:t>26/10/2017</a:t>
+              <a:t>01/11/2017</a:t>
             </a:fld>
             <a:endParaRPr lang="pt-BR"/>
           </a:p>
@@ -3999,7 +3999,7 @@
           <a:p>
             <a:fld id="{033C220F-AFE8-4CCC-95E1-E0424241E150}" type="datetimeFigureOut">
               <a:rPr lang="pt-BR" smtClean="0"/>
-              <a:t>26/10/2017</a:t>
+              <a:t>01/11/2017</a:t>
             </a:fld>
             <a:endParaRPr lang="pt-BR"/>
           </a:p>
@@ -4245,7 +4245,7 @@
           <a:p>
             <a:fld id="{033C220F-AFE8-4CCC-95E1-E0424241E150}" type="datetimeFigureOut">
               <a:rPr lang="pt-BR" smtClean="0"/>
-              <a:t>26/10/2017</a:t>
+              <a:t>01/11/2017</a:t>
             </a:fld>
             <a:endParaRPr lang="pt-BR"/>
           </a:p>
@@ -4477,7 +4477,7 @@
           <a:p>
             <a:fld id="{033C220F-AFE8-4CCC-95E1-E0424241E150}" type="datetimeFigureOut">
               <a:rPr lang="pt-BR" smtClean="0"/>
-              <a:t>26/10/2017</a:t>
+              <a:t>01/11/2017</a:t>
             </a:fld>
             <a:endParaRPr lang="pt-BR"/>
           </a:p>
@@ -4844,7 +4844,7 @@
           <a:p>
             <a:fld id="{033C220F-AFE8-4CCC-95E1-E0424241E150}" type="datetimeFigureOut">
               <a:rPr lang="pt-BR" smtClean="0"/>
-              <a:t>26/10/2017</a:t>
+              <a:t>01/11/2017</a:t>
             </a:fld>
             <a:endParaRPr lang="pt-BR"/>
           </a:p>
@@ -4962,7 +4962,7 @@
           <a:p>
             <a:fld id="{033C220F-AFE8-4CCC-95E1-E0424241E150}" type="datetimeFigureOut">
               <a:rPr lang="pt-BR" smtClean="0"/>
-              <a:t>26/10/2017</a:t>
+              <a:t>01/11/2017</a:t>
             </a:fld>
             <a:endParaRPr lang="pt-BR"/>
           </a:p>
@@ -5057,7 +5057,7 @@
           <a:p>
             <a:fld id="{033C220F-AFE8-4CCC-95E1-E0424241E150}" type="datetimeFigureOut">
               <a:rPr lang="pt-BR" smtClean="0"/>
-              <a:t>26/10/2017</a:t>
+              <a:t>01/11/2017</a:t>
             </a:fld>
             <a:endParaRPr lang="pt-BR"/>
           </a:p>
@@ -5334,7 +5334,7 @@
           <a:p>
             <a:fld id="{033C220F-AFE8-4CCC-95E1-E0424241E150}" type="datetimeFigureOut">
               <a:rPr lang="pt-BR" smtClean="0"/>
-              <a:t>26/10/2017</a:t>
+              <a:t>01/11/2017</a:t>
             </a:fld>
             <a:endParaRPr lang="pt-BR"/>
           </a:p>
@@ -5587,7 +5587,7 @@
           <a:p>
             <a:fld id="{033C220F-AFE8-4CCC-95E1-E0424241E150}" type="datetimeFigureOut">
               <a:rPr lang="pt-BR" smtClean="0"/>
-              <a:t>26/10/2017</a:t>
+              <a:t>01/11/2017</a:t>
             </a:fld>
             <a:endParaRPr lang="pt-BR"/>
           </a:p>
@@ -5800,7 +5800,7 @@
           <a:p>
             <a:fld id="{033C220F-AFE8-4CCC-95E1-E0424241E150}" type="datetimeFigureOut">
               <a:rPr lang="pt-BR" smtClean="0"/>
-              <a:t>26/10/2017</a:t>
+              <a:t>01/11/2017</a:t>
             </a:fld>
             <a:endParaRPr lang="pt-BR"/>
           </a:p>
@@ -6704,21 +6704,27 @@
               <a:rPr lang="pt-BR" dirty="0" smtClean="0">
                 <a:sym typeface="Wingdings" panose="05000000000000000000" pitchFamily="2" charset="2"/>
               </a:rPr>
-              <a:t>: (BIG </a:t>
-            </a:r>
-            <a:r>
-              <a:rPr lang="pt-BR" dirty="0" err="1" smtClean="0">
+              <a:t>: </a:t>
+            </a:r>
+            <a:r>
+              <a:rPr lang="pt-BR" strike="sngStrike" dirty="0" smtClean="0">
+                <a:sym typeface="Wingdings" panose="05000000000000000000" pitchFamily="2" charset="2"/>
+              </a:rPr>
+              <a:t>(BIG </a:t>
+            </a:r>
+            <a:r>
+              <a:rPr lang="pt-BR" strike="sngStrike" dirty="0" err="1" smtClean="0">
                 <a:sym typeface="Wingdings" panose="05000000000000000000" pitchFamily="2" charset="2"/>
               </a:rPr>
               <a:t>Refactor</a:t>
             </a:r>
             <a:r>
-              <a:rPr lang="pt-BR" dirty="0" smtClean="0">
+              <a:rPr lang="pt-BR" strike="sngStrike" dirty="0" smtClean="0">
                 <a:sym typeface="Wingdings" panose="05000000000000000000" pitchFamily="2" charset="2"/>
               </a:rPr>
               <a:t>)</a:t>
             </a:r>
-            <a:endParaRPr lang="pt-BR" dirty="0" smtClean="0"/>
+            <a:endParaRPr lang="pt-BR" strike="sngStrike" dirty="0" smtClean="0"/>
           </a:p>
           <a:p>
             <a:r>

--- a/Project Data/Ciclo de trabalho.pptx
+++ b/Project Data/Ciclo de trabalho.pptx
@@ -3479,7 +3479,7 @@
           <a:p>
             <a:fld id="{033C220F-AFE8-4CCC-95E1-E0424241E150}" type="datetimeFigureOut">
               <a:rPr lang="pt-BR" smtClean="0"/>
-              <a:t>01/11/2017</a:t>
+              <a:t>06/11/2017</a:t>
             </a:fld>
             <a:endParaRPr lang="pt-BR"/>
           </a:p>
@@ -3649,7 +3649,7 @@
           <a:p>
             <a:fld id="{033C220F-AFE8-4CCC-95E1-E0424241E150}" type="datetimeFigureOut">
               <a:rPr lang="pt-BR" smtClean="0"/>
-              <a:t>01/11/2017</a:t>
+              <a:t>06/11/2017</a:t>
             </a:fld>
             <a:endParaRPr lang="pt-BR"/>
           </a:p>
@@ -3829,7 +3829,7 @@
           <a:p>
             <a:fld id="{033C220F-AFE8-4CCC-95E1-E0424241E150}" type="datetimeFigureOut">
               <a:rPr lang="pt-BR" smtClean="0"/>
-              <a:t>01/11/2017</a:t>
+              <a:t>06/11/2017</a:t>
             </a:fld>
             <a:endParaRPr lang="pt-BR"/>
           </a:p>
@@ -3999,7 +3999,7 @@
           <a:p>
             <a:fld id="{033C220F-AFE8-4CCC-95E1-E0424241E150}" type="datetimeFigureOut">
               <a:rPr lang="pt-BR" smtClean="0"/>
-              <a:t>01/11/2017</a:t>
+              <a:t>06/11/2017</a:t>
             </a:fld>
             <a:endParaRPr lang="pt-BR"/>
           </a:p>
@@ -4245,7 +4245,7 @@
           <a:p>
             <a:fld id="{033C220F-AFE8-4CCC-95E1-E0424241E150}" type="datetimeFigureOut">
               <a:rPr lang="pt-BR" smtClean="0"/>
-              <a:t>01/11/2017</a:t>
+              <a:t>06/11/2017</a:t>
             </a:fld>
             <a:endParaRPr lang="pt-BR"/>
           </a:p>
@@ -4477,7 +4477,7 @@
           <a:p>
             <a:fld id="{033C220F-AFE8-4CCC-95E1-E0424241E150}" type="datetimeFigureOut">
               <a:rPr lang="pt-BR" smtClean="0"/>
-              <a:t>01/11/2017</a:t>
+              <a:t>06/11/2017</a:t>
             </a:fld>
             <a:endParaRPr lang="pt-BR"/>
           </a:p>
@@ -4844,7 +4844,7 @@
           <a:p>
             <a:fld id="{033C220F-AFE8-4CCC-95E1-E0424241E150}" type="datetimeFigureOut">
               <a:rPr lang="pt-BR" smtClean="0"/>
-              <a:t>01/11/2017</a:t>
+              <a:t>06/11/2017</a:t>
             </a:fld>
             <a:endParaRPr lang="pt-BR"/>
           </a:p>
@@ -4962,7 +4962,7 @@
           <a:p>
             <a:fld id="{033C220F-AFE8-4CCC-95E1-E0424241E150}" type="datetimeFigureOut">
               <a:rPr lang="pt-BR" smtClean="0"/>
-              <a:t>01/11/2017</a:t>
+              <a:t>06/11/2017</a:t>
             </a:fld>
             <a:endParaRPr lang="pt-BR"/>
           </a:p>
@@ -5057,7 +5057,7 @@
           <a:p>
             <a:fld id="{033C220F-AFE8-4CCC-95E1-E0424241E150}" type="datetimeFigureOut">
               <a:rPr lang="pt-BR" smtClean="0"/>
-              <a:t>01/11/2017</a:t>
+              <a:t>06/11/2017</a:t>
             </a:fld>
             <a:endParaRPr lang="pt-BR"/>
           </a:p>
@@ -5334,7 +5334,7 @@
           <a:p>
             <a:fld id="{033C220F-AFE8-4CCC-95E1-E0424241E150}" type="datetimeFigureOut">
               <a:rPr lang="pt-BR" smtClean="0"/>
-              <a:t>01/11/2017</a:t>
+              <a:t>06/11/2017</a:t>
             </a:fld>
             <a:endParaRPr lang="pt-BR"/>
           </a:p>
@@ -5587,7 +5587,7 @@
           <a:p>
             <a:fld id="{033C220F-AFE8-4CCC-95E1-E0424241E150}" type="datetimeFigureOut">
               <a:rPr lang="pt-BR" smtClean="0"/>
-              <a:t>01/11/2017</a:t>
+              <a:t>06/11/2017</a:t>
             </a:fld>
             <a:endParaRPr lang="pt-BR"/>
           </a:p>
@@ -5800,7 +5800,7 @@
           <a:p>
             <a:fld id="{033C220F-AFE8-4CCC-95E1-E0424241E150}" type="datetimeFigureOut">
               <a:rPr lang="pt-BR" smtClean="0"/>
-              <a:t>01/11/2017</a:t>
+              <a:t>06/11/2017</a:t>
             </a:fld>
             <a:endParaRPr lang="pt-BR"/>
           </a:p>
@@ -6682,8 +6682,8 @@
         </p:nvSpPr>
         <p:spPr>
           <a:xfrm>
-            <a:off x="5533180" y="2084426"/>
-            <a:ext cx="6337242" cy="3139321"/>
+            <a:off x="5467277" y="980554"/>
+            <a:ext cx="6337242" cy="3416320"/>
           </a:xfrm>
           <a:prstGeom prst="rect">
             <a:avLst/>
@@ -6729,7 +6729,198 @@
           <a:p>
             <a:r>
               <a:rPr lang="pt-BR" dirty="0" smtClean="0"/>
-              <a:t>	- Remodelar </a:t>
+              <a:t>	- </a:t>
+            </a:r>
+            <a:r>
+              <a:rPr lang="pt-BR" strike="sngStrike" dirty="0" smtClean="0"/>
+              <a:t>Remodelar </a:t>
+            </a:r>
+            <a:r>
+              <a:rPr lang="pt-BR" strike="sngStrike" dirty="0" err="1" smtClean="0"/>
+              <a:t>level</a:t>
+            </a:r>
+            <a:r>
+              <a:rPr lang="pt-BR" strike="sngStrike" dirty="0" smtClean="0"/>
+              <a:t> 1 com tiles simples ou copiados</a:t>
+            </a:r>
+          </a:p>
+          <a:p>
+            <a:r>
+              <a:rPr lang="pt-BR" dirty="0"/>
+              <a:t>	</a:t>
+            </a:r>
+            <a:r>
+              <a:rPr lang="pt-BR" dirty="0" smtClean="0"/>
+              <a:t>- Desenhar animações de pulo, corrida e </a:t>
+            </a:r>
+            <a:r>
+              <a:rPr lang="pt-BR" dirty="0" err="1" smtClean="0"/>
+              <a:t>iddle</a:t>
+            </a:r>
+            <a:endParaRPr lang="pt-BR" dirty="0" smtClean="0"/>
+          </a:p>
+          <a:p>
+            <a:r>
+              <a:rPr lang="pt-BR" dirty="0"/>
+              <a:t>	</a:t>
+            </a:r>
+            <a:r>
+              <a:rPr lang="pt-BR" strike="sngStrike" dirty="0" smtClean="0"/>
+              <a:t>- habilidades de correr mais rápido</a:t>
+            </a:r>
+          </a:p>
+          <a:p>
+            <a:r>
+              <a:rPr lang="pt-BR" dirty="0"/>
+              <a:t>	</a:t>
+            </a:r>
+            <a:r>
+              <a:rPr lang="pt-BR" dirty="0" smtClean="0"/>
+              <a:t>- programar o </a:t>
+            </a:r>
+            <a:r>
+              <a:rPr lang="pt-BR" dirty="0" err="1" smtClean="0"/>
+              <a:t>wall</a:t>
+            </a:r>
+            <a:r>
+              <a:rPr lang="pt-BR" dirty="0" smtClean="0"/>
+              <a:t> </a:t>
+            </a:r>
+            <a:r>
+              <a:rPr lang="pt-BR" dirty="0" err="1" smtClean="0"/>
+              <a:t>jump</a:t>
+            </a:r>
+            <a:r>
+              <a:rPr lang="pt-BR" dirty="0" smtClean="0"/>
+              <a:t> para ser coletável, isso servirá para outras habilidades</a:t>
+            </a:r>
+            <a:r>
+              <a:rPr lang="pt-BR" dirty="0" smtClean="0"/>
+              <a:t>.</a:t>
+            </a:r>
+          </a:p>
+          <a:p>
+            <a:r>
+              <a:rPr lang="pt-BR" dirty="0" smtClean="0"/>
+              <a:t>	- tornar o raio amigável ao </a:t>
+            </a:r>
+            <a:r>
+              <a:rPr lang="pt-BR" dirty="0" err="1" smtClean="0"/>
+              <a:t>tileset</a:t>
+            </a:r>
+            <a:r>
+              <a:rPr lang="pt-BR" dirty="0" smtClean="0"/>
+              <a:t> 32x32</a:t>
+            </a:r>
+            <a:endParaRPr lang="pt-BR" dirty="0" smtClean="0"/>
+          </a:p>
+          <a:p>
+            <a:r>
+              <a:rPr lang="pt-BR" dirty="0"/>
+              <a:t>	</a:t>
+            </a:r>
+            <a:r>
+              <a:rPr lang="pt-BR" dirty="0" smtClean="0"/>
+              <a:t>- animação </a:t>
+            </a:r>
+            <a:r>
+              <a:rPr lang="pt-BR" dirty="0" err="1" smtClean="0"/>
+              <a:t>mik</a:t>
+            </a:r>
+            <a:endParaRPr lang="pt-BR" dirty="0" smtClean="0"/>
+          </a:p>
+          <a:p>
+            <a:r>
+              <a:rPr lang="pt-BR" dirty="0"/>
+              <a:t>	</a:t>
+            </a:r>
+            <a:r>
+              <a:rPr lang="pt-BR" dirty="0" smtClean="0"/>
+              <a:t>- Fazer ser visível qual o botão selecionado mesmo com o </a:t>
+            </a:r>
+            <a:r>
+              <a:rPr lang="pt-BR" dirty="0" err="1" smtClean="0"/>
+              <a:t>gamepad</a:t>
+            </a:r>
+            <a:r>
+              <a:rPr lang="pt-BR" dirty="0" smtClean="0"/>
+              <a:t> (mouse já é de boa com a função </a:t>
+            </a:r>
+            <a:r>
+              <a:rPr lang="pt-BR" dirty="0" err="1" smtClean="0"/>
+              <a:t>hover</a:t>
+            </a:r>
+            <a:r>
+              <a:rPr lang="pt-BR" dirty="0" smtClean="0"/>
+              <a:t>). Adicionar contorno as vidas para que seja possível indicar quantas vidas se tem</a:t>
+            </a:r>
+          </a:p>
+        </p:txBody>
+      </p:sp>
+      <p:sp>
+        <p:nvSpPr>
+          <p:cNvPr id="10" name="CaixaDeTexto 9"/>
+          <p:cNvSpPr txBox="1"/>
+          <p:nvPr/>
+        </p:nvSpPr>
+        <p:spPr>
+          <a:xfrm>
+            <a:off x="5467277" y="4337472"/>
+            <a:ext cx="6337242" cy="2585323"/>
+          </a:xfrm>
+          <a:prstGeom prst="rect">
+            <a:avLst/>
+          </a:prstGeom>
+          <a:noFill/>
+        </p:spPr>
+        <p:txBody>
+          <a:bodyPr wrap="square" rtlCol="0">
+            <a:spAutoFit/>
+          </a:bodyPr>
+          <a:lstStyle/>
+          <a:p>
+            <a:r>
+              <a:rPr lang="pt-BR" dirty="0" smtClean="0"/>
+              <a:t>Sexto </a:t>
+            </a:r>
+            <a:r>
+              <a:rPr lang="pt-BR" dirty="0" smtClean="0"/>
+              <a:t>ciclo</a:t>
+            </a:r>
+            <a:r>
+              <a:rPr lang="pt-BR" dirty="0" smtClean="0">
+                <a:sym typeface="Wingdings" panose="05000000000000000000" pitchFamily="2" charset="2"/>
+              </a:rPr>
+              <a:t>: </a:t>
+            </a:r>
+            <a:r>
+              <a:rPr lang="pt-BR" dirty="0" smtClean="0">
+                <a:sym typeface="Wingdings" panose="05000000000000000000" pitchFamily="2" charset="2"/>
+              </a:rPr>
+              <a:t>(</a:t>
+            </a:r>
+            <a:r>
+              <a:rPr lang="pt-BR" dirty="0" err="1" smtClean="0">
+                <a:sym typeface="Wingdings" panose="05000000000000000000" pitchFamily="2" charset="2"/>
+              </a:rPr>
+              <a:t>QuickRefactor</a:t>
+            </a:r>
+            <a:r>
+              <a:rPr lang="pt-BR" dirty="0" smtClean="0">
+                <a:sym typeface="Wingdings" panose="05000000000000000000" pitchFamily="2" charset="2"/>
+              </a:rPr>
+              <a:t>)</a:t>
+            </a:r>
+            <a:endParaRPr lang="pt-BR" dirty="0" smtClean="0"/>
+          </a:p>
+          <a:p>
+            <a:r>
+              <a:rPr lang="pt-BR" dirty="0" smtClean="0"/>
+              <a:t>	- </a:t>
+            </a:r>
+            <a:r>
+              <a:rPr lang="pt-BR" dirty="0" smtClean="0"/>
+              <a:t>Concluir </a:t>
             </a:r>
             <a:r>
               <a:rPr lang="pt-BR" dirty="0" err="1" smtClean="0"/>
@@ -6737,8 +6928,21 @@
             </a:r>
             <a:r>
               <a:rPr lang="pt-BR" dirty="0" smtClean="0"/>
-              <a:t> 1 com tiles simples ou copiados</a:t>
-            </a:r>
+              <a:t> 1 e carregar informações para </a:t>
+            </a:r>
+            <a:r>
+              <a:rPr lang="pt-BR" dirty="0" err="1" smtClean="0"/>
+              <a:t>proximo</a:t>
+            </a:r>
+            <a:r>
+              <a:rPr lang="pt-BR" dirty="0" smtClean="0"/>
+              <a:t> </a:t>
+            </a:r>
+            <a:r>
+              <a:rPr lang="pt-BR" dirty="0" err="1" smtClean="0"/>
+              <a:t>level</a:t>
+            </a:r>
+            <a:endParaRPr lang="pt-BR" dirty="0" smtClean="0"/>
           </a:p>
           <a:p>
             <a:r>
@@ -6747,11 +6951,15 @@
             </a:r>
             <a:r>
               <a:rPr lang="pt-BR" dirty="0" smtClean="0"/>
-              <a:t>- Desenhar animações de pulo, corrida e </a:t>
+              <a:t>- Desenhar animações </a:t>
+            </a:r>
+            <a:r>
+              <a:rPr lang="pt-BR" dirty="0" smtClean="0"/>
+              <a:t>slide, hit, </a:t>
             </a:r>
             <a:r>
               <a:rPr lang="pt-BR" dirty="0" err="1" smtClean="0"/>
-              <a:t>iddle</a:t>
+              <a:t>death</a:t>
             </a:r>
             <a:endParaRPr lang="pt-BR" dirty="0" smtClean="0"/>
           </a:p>
@@ -6762,8 +6970,13 @@
             </a:r>
             <a:r>
               <a:rPr lang="pt-BR" dirty="0" smtClean="0"/>
-              <a:t>- habilidades de correr mais rápido</a:t>
-            </a:r>
+              <a:t>- </a:t>
+            </a:r>
+            <a:r>
+              <a:rPr lang="pt-BR" dirty="0" smtClean="0"/>
+              <a:t>Controles (não sei)</a:t>
+            </a:r>
+            <a:endParaRPr lang="pt-BR" dirty="0" smtClean="0"/>
           </a:p>
           <a:p>
             <a:r>
@@ -6772,24 +6985,21 @@
             </a:r>
             <a:r>
               <a:rPr lang="pt-BR" dirty="0" smtClean="0"/>
-              <a:t>- programar o </a:t>
+              <a:t>- </a:t>
+            </a:r>
+            <a:r>
+              <a:rPr lang="pt-BR" dirty="0" smtClean="0"/>
+              <a:t>desenhar animação de </a:t>
             </a:r>
             <a:r>
               <a:rPr lang="pt-BR" dirty="0" err="1" smtClean="0"/>
-              <a:t>wall</a:t>
+              <a:t>dazzling</a:t>
             </a:r>
             <a:r>
               <a:rPr lang="pt-BR" dirty="0" smtClean="0"/>
-              <a:t> </a:t>
-            </a:r>
-            <a:r>
-              <a:rPr lang="pt-BR" dirty="0" err="1" smtClean="0"/>
-              <a:t>jump</a:t>
-            </a:r>
-            <a:r>
-              <a:rPr lang="pt-BR" dirty="0" smtClean="0"/>
-              <a:t> para ser coletável, isso servirá para outras habilidades.</a:t>
-            </a:r>
+              <a:t> ao coletar coisas importantes</a:t>
+            </a:r>
+            <a:endParaRPr lang="pt-BR" dirty="0" smtClean="0"/>
           </a:p>
           <a:p>
             <a:r>
@@ -6798,11 +7008,7 @@
             </a:r>
             <a:r>
               <a:rPr lang="pt-BR" dirty="0" smtClean="0"/>
-              <a:t>- animação </a:t>
-            </a:r>
-            <a:r>
-              <a:rPr lang="pt-BR" dirty="0" err="1" smtClean="0"/>
-              <a:t>mik</a:t>
+              <a:t>- plataformas que caem com espetos embaixo</a:t>
             </a:r>
             <a:endParaRPr lang="pt-BR" dirty="0" smtClean="0"/>
           </a:p>
@@ -6813,24 +7019,9 @@
             </a:r>
             <a:r>
               <a:rPr lang="pt-BR" dirty="0" smtClean="0"/>
-              <a:t>- Fazer ser visível qual o botão selecionado mesmo com o </a:t>
-            </a:r>
-            <a:r>
-              <a:rPr lang="pt-BR" dirty="0" err="1" smtClean="0"/>
-              <a:t>gamepad</a:t>
-            </a:r>
-            <a:r>
-              <a:rPr lang="pt-BR" dirty="0" smtClean="0"/>
-              <a:t> (mouse já é de boa com a função </a:t>
-            </a:r>
-            <a:r>
-              <a:rPr lang="pt-BR" dirty="0" err="1" smtClean="0"/>
-              <a:t>hover</a:t>
-            </a:r>
-            <a:r>
-              <a:rPr lang="pt-BR" dirty="0" smtClean="0"/>
-              <a:t>). Adicionar contorno as vidas para que seja possível indicar quantas vidas se tem</a:t>
-            </a:r>
+              <a:t>- desenhar tela para inicio de jogo</a:t>
+            </a:r>
+            <a:endParaRPr lang="pt-BR" dirty="0" smtClean="0"/>
           </a:p>
         </p:txBody>
       </p:sp>
@@ -6844,6 +7035,13 @@
   <p:clrMapOvr>
     <a:masterClrMapping/>
   </p:clrMapOvr>
+  <p:timing>
+    <p:tnLst>
+      <p:par>
+        <p:cTn id="1" dur="indefinite" restart="never" nodeType="tmRoot"/>
+      </p:par>
+    </p:tnLst>
+  </p:timing>
 </p:sld>
 </file>
 
@@ -8904,6 +9102,13 @@
   <p:clrMapOvr>
     <a:masterClrMapping/>
   </p:clrMapOvr>
+  <p:timing>
+    <p:tnLst>
+      <p:par>
+        <p:cTn id="1" dur="indefinite" restart="never" nodeType="tmRoot"/>
+      </p:par>
+    </p:tnLst>
+  </p:timing>
 </p:sld>
 </file>
 

--- a/Project Data/Ciclo de trabalho.pptx
+++ b/Project Data/Ciclo de trabalho.pptx
@@ -3479,7 +3479,7 @@
           <a:p>
             <a:fld id="{033C220F-AFE8-4CCC-95E1-E0424241E150}" type="datetimeFigureOut">
               <a:rPr lang="pt-BR" smtClean="0"/>
-              <a:t>06/11/2017</a:t>
+              <a:t>14/11/2017</a:t>
             </a:fld>
             <a:endParaRPr lang="pt-BR"/>
           </a:p>
@@ -3649,7 +3649,7 @@
           <a:p>
             <a:fld id="{033C220F-AFE8-4CCC-95E1-E0424241E150}" type="datetimeFigureOut">
               <a:rPr lang="pt-BR" smtClean="0"/>
-              <a:t>06/11/2017</a:t>
+              <a:t>14/11/2017</a:t>
             </a:fld>
             <a:endParaRPr lang="pt-BR"/>
           </a:p>
@@ -3829,7 +3829,7 @@
           <a:p>
             <a:fld id="{033C220F-AFE8-4CCC-95E1-E0424241E150}" type="datetimeFigureOut">
               <a:rPr lang="pt-BR" smtClean="0"/>
-              <a:t>06/11/2017</a:t>
+              <a:t>14/11/2017</a:t>
             </a:fld>
             <a:endParaRPr lang="pt-BR"/>
           </a:p>
@@ -3999,7 +3999,7 @@
           <a:p>
             <a:fld id="{033C220F-AFE8-4CCC-95E1-E0424241E150}" type="datetimeFigureOut">
               <a:rPr lang="pt-BR" smtClean="0"/>
-              <a:t>06/11/2017</a:t>
+              <a:t>14/11/2017</a:t>
             </a:fld>
             <a:endParaRPr lang="pt-BR"/>
           </a:p>
@@ -4245,7 +4245,7 @@
           <a:p>
             <a:fld id="{033C220F-AFE8-4CCC-95E1-E0424241E150}" type="datetimeFigureOut">
               <a:rPr lang="pt-BR" smtClean="0"/>
-              <a:t>06/11/2017</a:t>
+              <a:t>14/11/2017</a:t>
             </a:fld>
             <a:endParaRPr lang="pt-BR"/>
           </a:p>
@@ -4477,7 +4477,7 @@
           <a:p>
             <a:fld id="{033C220F-AFE8-4CCC-95E1-E0424241E150}" type="datetimeFigureOut">
               <a:rPr lang="pt-BR" smtClean="0"/>
-              <a:t>06/11/2017</a:t>
+              <a:t>14/11/2017</a:t>
             </a:fld>
             <a:endParaRPr lang="pt-BR"/>
           </a:p>
@@ -4844,7 +4844,7 @@
           <a:p>
             <a:fld id="{033C220F-AFE8-4CCC-95E1-E0424241E150}" type="datetimeFigureOut">
               <a:rPr lang="pt-BR" smtClean="0"/>
-              <a:t>06/11/2017</a:t>
+              <a:t>14/11/2017</a:t>
             </a:fld>
             <a:endParaRPr lang="pt-BR"/>
           </a:p>
@@ -4962,7 +4962,7 @@
           <a:p>
             <a:fld id="{033C220F-AFE8-4CCC-95E1-E0424241E150}" type="datetimeFigureOut">
               <a:rPr lang="pt-BR" smtClean="0"/>
-              <a:t>06/11/2017</a:t>
+              <a:t>14/11/2017</a:t>
             </a:fld>
             <a:endParaRPr lang="pt-BR"/>
           </a:p>
@@ -5057,7 +5057,7 @@
           <a:p>
             <a:fld id="{033C220F-AFE8-4CCC-95E1-E0424241E150}" type="datetimeFigureOut">
               <a:rPr lang="pt-BR" smtClean="0"/>
-              <a:t>06/11/2017</a:t>
+              <a:t>14/11/2017</a:t>
             </a:fld>
             <a:endParaRPr lang="pt-BR"/>
           </a:p>
@@ -5334,7 +5334,7 @@
           <a:p>
             <a:fld id="{033C220F-AFE8-4CCC-95E1-E0424241E150}" type="datetimeFigureOut">
               <a:rPr lang="pt-BR" smtClean="0"/>
-              <a:t>06/11/2017</a:t>
+              <a:t>14/11/2017</a:t>
             </a:fld>
             <a:endParaRPr lang="pt-BR"/>
           </a:p>
@@ -5587,7 +5587,7 @@
           <a:p>
             <a:fld id="{033C220F-AFE8-4CCC-95E1-E0424241E150}" type="datetimeFigureOut">
               <a:rPr lang="pt-BR" smtClean="0"/>
-              <a:t>06/11/2017</a:t>
+              <a:t>14/11/2017</a:t>
             </a:fld>
             <a:endParaRPr lang="pt-BR"/>
           </a:p>
@@ -5800,7 +5800,7 @@
           <a:p>
             <a:fld id="{033C220F-AFE8-4CCC-95E1-E0424241E150}" type="datetimeFigureOut">
               <a:rPr lang="pt-BR" smtClean="0"/>
-              <a:t>06/11/2017</a:t>
+              <a:t>14/11/2017</a:t>
             </a:fld>
             <a:endParaRPr lang="pt-BR"/>
           </a:p>
@@ -6683,7 +6683,7 @@
         <p:spPr>
           <a:xfrm>
             <a:off x="5467277" y="980554"/>
-            <a:ext cx="6337242" cy="3416320"/>
+            <a:ext cx="6337242" cy="3139321"/>
           </a:xfrm>
           <a:prstGeom prst="rect">
             <a:avLst/>
@@ -6776,27 +6776,19 @@
             </a:r>
             <a:r>
               <a:rPr lang="pt-BR" dirty="0" smtClean="0"/>
-              <a:t>- programar o </a:t>
-            </a:r>
-            <a:r>
-              <a:rPr lang="pt-BR" dirty="0" err="1" smtClean="0"/>
-              <a:t>wall</a:t>
+              <a:t>- programar </a:t>
             </a:r>
             <a:r>
               <a:rPr lang="pt-BR" dirty="0" smtClean="0"/>
-              <a:t> </a:t>
-            </a:r>
-            <a:r>
-              <a:rPr lang="pt-BR" dirty="0" err="1" smtClean="0"/>
-              <a:t>jump</a:t>
+              <a:t>joga bombas para </a:t>
             </a:r>
             <a:r>
               <a:rPr lang="pt-BR" dirty="0" smtClean="0"/>
-              <a:t> para ser coletável, isso servirá para outras habilidades</a:t>
+              <a:t>ser </a:t>
             </a:r>
             <a:r>
               <a:rPr lang="pt-BR" dirty="0" smtClean="0"/>
-              <a:t>.</a:t>
+              <a:t>coletável</a:t>
             </a:r>
           </a:p>
           <a:p>
@@ -6812,7 +6804,6 @@
               <a:rPr lang="pt-BR" dirty="0" smtClean="0"/>
               <a:t> 32x32</a:t>
             </a:r>
-            <a:endParaRPr lang="pt-BR" dirty="0" smtClean="0"/>
           </a:p>
           <a:p>
             <a:r>
@@ -6881,23 +6872,13 @@
           <a:p>
             <a:r>
               <a:rPr lang="pt-BR" dirty="0" smtClean="0"/>
-              <a:t>Sexto </a:t>
-            </a:r>
-            <a:r>
-              <a:rPr lang="pt-BR" dirty="0" smtClean="0"/>
-              <a:t>ciclo</a:t>
+              <a:t>Sexto ciclo</a:t>
             </a:r>
             <a:r>
               <a:rPr lang="pt-BR" dirty="0" smtClean="0">
                 <a:sym typeface="Wingdings" panose="05000000000000000000" pitchFamily="2" charset="2"/>
               </a:rPr>
-              <a:t>: </a:t>
-            </a:r>
-            <a:r>
-              <a:rPr lang="pt-BR" dirty="0" smtClean="0">
-                <a:sym typeface="Wingdings" panose="05000000000000000000" pitchFamily="2" charset="2"/>
-              </a:rPr>
-              <a:t>(</a:t>
+              <a:t>: (</a:t>
             </a:r>
             <a:r>
               <a:rPr lang="pt-BR" dirty="0" err="1" smtClean="0">
@@ -6916,11 +6897,7 @@
           <a:p>
             <a:r>
               <a:rPr lang="pt-BR" dirty="0" smtClean="0"/>
-              <a:t>	- </a:t>
-            </a:r>
-            <a:r>
-              <a:rPr lang="pt-BR" dirty="0" smtClean="0"/>
-              <a:t>Concluir </a:t>
+              <a:t>	- Concluir </a:t>
             </a:r>
             <a:r>
               <a:rPr lang="pt-BR" dirty="0" err="1" smtClean="0"/>
@@ -6951,11 +6928,7 @@
             </a:r>
             <a:r>
               <a:rPr lang="pt-BR" dirty="0" smtClean="0"/>
-              <a:t>- Desenhar animações </a:t>
-            </a:r>
-            <a:r>
-              <a:rPr lang="pt-BR" dirty="0" smtClean="0"/>
-              <a:t>slide, hit, </a:t>
+              <a:t>- Desenhar animações slide, hit, </a:t>
             </a:r>
             <a:r>
               <a:rPr lang="pt-BR" dirty="0" err="1" smtClean="0"/>
@@ -6970,13 +6943,8 @@
             </a:r>
             <a:r>
               <a:rPr lang="pt-BR" dirty="0" smtClean="0"/>
-              <a:t>- </a:t>
-            </a:r>
-            <a:r>
-              <a:rPr lang="pt-BR" dirty="0" smtClean="0"/>
-              <a:t>Controles (não sei)</a:t>
-            </a:r>
-            <a:endParaRPr lang="pt-BR" dirty="0" smtClean="0"/>
+              <a:t>- Controles (não sei)</a:t>
+            </a:r>
           </a:p>
           <a:p>
             <a:r>
@@ -6985,11 +6953,7 @@
             </a:r>
             <a:r>
               <a:rPr lang="pt-BR" dirty="0" smtClean="0"/>
-              <a:t>- </a:t>
-            </a:r>
-            <a:r>
-              <a:rPr lang="pt-BR" dirty="0" smtClean="0"/>
-              <a:t>desenhar animação de </a:t>
+              <a:t>- desenhar animação de </a:t>
             </a:r>
             <a:r>
               <a:rPr lang="pt-BR" dirty="0" err="1" smtClean="0"/>
@@ -6999,7 +6963,6 @@
               <a:rPr lang="pt-BR" dirty="0" smtClean="0"/>
               <a:t> ao coletar coisas importantes</a:t>
             </a:r>
-            <a:endParaRPr lang="pt-BR" dirty="0" smtClean="0"/>
           </a:p>
           <a:p>
             <a:r>
@@ -7010,7 +6973,6 @@
               <a:rPr lang="pt-BR" dirty="0" smtClean="0"/>
               <a:t>- plataformas que caem com espetos embaixo</a:t>
             </a:r>
-            <a:endParaRPr lang="pt-BR" dirty="0" smtClean="0"/>
           </a:p>
           <a:p>
             <a:r>
@@ -7021,7 +6983,6 @@
               <a:rPr lang="pt-BR" dirty="0" smtClean="0"/>
               <a:t>- desenhar tela para inicio de jogo</a:t>
             </a:r>
-            <a:endParaRPr lang="pt-BR" dirty="0" smtClean="0"/>
           </a:p>
         </p:txBody>
       </p:sp>

--- a/Project Data/Ciclo de trabalho.pptx
+++ b/Project Data/Ciclo de trabalho.pptx
@@ -957,7 +957,13 @@
         <a:p>
           <a:r>
             <a:rPr lang="pt-BR" dirty="0" smtClean="0"/>
-            <a:t>Controles</a:t>
+            <a:t>Controles/</a:t>
+          </a:r>
+        </a:p>
+        <a:p>
+          <a:r>
+            <a:rPr lang="pt-BR" dirty="0" smtClean="0"/>
+            <a:t>Habilidades</a:t>
           </a:r>
           <a:endParaRPr lang="pt-BR" dirty="0"/>
         </a:p>
@@ -975,43 +981,6 @@
       </dgm:t>
     </dgm:pt>
     <dgm:pt modelId="{C7DF748C-5BC6-4110-8AB1-8DF3AED4972D}" type="sibTrans" cxnId="{7AA12DCF-5E5F-4924-B192-E45258B93BC2}">
-      <dgm:prSet/>
-      <dgm:spPr/>
-      <dgm:t>
-        <a:bodyPr/>
-        <a:lstStyle/>
-        <a:p>
-          <a:endParaRPr lang="pt-BR"/>
-        </a:p>
-      </dgm:t>
-    </dgm:pt>
-    <dgm:pt modelId="{F4B74A41-E636-488A-9BDE-2520F43B2570}">
-      <dgm:prSet phldrT="[Texto]"/>
-      <dgm:spPr/>
-      <dgm:t>
-        <a:bodyPr/>
-        <a:lstStyle/>
-        <a:p>
-          <a:r>
-            <a:rPr lang="pt-BR" dirty="0" smtClean="0"/>
-            <a:t>Habilidades</a:t>
-          </a:r>
-          <a:endParaRPr lang="pt-BR" dirty="0"/>
-        </a:p>
-      </dgm:t>
-    </dgm:pt>
-    <dgm:pt modelId="{EDCE507E-4CDE-44DB-AE41-1A470861742F}" type="parTrans" cxnId="{787504A4-3FDB-468C-9817-A33B6A27EE17}">
-      <dgm:prSet/>
-      <dgm:spPr/>
-      <dgm:t>
-        <a:bodyPr/>
-        <a:lstStyle/>
-        <a:p>
-          <a:endParaRPr lang="pt-BR"/>
-        </a:p>
-      </dgm:t>
-    </dgm:pt>
-    <dgm:pt modelId="{1B65DD5F-848F-415B-952D-C1F3C7C7635C}" type="sibTrans" cxnId="{787504A4-3FDB-468C-9817-A33B6A27EE17}">
       <dgm:prSet/>
       <dgm:spPr/>
       <dgm:t>
@@ -1154,7 +1123,7 @@
       <dgm:spPr/>
     </dgm:pt>
     <dgm:pt modelId="{8C78B6F6-E209-409D-932C-90536873D262}" type="pres">
-      <dgm:prSet presAssocID="{B785388E-A122-499C-B6C0-A42A7D5B9A56}" presName="nodeFirstNode" presStyleLbl="node1" presStyleIdx="0" presStyleCnt="7" custRadScaleRad="99319" custRadScaleInc="-1771">
+      <dgm:prSet presAssocID="{B785388E-A122-499C-B6C0-A42A7D5B9A56}" presName="nodeFirstNode" presStyleLbl="node1" presStyleIdx="0" presStyleCnt="6" custRadScaleRad="99319" custRadScaleInc="-1771">
         <dgm:presLayoutVars>
           <dgm:bulletEnabled val="1"/>
         </dgm:presLayoutVars>
@@ -1180,7 +1149,7 @@
       </dgm:t>
     </dgm:pt>
     <dgm:pt modelId="{90D0D70D-D3A1-45A4-918B-982BB4D59ADC}" type="pres">
-      <dgm:prSet presAssocID="{6EEF101B-6F3B-49DC-824B-EEDDECF26310}" presName="nodeFollowingNodes" presStyleLbl="node1" presStyleIdx="1" presStyleCnt="7">
+      <dgm:prSet presAssocID="{6EEF101B-6F3B-49DC-824B-EEDDECF26310}" presName="nodeFollowingNodes" presStyleLbl="node1" presStyleIdx="1" presStyleCnt="6">
         <dgm:presLayoutVars>
           <dgm:bulletEnabled val="1"/>
         </dgm:presLayoutVars>
@@ -1195,22 +1164,7 @@
       </dgm:t>
     </dgm:pt>
     <dgm:pt modelId="{C8EC1AB9-E882-456E-A861-F133D58F334B}" type="pres">
-      <dgm:prSet presAssocID="{968E0B8A-7E15-45A8-BBBA-CFE119D6D5FC}" presName="nodeFollowingNodes" presStyleLbl="node1" presStyleIdx="2" presStyleCnt="7">
-        <dgm:presLayoutVars>
-          <dgm:bulletEnabled val="1"/>
-        </dgm:presLayoutVars>
-      </dgm:prSet>
-      <dgm:spPr/>
-      <dgm:t>
-        <a:bodyPr/>
-        <a:lstStyle/>
-        <a:p>
-          <a:endParaRPr lang="pt-BR"/>
-        </a:p>
-      </dgm:t>
-    </dgm:pt>
-    <dgm:pt modelId="{51F19B06-1BC5-4226-97D5-B1E0478F73EB}" type="pres">
-      <dgm:prSet presAssocID="{F4B74A41-E636-488A-9BDE-2520F43B2570}" presName="nodeFollowingNodes" presStyleLbl="node1" presStyleIdx="3" presStyleCnt="7">
+      <dgm:prSet presAssocID="{968E0B8A-7E15-45A8-BBBA-CFE119D6D5FC}" presName="nodeFollowingNodes" presStyleLbl="node1" presStyleIdx="2" presStyleCnt="6">
         <dgm:presLayoutVars>
           <dgm:bulletEnabled val="1"/>
         </dgm:presLayoutVars>
@@ -1225,7 +1179,7 @@
       </dgm:t>
     </dgm:pt>
     <dgm:pt modelId="{11B3B5C0-DE0F-4653-9724-38A485F5C155}" type="pres">
-      <dgm:prSet presAssocID="{A2E28061-1AFD-4C30-925A-506AE5D37D70}" presName="nodeFollowingNodes" presStyleLbl="node1" presStyleIdx="4" presStyleCnt="7">
+      <dgm:prSet presAssocID="{A2E28061-1AFD-4C30-925A-506AE5D37D70}" presName="nodeFollowingNodes" presStyleLbl="node1" presStyleIdx="3" presStyleCnt="6">
         <dgm:presLayoutVars>
           <dgm:bulletEnabled val="1"/>
         </dgm:presLayoutVars>
@@ -1240,7 +1194,7 @@
       </dgm:t>
     </dgm:pt>
     <dgm:pt modelId="{3AD4BDFD-7BF9-46C9-9579-978AA34A66E6}" type="pres">
-      <dgm:prSet presAssocID="{2D3807B7-314D-41AB-89F1-5966B8510FCA}" presName="nodeFollowingNodes" presStyleLbl="node1" presStyleIdx="5" presStyleCnt="7">
+      <dgm:prSet presAssocID="{2D3807B7-314D-41AB-89F1-5966B8510FCA}" presName="nodeFollowingNodes" presStyleLbl="node1" presStyleIdx="4" presStyleCnt="6">
         <dgm:presLayoutVars>
           <dgm:bulletEnabled val="1"/>
         </dgm:presLayoutVars>
@@ -1255,7 +1209,7 @@
       </dgm:t>
     </dgm:pt>
     <dgm:pt modelId="{C26B5CE8-72F9-43AF-8825-44853FB96962}" type="pres">
-      <dgm:prSet presAssocID="{FDF33EEA-AE88-4001-838E-B8F3675B2B1E}" presName="nodeFollowingNodes" presStyleLbl="node1" presStyleIdx="6" presStyleCnt="7">
+      <dgm:prSet presAssocID="{FDF33EEA-AE88-4001-838E-B8F3675B2B1E}" presName="nodeFollowingNodes" presStyleLbl="node1" presStyleIdx="5" presStyleCnt="6">
         <dgm:presLayoutVars>
           <dgm:bulletEnabled val="1"/>
         </dgm:presLayoutVars>
@@ -1273,29 +1227,26 @@
   <dgm:cxnLst>
     <dgm:cxn modelId="{7AA12DCF-5E5F-4924-B192-E45258B93BC2}" srcId="{12A4025F-C13B-4F8A-805F-425004CEE48E}" destId="{968E0B8A-7E15-45A8-BBBA-CFE119D6D5FC}" srcOrd="2" destOrd="0" parTransId="{5C464371-E4C6-4993-9DE5-048602C4E19A}" sibTransId="{C7DF748C-5BC6-4110-8AB1-8DF3AED4972D}"/>
     <dgm:cxn modelId="{918EC4AB-F2AA-4E73-ACF9-6064FDAB7826}" type="presOf" srcId="{2D3807B7-314D-41AB-89F1-5966B8510FCA}" destId="{3AD4BDFD-7BF9-46C9-9579-978AA34A66E6}" srcOrd="0" destOrd="0" presId="urn:microsoft.com/office/officeart/2005/8/layout/cycle3"/>
-    <dgm:cxn modelId="{787504A4-3FDB-468C-9817-A33B6A27EE17}" srcId="{12A4025F-C13B-4F8A-805F-425004CEE48E}" destId="{F4B74A41-E636-488A-9BDE-2520F43B2570}" srcOrd="3" destOrd="0" parTransId="{EDCE507E-4CDE-44DB-AE41-1A470861742F}" sibTransId="{1B65DD5F-848F-415B-952D-C1F3C7C7635C}"/>
     <dgm:cxn modelId="{B4C3854B-B692-4C28-8C89-7EE7F41FDFD7}" srcId="{12A4025F-C13B-4F8A-805F-425004CEE48E}" destId="{B785388E-A122-499C-B6C0-A42A7D5B9A56}" srcOrd="0" destOrd="0" parTransId="{6D74DFC6-D4DC-4883-8FE0-2A8BA0C3A017}" sibTransId="{1F56803A-CBCA-4B80-9ED8-161886EDBA08}"/>
     <dgm:cxn modelId="{E919E554-8FB5-41E8-BC2F-27D99D451498}" type="presOf" srcId="{6EEF101B-6F3B-49DC-824B-EEDDECF26310}" destId="{90D0D70D-D3A1-45A4-918B-982BB4D59ADC}" srcOrd="0" destOrd="0" presId="urn:microsoft.com/office/officeart/2005/8/layout/cycle3"/>
-    <dgm:cxn modelId="{2A57AD5A-9D52-42AA-9501-103C646DEF3B}" type="presOf" srcId="{F4B74A41-E636-488A-9BDE-2520F43B2570}" destId="{51F19B06-1BC5-4226-97D5-B1E0478F73EB}" srcOrd="0" destOrd="0" presId="urn:microsoft.com/office/officeart/2005/8/layout/cycle3"/>
     <dgm:cxn modelId="{347B49D8-35F1-4981-9EB3-CB5AB1490777}" type="presOf" srcId="{FDF33EEA-AE88-4001-838E-B8F3675B2B1E}" destId="{C26B5CE8-72F9-43AF-8825-44853FB96962}" srcOrd="0" destOrd="0" presId="urn:microsoft.com/office/officeart/2005/8/layout/cycle3"/>
     <dgm:cxn modelId="{008D797E-B3CB-4559-A0CD-F8CB0935B497}" type="presOf" srcId="{B785388E-A122-499C-B6C0-A42A7D5B9A56}" destId="{8C78B6F6-E209-409D-932C-90536873D262}" srcOrd="0" destOrd="0" presId="urn:microsoft.com/office/officeart/2005/8/layout/cycle3"/>
     <dgm:cxn modelId="{CDF13F2F-844F-404B-BD98-E45F7DCD515C}" srcId="{12A4025F-C13B-4F8A-805F-425004CEE48E}" destId="{6EEF101B-6F3B-49DC-824B-EEDDECF26310}" srcOrd="1" destOrd="0" parTransId="{C5F42B02-F847-45B6-BD99-F78D44E3A7CD}" sibTransId="{A30310E9-49F3-4827-8A03-DD0FDB1144A7}"/>
     <dgm:cxn modelId="{B9422974-F6C9-46AC-AA78-795DE9ACC8AC}" type="presOf" srcId="{A2E28061-1AFD-4C30-925A-506AE5D37D70}" destId="{11B3B5C0-DE0F-4653-9724-38A485F5C155}" srcOrd="0" destOrd="0" presId="urn:microsoft.com/office/officeart/2005/8/layout/cycle3"/>
-    <dgm:cxn modelId="{F59219A1-9B15-4D84-8F7B-F3B602903821}" srcId="{12A4025F-C13B-4F8A-805F-425004CEE48E}" destId="{2D3807B7-314D-41AB-89F1-5966B8510FCA}" srcOrd="5" destOrd="0" parTransId="{20ED4997-443D-454E-8D44-2DF5120DFA27}" sibTransId="{3920A26A-AAE9-4F2E-B332-4364B0F3D92F}"/>
+    <dgm:cxn modelId="{F59219A1-9B15-4D84-8F7B-F3B602903821}" srcId="{12A4025F-C13B-4F8A-805F-425004CEE48E}" destId="{2D3807B7-314D-41AB-89F1-5966B8510FCA}" srcOrd="4" destOrd="0" parTransId="{20ED4997-443D-454E-8D44-2DF5120DFA27}" sibTransId="{3920A26A-AAE9-4F2E-B332-4364B0F3D92F}"/>
     <dgm:cxn modelId="{C9E6FE68-3355-4C50-849E-F1A098652BC6}" type="presOf" srcId="{12A4025F-C13B-4F8A-805F-425004CEE48E}" destId="{682B830E-221E-428C-A5E6-0B1705A73F7D}" srcOrd="0" destOrd="0" presId="urn:microsoft.com/office/officeart/2005/8/layout/cycle3"/>
-    <dgm:cxn modelId="{62FCD712-5A84-455D-9A01-79508A502451}" srcId="{12A4025F-C13B-4F8A-805F-425004CEE48E}" destId="{FDF33EEA-AE88-4001-838E-B8F3675B2B1E}" srcOrd="6" destOrd="0" parTransId="{BC53C8F4-694A-4130-BC48-455E3D05596D}" sibTransId="{B93F05E5-91A0-4E42-B232-16884888C217}"/>
+    <dgm:cxn modelId="{62FCD712-5A84-455D-9A01-79508A502451}" srcId="{12A4025F-C13B-4F8A-805F-425004CEE48E}" destId="{FDF33EEA-AE88-4001-838E-B8F3675B2B1E}" srcOrd="5" destOrd="0" parTransId="{BC53C8F4-694A-4130-BC48-455E3D05596D}" sibTransId="{B93F05E5-91A0-4E42-B232-16884888C217}"/>
     <dgm:cxn modelId="{CA2D96AE-68C8-4CCC-B1B6-77E7FD869F40}" type="presOf" srcId="{1F56803A-CBCA-4B80-9ED8-161886EDBA08}" destId="{F352CCD2-62DF-4A79-86CF-16258AD5F186}" srcOrd="0" destOrd="0" presId="urn:microsoft.com/office/officeart/2005/8/layout/cycle3"/>
     <dgm:cxn modelId="{16B69A08-1A86-4DCF-9D77-F42E2C8D703F}" type="presOf" srcId="{968E0B8A-7E15-45A8-BBBA-CFE119D6D5FC}" destId="{C8EC1AB9-E882-456E-A861-F133D58F334B}" srcOrd="0" destOrd="0" presId="urn:microsoft.com/office/officeart/2005/8/layout/cycle3"/>
-    <dgm:cxn modelId="{860814DB-E417-44BA-8CBB-BB5D34BD6DB4}" srcId="{12A4025F-C13B-4F8A-805F-425004CEE48E}" destId="{A2E28061-1AFD-4C30-925A-506AE5D37D70}" srcOrd="4" destOrd="0" parTransId="{EF6B1EF0-D597-4276-B180-E5AEC0A7AC91}" sibTransId="{D4315060-EC90-404D-B29D-66DE2329E0D5}"/>
+    <dgm:cxn modelId="{860814DB-E417-44BA-8CBB-BB5D34BD6DB4}" srcId="{12A4025F-C13B-4F8A-805F-425004CEE48E}" destId="{A2E28061-1AFD-4C30-925A-506AE5D37D70}" srcOrd="3" destOrd="0" parTransId="{EF6B1EF0-D597-4276-B180-E5AEC0A7AC91}" sibTransId="{D4315060-EC90-404D-B29D-66DE2329E0D5}"/>
     <dgm:cxn modelId="{A87B62B1-1670-4B56-8C26-0B28DEC840ED}" type="presParOf" srcId="{682B830E-221E-428C-A5E6-0B1705A73F7D}" destId="{75C9DC9B-AB0A-495F-8372-5B0B9CC1786E}" srcOrd="0" destOrd="0" presId="urn:microsoft.com/office/officeart/2005/8/layout/cycle3"/>
     <dgm:cxn modelId="{BBA6E4CA-8D7C-438D-81D2-7F0CA5F76D21}" type="presParOf" srcId="{75C9DC9B-AB0A-495F-8372-5B0B9CC1786E}" destId="{8C78B6F6-E209-409D-932C-90536873D262}" srcOrd="0" destOrd="0" presId="urn:microsoft.com/office/officeart/2005/8/layout/cycle3"/>
     <dgm:cxn modelId="{B67C3263-40D2-46BB-A43D-7BB8E0708AFC}" type="presParOf" srcId="{75C9DC9B-AB0A-495F-8372-5B0B9CC1786E}" destId="{F352CCD2-62DF-4A79-86CF-16258AD5F186}" srcOrd="1" destOrd="0" presId="urn:microsoft.com/office/officeart/2005/8/layout/cycle3"/>
     <dgm:cxn modelId="{BAFE7595-2A6F-4FD8-8647-CC35BB459505}" type="presParOf" srcId="{75C9DC9B-AB0A-495F-8372-5B0B9CC1786E}" destId="{90D0D70D-D3A1-45A4-918B-982BB4D59ADC}" srcOrd="2" destOrd="0" presId="urn:microsoft.com/office/officeart/2005/8/layout/cycle3"/>
     <dgm:cxn modelId="{CBE1C326-3450-4AA2-8034-F3698295F49F}" type="presParOf" srcId="{75C9DC9B-AB0A-495F-8372-5B0B9CC1786E}" destId="{C8EC1AB9-E882-456E-A861-F133D58F334B}" srcOrd="3" destOrd="0" presId="urn:microsoft.com/office/officeart/2005/8/layout/cycle3"/>
-    <dgm:cxn modelId="{3543215B-F52F-41F8-8826-7A3200D57C20}" type="presParOf" srcId="{75C9DC9B-AB0A-495F-8372-5B0B9CC1786E}" destId="{51F19B06-1BC5-4226-97D5-B1E0478F73EB}" srcOrd="4" destOrd="0" presId="urn:microsoft.com/office/officeart/2005/8/layout/cycle3"/>
-    <dgm:cxn modelId="{1D1BDB8C-1F65-4A42-87F3-1384C38DF31F}" type="presParOf" srcId="{75C9DC9B-AB0A-495F-8372-5B0B9CC1786E}" destId="{11B3B5C0-DE0F-4653-9724-38A485F5C155}" srcOrd="5" destOrd="0" presId="urn:microsoft.com/office/officeart/2005/8/layout/cycle3"/>
-    <dgm:cxn modelId="{6670B79D-9336-4847-8BEB-14A675F06D50}" type="presParOf" srcId="{75C9DC9B-AB0A-495F-8372-5B0B9CC1786E}" destId="{3AD4BDFD-7BF9-46C9-9579-978AA34A66E6}" srcOrd="6" destOrd="0" presId="urn:microsoft.com/office/officeart/2005/8/layout/cycle3"/>
-    <dgm:cxn modelId="{E0E45DB8-110D-4819-A4AC-3A97FB7056D6}" type="presParOf" srcId="{75C9DC9B-AB0A-495F-8372-5B0B9CC1786E}" destId="{C26B5CE8-72F9-43AF-8825-44853FB96962}" srcOrd="7" destOrd="0" presId="urn:microsoft.com/office/officeart/2005/8/layout/cycle3"/>
+    <dgm:cxn modelId="{1D1BDB8C-1F65-4A42-87F3-1384C38DF31F}" type="presParOf" srcId="{75C9DC9B-AB0A-495F-8372-5B0B9CC1786E}" destId="{11B3B5C0-DE0F-4653-9724-38A485F5C155}" srcOrd="4" destOrd="0" presId="urn:microsoft.com/office/officeart/2005/8/layout/cycle3"/>
+    <dgm:cxn modelId="{6670B79D-9336-4847-8BEB-14A675F06D50}" type="presParOf" srcId="{75C9DC9B-AB0A-495F-8372-5B0B9CC1786E}" destId="{3AD4BDFD-7BF9-46C9-9579-978AA34A66E6}" srcOrd="5" destOrd="0" presId="urn:microsoft.com/office/officeart/2005/8/layout/cycle3"/>
+    <dgm:cxn modelId="{E0E45DB8-110D-4819-A4AC-3A97FB7056D6}" type="presParOf" srcId="{75C9DC9B-AB0A-495F-8372-5B0B9CC1786E}" destId="{C26B5CE8-72F9-43AF-8825-44853FB96962}" srcOrd="6" destOrd="0" presId="urn:microsoft.com/office/officeart/2005/8/layout/cycle3"/>
   </dgm:cxnLst>
   <dgm:bg/>
   <dgm:whole/>
@@ -1322,16 +1273,16 @@
       </dsp:nvSpPr>
       <dsp:spPr>
         <a:xfrm>
-          <a:off x="301411" y="335151"/>
-          <a:ext cx="4790656" cy="4790656"/>
+          <a:off x="150258" y="138936"/>
+          <a:ext cx="5084279" cy="5084279"/>
         </a:xfrm>
         <a:prstGeom prst="circularArrow">
           <a:avLst>
-            <a:gd name="adj1" fmla="val 5544"/>
-            <a:gd name="adj2" fmla="val 330680"/>
-            <a:gd name="adj3" fmla="val 14542073"/>
-            <a:gd name="adj4" fmla="val 16935207"/>
-            <a:gd name="adj5" fmla="val 5757"/>
+            <a:gd name="adj1" fmla="val 5274"/>
+            <a:gd name="adj2" fmla="val 312630"/>
+            <a:gd name="adj3" fmla="val 14279966"/>
+            <a:gd name="adj4" fmla="val 17096750"/>
+            <a:gd name="adj5" fmla="val 5477"/>
           </a:avLst>
         </a:prstGeom>
         <a:solidFill>
@@ -1368,8 +1319,8 @@
       </dsp:nvSpPr>
       <dsp:spPr>
         <a:xfrm>
-          <a:off x="1964938" y="369945"/>
-          <a:ext cx="1463602" cy="731801"/>
+          <a:off x="1754361" y="146203"/>
+          <a:ext cx="1876071" cy="938035"/>
         </a:xfrm>
         <a:prstGeom prst="roundRect">
           <a:avLst/>
@@ -1411,12 +1362,12 @@
         </a:fontRef>
       </dsp:style>
       <dsp:txBody>
-        <a:bodyPr spcFirstLastPara="0" vert="horz" wrap="square" lIns="72390" tIns="72390" rIns="72390" bIns="72390" numCol="1" spcCol="1270" anchor="ctr" anchorCtr="0">
+        <a:bodyPr spcFirstLastPara="0" vert="horz" wrap="square" lIns="76200" tIns="76200" rIns="76200" bIns="76200" numCol="1" spcCol="1270" anchor="ctr" anchorCtr="0">
           <a:noAutofit/>
         </a:bodyPr>
         <a:lstStyle/>
         <a:p>
-          <a:pPr lvl="0" algn="ctr" defTabSz="844550">
+          <a:pPr lvl="0" algn="ctr" defTabSz="889000">
             <a:lnSpc>
               <a:spcPct val="90000"/>
             </a:lnSpc>
@@ -1428,15 +1379,15 @@
             </a:spcAft>
           </a:pPr>
           <a:r>
-            <a:rPr lang="pt-BR" sz="1900" kern="1200" dirty="0" smtClean="0"/>
+            <a:rPr lang="pt-BR" sz="2000" kern="1200" dirty="0" smtClean="0"/>
             <a:t>Mundo</a:t>
           </a:r>
-          <a:endParaRPr lang="pt-BR" sz="1900" kern="1200" dirty="0"/>
+          <a:endParaRPr lang="pt-BR" sz="2000" kern="1200" dirty="0"/>
         </a:p>
       </dsp:txBody>
       <dsp:txXfrm>
-        <a:off x="2000662" y="405669"/>
-        <a:ext cx="1392154" cy="660353"/>
+        <a:off x="1800152" y="191994"/>
+        <a:ext cx="1784489" cy="846453"/>
       </dsp:txXfrm>
     </dsp:sp>
     <dsp:sp modelId="{90D0D70D-D3A1-45A4-918B-982BB4D59ADC}">
@@ -1446,8 +1397,8 @@
       </dsp:nvSpPr>
       <dsp:spPr>
         <a:xfrm>
-          <a:off x="3590382" y="1125018"/>
-          <a:ext cx="1463602" cy="731801"/>
+          <a:off x="3573178" y="1163192"/>
+          <a:ext cx="1876071" cy="938035"/>
         </a:xfrm>
         <a:prstGeom prst="roundRect">
           <a:avLst/>
@@ -1489,12 +1440,12 @@
         </a:fontRef>
       </dsp:style>
       <dsp:txBody>
-        <a:bodyPr spcFirstLastPara="0" vert="horz" wrap="square" lIns="72390" tIns="72390" rIns="72390" bIns="72390" numCol="1" spcCol="1270" anchor="ctr" anchorCtr="0">
+        <a:bodyPr spcFirstLastPara="0" vert="horz" wrap="square" lIns="76200" tIns="76200" rIns="76200" bIns="76200" numCol="1" spcCol="1270" anchor="ctr" anchorCtr="0">
           <a:noAutofit/>
         </a:bodyPr>
         <a:lstStyle/>
         <a:p>
-          <a:pPr lvl="0" algn="ctr" defTabSz="844550">
+          <a:pPr lvl="0" algn="ctr" defTabSz="889000">
             <a:lnSpc>
               <a:spcPct val="90000"/>
             </a:lnSpc>
@@ -1506,15 +1457,15 @@
             </a:spcAft>
           </a:pPr>
           <a:r>
-            <a:rPr lang="pt-BR" sz="1900" kern="1200" dirty="0" smtClean="0"/>
+            <a:rPr lang="pt-BR" sz="2000" kern="1200" dirty="0" smtClean="0"/>
             <a:t>Personagem</a:t>
           </a:r>
-          <a:endParaRPr lang="pt-BR" sz="1900" kern="1200" dirty="0"/>
+          <a:endParaRPr lang="pt-BR" sz="2000" kern="1200" dirty="0"/>
         </a:p>
       </dsp:txBody>
       <dsp:txXfrm>
-        <a:off x="3626106" y="1160742"/>
-        <a:ext cx="1392154" cy="660353"/>
+        <a:off x="3618969" y="1208983"/>
+        <a:ext cx="1784489" cy="846453"/>
       </dsp:txXfrm>
     </dsp:sp>
     <dsp:sp modelId="{C8EC1AB9-E882-456E-A861-F133D58F334B}">
@@ -1524,8 +1475,8 @@
       </dsp:nvSpPr>
       <dsp:spPr>
         <a:xfrm>
-          <a:off x="3984863" y="2853353"/>
-          <a:ext cx="1463602" cy="731801"/>
+          <a:off x="3573178" y="3225780"/>
+          <a:ext cx="1876071" cy="938035"/>
         </a:xfrm>
         <a:prstGeom prst="roundRect">
           <a:avLst/>
@@ -1567,12 +1518,12 @@
         </a:fontRef>
       </dsp:style>
       <dsp:txBody>
-        <a:bodyPr spcFirstLastPara="0" vert="horz" wrap="square" lIns="72390" tIns="72390" rIns="72390" bIns="72390" numCol="1" spcCol="1270" anchor="ctr" anchorCtr="0">
+        <a:bodyPr spcFirstLastPara="0" vert="horz" wrap="square" lIns="76200" tIns="76200" rIns="76200" bIns="76200" numCol="1" spcCol="1270" anchor="ctr" anchorCtr="0">
           <a:noAutofit/>
         </a:bodyPr>
         <a:lstStyle/>
         <a:p>
-          <a:pPr lvl="0" algn="ctr" defTabSz="844550">
+          <a:pPr lvl="0" algn="ctr" defTabSz="889000">
             <a:lnSpc>
               <a:spcPct val="90000"/>
             </a:lnSpc>
@@ -1584,26 +1535,43 @@
             </a:spcAft>
           </a:pPr>
           <a:r>
-            <a:rPr lang="pt-BR" sz="1900" kern="1200" dirty="0" smtClean="0"/>
-            <a:t>Controles</a:t>
+            <a:rPr lang="pt-BR" sz="2000" kern="1200" dirty="0" smtClean="0"/>
+            <a:t>Controles/</a:t>
           </a:r>
-          <a:endParaRPr lang="pt-BR" sz="1900" kern="1200" dirty="0"/>
+        </a:p>
+        <a:p>
+          <a:pPr lvl="0" algn="ctr" defTabSz="889000">
+            <a:lnSpc>
+              <a:spcPct val="90000"/>
+            </a:lnSpc>
+            <a:spcBef>
+              <a:spcPct val="0"/>
+            </a:spcBef>
+            <a:spcAft>
+              <a:spcPct val="35000"/>
+            </a:spcAft>
+          </a:pPr>
+          <a:r>
+            <a:rPr lang="pt-BR" sz="2000" kern="1200" dirty="0" smtClean="0"/>
+            <a:t>Habilidades</a:t>
+          </a:r>
+          <a:endParaRPr lang="pt-BR" sz="2000" kern="1200" dirty="0"/>
         </a:p>
       </dsp:txBody>
       <dsp:txXfrm>
-        <a:off x="4020587" y="2889077"/>
-        <a:ext cx="1392154" cy="660353"/>
+        <a:off x="3618969" y="3271571"/>
+        <a:ext cx="1784489" cy="846453"/>
       </dsp:txXfrm>
     </dsp:sp>
-    <dsp:sp modelId="{51F19B06-1BC5-4226-97D5-B1E0478F73EB}">
+    <dsp:sp modelId="{11B3B5C0-DE0F-4653-9724-38A485F5C155}">
       <dsp:nvSpPr>
         <dsp:cNvPr id="0" name=""/>
         <dsp:cNvSpPr/>
       </dsp:nvSpPr>
       <dsp:spPr>
         <a:xfrm>
-          <a:off x="2879551" y="4239371"/>
-          <a:ext cx="1463602" cy="731801"/>
+          <a:off x="1786925" y="4257074"/>
+          <a:ext cx="1876071" cy="938035"/>
         </a:xfrm>
         <a:prstGeom prst="roundRect">
           <a:avLst/>
@@ -1645,12 +1613,12 @@
         </a:fontRef>
       </dsp:style>
       <dsp:txBody>
-        <a:bodyPr spcFirstLastPara="0" vert="horz" wrap="square" lIns="72390" tIns="72390" rIns="72390" bIns="72390" numCol="1" spcCol="1270" anchor="ctr" anchorCtr="0">
+        <a:bodyPr spcFirstLastPara="0" vert="horz" wrap="square" lIns="76200" tIns="76200" rIns="76200" bIns="76200" numCol="1" spcCol="1270" anchor="ctr" anchorCtr="0">
           <a:noAutofit/>
         </a:bodyPr>
         <a:lstStyle/>
         <a:p>
-          <a:pPr lvl="0" algn="ctr" defTabSz="844550">
+          <a:pPr lvl="0" algn="ctr" defTabSz="889000">
             <a:lnSpc>
               <a:spcPct val="90000"/>
             </a:lnSpc>
@@ -1662,26 +1630,26 @@
             </a:spcAft>
           </a:pPr>
           <a:r>
-            <a:rPr lang="pt-BR" sz="1900" kern="1200" dirty="0" smtClean="0"/>
-            <a:t>Habilidades</a:t>
+            <a:rPr lang="pt-BR" sz="2000" kern="1200" dirty="0" smtClean="0"/>
+            <a:t>Perigos</a:t>
           </a:r>
-          <a:endParaRPr lang="pt-BR" sz="1900" kern="1200" dirty="0"/>
+          <a:endParaRPr lang="pt-BR" sz="2000" kern="1200" dirty="0"/>
         </a:p>
       </dsp:txBody>
       <dsp:txXfrm>
-        <a:off x="2915275" y="4275095"/>
-        <a:ext cx="1392154" cy="660353"/>
+        <a:off x="1832716" y="4302865"/>
+        <a:ext cx="1784489" cy="846453"/>
       </dsp:txXfrm>
     </dsp:sp>
-    <dsp:sp modelId="{11B3B5C0-DE0F-4653-9724-38A485F5C155}">
+    <dsp:sp modelId="{3AD4BDFD-7BF9-46C9-9579-978AA34A66E6}">
       <dsp:nvSpPr>
         <dsp:cNvPr id="0" name=""/>
         <dsp:cNvSpPr/>
       </dsp:nvSpPr>
       <dsp:spPr>
         <a:xfrm>
-          <a:off x="1106768" y="4239371"/>
-          <a:ext cx="1463602" cy="731801"/>
+          <a:off x="671" y="3225780"/>
+          <a:ext cx="1876071" cy="938035"/>
         </a:xfrm>
         <a:prstGeom prst="roundRect">
           <a:avLst/>
@@ -1723,12 +1691,12 @@
         </a:fontRef>
       </dsp:style>
       <dsp:txBody>
-        <a:bodyPr spcFirstLastPara="0" vert="horz" wrap="square" lIns="72390" tIns="72390" rIns="72390" bIns="72390" numCol="1" spcCol="1270" anchor="ctr" anchorCtr="0">
+        <a:bodyPr spcFirstLastPara="0" vert="horz" wrap="square" lIns="76200" tIns="76200" rIns="76200" bIns="76200" numCol="1" spcCol="1270" anchor="ctr" anchorCtr="0">
           <a:noAutofit/>
         </a:bodyPr>
         <a:lstStyle/>
         <a:p>
-          <a:pPr lvl="0" algn="ctr" defTabSz="844550">
+          <a:pPr lvl="0" algn="ctr" defTabSz="889000">
             <a:lnSpc>
               <a:spcPct val="90000"/>
             </a:lnSpc>
@@ -1740,26 +1708,26 @@
             </a:spcAft>
           </a:pPr>
           <a:r>
-            <a:rPr lang="pt-BR" sz="1900" kern="1200" dirty="0" smtClean="0"/>
-            <a:t>Perigos</a:t>
+            <a:rPr lang="pt-BR" sz="2000" kern="1200" dirty="0" smtClean="0"/>
+            <a:t>Inimigos</a:t>
           </a:r>
-          <a:endParaRPr lang="pt-BR" sz="1900" kern="1200" dirty="0"/>
+          <a:endParaRPr lang="pt-BR" sz="2000" kern="1200" dirty="0"/>
         </a:p>
       </dsp:txBody>
       <dsp:txXfrm>
-        <a:off x="1142492" y="4275095"/>
-        <a:ext cx="1392154" cy="660353"/>
+        <a:off x="46462" y="3271571"/>
+        <a:ext cx="1784489" cy="846453"/>
       </dsp:txXfrm>
     </dsp:sp>
-    <dsp:sp modelId="{3AD4BDFD-7BF9-46C9-9579-978AA34A66E6}">
+    <dsp:sp modelId="{C26B5CE8-72F9-43AF-8825-44853FB96962}">
       <dsp:nvSpPr>
         <dsp:cNvPr id="0" name=""/>
         <dsp:cNvSpPr/>
       </dsp:nvSpPr>
       <dsp:spPr>
         <a:xfrm>
-          <a:off x="1456" y="2853353"/>
-          <a:ext cx="1463602" cy="731801"/>
+          <a:off x="671" y="1163192"/>
+          <a:ext cx="1876071" cy="938035"/>
         </a:xfrm>
         <a:prstGeom prst="roundRect">
           <a:avLst/>
@@ -1801,12 +1769,12 @@
         </a:fontRef>
       </dsp:style>
       <dsp:txBody>
-        <a:bodyPr spcFirstLastPara="0" vert="horz" wrap="square" lIns="72390" tIns="72390" rIns="72390" bIns="72390" numCol="1" spcCol="1270" anchor="ctr" anchorCtr="0">
+        <a:bodyPr spcFirstLastPara="0" vert="horz" wrap="square" lIns="76200" tIns="76200" rIns="76200" bIns="76200" numCol="1" spcCol="1270" anchor="ctr" anchorCtr="0">
           <a:noAutofit/>
         </a:bodyPr>
         <a:lstStyle/>
         <a:p>
-          <a:pPr lvl="0" algn="ctr" defTabSz="844550">
+          <a:pPr lvl="0" algn="ctr" defTabSz="889000">
             <a:lnSpc>
               <a:spcPct val="90000"/>
             </a:lnSpc>
@@ -1818,93 +1786,15 @@
             </a:spcAft>
           </a:pPr>
           <a:r>
-            <a:rPr lang="pt-BR" sz="1900" kern="1200" dirty="0" smtClean="0"/>
-            <a:t>Inimigos</a:t>
+            <a:rPr lang="pt-BR" sz="2000" kern="1200" dirty="0" smtClean="0"/>
+            <a:t>Menus/UI</a:t>
           </a:r>
-          <a:endParaRPr lang="pt-BR" sz="1900" kern="1200" dirty="0"/>
+          <a:endParaRPr lang="pt-BR" sz="2000" kern="1200" dirty="0"/>
         </a:p>
       </dsp:txBody>
       <dsp:txXfrm>
-        <a:off x="37180" y="2889077"/>
-        <a:ext cx="1392154" cy="660353"/>
-      </dsp:txXfrm>
-    </dsp:sp>
-    <dsp:sp modelId="{C26B5CE8-72F9-43AF-8825-44853FB96962}">
-      <dsp:nvSpPr>
-        <dsp:cNvPr id="0" name=""/>
-        <dsp:cNvSpPr/>
-      </dsp:nvSpPr>
-      <dsp:spPr>
-        <a:xfrm>
-          <a:off x="395937" y="1125018"/>
-          <a:ext cx="1463602" cy="731801"/>
-        </a:xfrm>
-        <a:prstGeom prst="roundRect">
-          <a:avLst/>
-        </a:prstGeom>
-        <a:solidFill>
-          <a:schemeClr val="accent1">
-            <a:hueOff val="0"/>
-            <a:satOff val="0"/>
-            <a:lumOff val="0"/>
-            <a:alphaOff val="0"/>
-          </a:schemeClr>
-        </a:solidFill>
-        <a:ln w="12700" cap="flat" cmpd="sng" algn="ctr">
-          <a:solidFill>
-            <a:schemeClr val="lt1">
-              <a:hueOff val="0"/>
-              <a:satOff val="0"/>
-              <a:lumOff val="0"/>
-              <a:alphaOff val="0"/>
-            </a:schemeClr>
-          </a:solidFill>
-          <a:prstDash val="solid"/>
-          <a:miter lim="800000"/>
-        </a:ln>
-        <a:effectLst/>
-      </dsp:spPr>
-      <dsp:style>
-        <a:lnRef idx="2">
-          <a:scrgbClr r="0" g="0" b="0"/>
-        </a:lnRef>
-        <a:fillRef idx="1">
-          <a:scrgbClr r="0" g="0" b="0"/>
-        </a:fillRef>
-        <a:effectRef idx="0">
-          <a:scrgbClr r="0" g="0" b="0"/>
-        </a:effectRef>
-        <a:fontRef idx="minor">
-          <a:schemeClr val="lt1"/>
-        </a:fontRef>
-      </dsp:style>
-      <dsp:txBody>
-        <a:bodyPr spcFirstLastPara="0" vert="horz" wrap="square" lIns="72390" tIns="72390" rIns="72390" bIns="72390" numCol="1" spcCol="1270" anchor="ctr" anchorCtr="0">
-          <a:noAutofit/>
-        </a:bodyPr>
-        <a:lstStyle/>
-        <a:p>
-          <a:pPr lvl="0" algn="ctr" defTabSz="844550">
-            <a:lnSpc>
-              <a:spcPct val="90000"/>
-            </a:lnSpc>
-            <a:spcBef>
-              <a:spcPct val="0"/>
-            </a:spcBef>
-            <a:spcAft>
-              <a:spcPct val="35000"/>
-            </a:spcAft>
-          </a:pPr>
-          <a:r>
-            <a:rPr lang="pt-BR" sz="1900" kern="1200" dirty="0" smtClean="0"/>
-            <a:t>Menus/UI</a:t>
-          </a:r>
-          <a:endParaRPr lang="pt-BR" sz="1900" kern="1200" dirty="0"/>
-        </a:p>
-      </dsp:txBody>
-      <dsp:txXfrm>
-        <a:off x="431661" y="1160742"/>
-        <a:ext cx="1392154" cy="660353"/>
+        <a:off x="46462" y="1208983"/>
+        <a:ext cx="1784489" cy="846453"/>
       </dsp:txXfrm>
     </dsp:sp>
   </dsp:spTree>
@@ -3479,7 +3369,7 @@
           <a:p>
             <a:fld id="{033C220F-AFE8-4CCC-95E1-E0424241E150}" type="datetimeFigureOut">
               <a:rPr lang="pt-BR" smtClean="0"/>
-              <a:t>14/11/2017</a:t>
+              <a:t>22/11/2017</a:t>
             </a:fld>
             <a:endParaRPr lang="pt-BR"/>
           </a:p>
@@ -3649,7 +3539,7 @@
           <a:p>
             <a:fld id="{033C220F-AFE8-4CCC-95E1-E0424241E150}" type="datetimeFigureOut">
               <a:rPr lang="pt-BR" smtClean="0"/>
-              <a:t>14/11/2017</a:t>
+              <a:t>22/11/2017</a:t>
             </a:fld>
             <a:endParaRPr lang="pt-BR"/>
           </a:p>
@@ -3829,7 +3719,7 @@
           <a:p>
             <a:fld id="{033C220F-AFE8-4CCC-95E1-E0424241E150}" type="datetimeFigureOut">
               <a:rPr lang="pt-BR" smtClean="0"/>
-              <a:t>14/11/2017</a:t>
+              <a:t>22/11/2017</a:t>
             </a:fld>
             <a:endParaRPr lang="pt-BR"/>
           </a:p>
@@ -3999,7 +3889,7 @@
           <a:p>
             <a:fld id="{033C220F-AFE8-4CCC-95E1-E0424241E150}" type="datetimeFigureOut">
               <a:rPr lang="pt-BR" smtClean="0"/>
-              <a:t>14/11/2017</a:t>
+              <a:t>22/11/2017</a:t>
             </a:fld>
             <a:endParaRPr lang="pt-BR"/>
           </a:p>
@@ -4245,7 +4135,7 @@
           <a:p>
             <a:fld id="{033C220F-AFE8-4CCC-95E1-E0424241E150}" type="datetimeFigureOut">
               <a:rPr lang="pt-BR" smtClean="0"/>
-              <a:t>14/11/2017</a:t>
+              <a:t>22/11/2017</a:t>
             </a:fld>
             <a:endParaRPr lang="pt-BR"/>
           </a:p>
@@ -4477,7 +4367,7 @@
           <a:p>
             <a:fld id="{033C220F-AFE8-4CCC-95E1-E0424241E150}" type="datetimeFigureOut">
               <a:rPr lang="pt-BR" smtClean="0"/>
-              <a:t>14/11/2017</a:t>
+              <a:t>22/11/2017</a:t>
             </a:fld>
             <a:endParaRPr lang="pt-BR"/>
           </a:p>
@@ -4844,7 +4734,7 @@
           <a:p>
             <a:fld id="{033C220F-AFE8-4CCC-95E1-E0424241E150}" type="datetimeFigureOut">
               <a:rPr lang="pt-BR" smtClean="0"/>
-              <a:t>14/11/2017</a:t>
+              <a:t>22/11/2017</a:t>
             </a:fld>
             <a:endParaRPr lang="pt-BR"/>
           </a:p>
@@ -4962,7 +4852,7 @@
           <a:p>
             <a:fld id="{033C220F-AFE8-4CCC-95E1-E0424241E150}" type="datetimeFigureOut">
               <a:rPr lang="pt-BR" smtClean="0"/>
-              <a:t>14/11/2017</a:t>
+              <a:t>22/11/2017</a:t>
             </a:fld>
             <a:endParaRPr lang="pt-BR"/>
           </a:p>
@@ -5057,7 +4947,7 @@
           <a:p>
             <a:fld id="{033C220F-AFE8-4CCC-95E1-E0424241E150}" type="datetimeFigureOut">
               <a:rPr lang="pt-BR" smtClean="0"/>
-              <a:t>14/11/2017</a:t>
+              <a:t>22/11/2017</a:t>
             </a:fld>
             <a:endParaRPr lang="pt-BR"/>
           </a:p>
@@ -5334,7 +5224,7 @@
           <a:p>
             <a:fld id="{033C220F-AFE8-4CCC-95E1-E0424241E150}" type="datetimeFigureOut">
               <a:rPr lang="pt-BR" smtClean="0"/>
-              <a:t>14/11/2017</a:t>
+              <a:t>22/11/2017</a:t>
             </a:fld>
             <a:endParaRPr lang="pt-BR"/>
           </a:p>
@@ -5587,7 +5477,7 @@
           <a:p>
             <a:fld id="{033C220F-AFE8-4CCC-95E1-E0424241E150}" type="datetimeFigureOut">
               <a:rPr lang="pt-BR" smtClean="0"/>
-              <a:t>14/11/2017</a:t>
+              <a:t>22/11/2017</a:t>
             </a:fld>
             <a:endParaRPr lang="pt-BR"/>
           </a:p>
@@ -5800,7 +5690,7 @@
           <a:p>
             <a:fld id="{033C220F-AFE8-4CCC-95E1-E0424241E150}" type="datetimeFigureOut">
               <a:rPr lang="pt-BR" smtClean="0"/>
-              <a:t>14/11/2017</a:t>
+              <a:t>22/11/2017</a:t>
             </a:fld>
             <a:endParaRPr lang="pt-BR"/>
           </a:p>
@@ -6212,7 +6102,7 @@
           <p:nvPr>
             <p:extLst>
               <p:ext uri="{D42A27DB-BD31-4B8C-83A1-F6EECF244321}">
-                <p14:modId xmlns:p14="http://schemas.microsoft.com/office/powerpoint/2010/main" val="836488203"/>
+                <p14:modId xmlns:p14="http://schemas.microsoft.com/office/powerpoint/2010/main" val="1862705273"/>
               </p:ext>
             </p:extLst>
           </p:nvPr>
@@ -6750,14 +6640,14 @@
               <a:t>	</a:t>
             </a:r>
             <a:r>
-              <a:rPr lang="pt-BR" dirty="0" smtClean="0"/>
+              <a:rPr lang="pt-BR" strike="sngStrike" dirty="0" smtClean="0"/>
               <a:t>- Desenhar animações de pulo, corrida e </a:t>
             </a:r>
             <a:r>
-              <a:rPr lang="pt-BR" dirty="0" err="1" smtClean="0"/>
+              <a:rPr lang="pt-BR" strike="sngStrike" dirty="0" err="1" smtClean="0"/>
               <a:t>iddle</a:t>
             </a:r>
-            <a:endParaRPr lang="pt-BR" dirty="0" smtClean="0"/>
+            <a:endParaRPr lang="pt-BR" strike="sngStrike" dirty="0" smtClean="0"/>
           </a:p>
           <a:p>
             <a:r>
@@ -6775,33 +6665,25 @@
               <a:t>	</a:t>
             </a:r>
             <a:r>
+              <a:rPr lang="pt-BR" strike="sngStrike" dirty="0" smtClean="0"/>
+              <a:t>- programar joga bombas para ser coletável</a:t>
+            </a:r>
+          </a:p>
+          <a:p>
+            <a:r>
               <a:rPr lang="pt-BR" dirty="0" smtClean="0"/>
-              <a:t>- programar </a:t>
-            </a:r>
-            <a:r>
-              <a:rPr lang="pt-BR" dirty="0" smtClean="0"/>
-              <a:t>joga bombas para </a:t>
-            </a:r>
-            <a:r>
-              <a:rPr lang="pt-BR" dirty="0" smtClean="0"/>
-              <a:t>ser </a:t>
-            </a:r>
-            <a:r>
-              <a:rPr lang="pt-BR" dirty="0" smtClean="0"/>
-              <a:t>coletável</a:t>
-            </a:r>
-          </a:p>
-          <a:p>
-            <a:r>
-              <a:rPr lang="pt-BR" dirty="0" smtClean="0"/>
-              <a:t>	- tornar o raio amigável ao </a:t>
-            </a:r>
-            <a:r>
-              <a:rPr lang="pt-BR" dirty="0" err="1" smtClean="0"/>
+              <a:t>	</a:t>
+            </a:r>
+            <a:r>
+              <a:rPr lang="pt-BR" strike="sngStrike" dirty="0" smtClean="0"/>
+              <a:t>- tornar o raio amigável ao </a:t>
+            </a:r>
+            <a:r>
+              <a:rPr lang="pt-BR" strike="sngStrike" dirty="0" err="1" smtClean="0"/>
               <a:t>tileset</a:t>
             </a:r>
             <a:r>
-              <a:rPr lang="pt-BR" dirty="0" smtClean="0"/>
+              <a:rPr lang="pt-BR" strike="sngStrike" dirty="0" smtClean="0"/>
               <a:t> 32x32</a:t>
             </a:r>
           </a:p>
@@ -6905,15 +6787,7 @@
             </a:r>
             <a:r>
               <a:rPr lang="pt-BR" dirty="0" smtClean="0"/>
-              <a:t> 1 e carregar informações para </a:t>
-            </a:r>
-            <a:r>
-              <a:rPr lang="pt-BR" dirty="0" err="1" smtClean="0"/>
-              <a:t>proximo</a:t>
-            </a:r>
-            <a:r>
-              <a:rPr lang="pt-BR" dirty="0" smtClean="0"/>
-              <a:t> </a:t>
+              <a:t> 1 e carregar informações para próximo </a:t>
             </a:r>
             <a:r>
               <a:rPr lang="pt-BR" dirty="0" err="1" smtClean="0"/>
@@ -6982,6 +6856,118 @@
             <a:r>
               <a:rPr lang="pt-BR" dirty="0" smtClean="0"/>
               <a:t>- desenhar tela para inicio de jogo</a:t>
+            </a:r>
+          </a:p>
+        </p:txBody>
+      </p:sp>
+      <p:sp>
+        <p:nvSpPr>
+          <p:cNvPr id="11" name="CaixaDeTexto 10"/>
+          <p:cNvSpPr txBox="1"/>
+          <p:nvPr/>
+        </p:nvSpPr>
+        <p:spPr>
+          <a:xfrm>
+            <a:off x="0" y="5269218"/>
+            <a:ext cx="4213455" cy="1615827"/>
+          </a:xfrm>
+          <a:prstGeom prst="rect">
+            <a:avLst/>
+          </a:prstGeom>
+          <a:noFill/>
+        </p:spPr>
+        <p:txBody>
+          <a:bodyPr wrap="square" rtlCol="0">
+            <a:spAutoFit/>
+          </a:bodyPr>
+          <a:lstStyle/>
+          <a:p>
+            <a:r>
+              <a:rPr lang="pt-BR" sz="900" dirty="0" smtClean="0"/>
+              <a:t>Algumas regras: </a:t>
+            </a:r>
+          </a:p>
+          <a:p>
+            <a:r>
+              <a:rPr lang="pt-BR" sz="900" dirty="0" smtClean="0"/>
+              <a:t>Se aplica a protótipo...</a:t>
+            </a:r>
+          </a:p>
+          <a:p>
+            <a:r>
+              <a:rPr lang="pt-BR" sz="900" dirty="0" smtClean="0"/>
+              <a:t>É um lembrete se sempre passar por estas coisas</a:t>
+            </a:r>
+          </a:p>
+          <a:p>
+            <a:r>
+              <a:rPr lang="pt-BR" sz="900" dirty="0" smtClean="0"/>
+              <a:t>Descrição:</a:t>
+            </a:r>
+          </a:p>
+          <a:p>
+            <a:r>
+              <a:rPr lang="pt-BR" sz="900" dirty="0" smtClean="0"/>
+              <a:t>Mundo: </a:t>
+            </a:r>
+            <a:r>
+              <a:rPr lang="pt-BR" sz="900" dirty="0" err="1" smtClean="0"/>
+              <a:t>tileset</a:t>
+            </a:r>
+            <a:r>
+              <a:rPr lang="pt-BR" sz="900" dirty="0" smtClean="0"/>
+              <a:t>, desenhos, </a:t>
+            </a:r>
+            <a:r>
+              <a:rPr lang="pt-BR" sz="900" dirty="0" err="1" smtClean="0"/>
+              <a:t>level</a:t>
+            </a:r>
+            <a:r>
+              <a:rPr lang="pt-BR" sz="900" dirty="0" smtClean="0"/>
+              <a:t> </a:t>
+            </a:r>
+            <a:r>
+              <a:rPr lang="pt-BR" sz="900" dirty="0" err="1" smtClean="0"/>
+              <a:t>desing</a:t>
+            </a:r>
+            <a:r>
+              <a:rPr lang="pt-BR" sz="900" dirty="0" smtClean="0"/>
+              <a:t>, tema de cores, </a:t>
+            </a:r>
+            <a:r>
+              <a:rPr lang="pt-BR" sz="900" dirty="0" err="1" smtClean="0"/>
+              <a:t>etc</a:t>
+            </a:r>
+            <a:endParaRPr lang="pt-BR" sz="900" dirty="0" smtClean="0"/>
+          </a:p>
+          <a:p>
+            <a:r>
+              <a:rPr lang="pt-BR" sz="900" dirty="0" smtClean="0"/>
+              <a:t>Personagem: são os personagens jogáveis e tudo que afeta eles</a:t>
+            </a:r>
+          </a:p>
+          <a:p>
+            <a:r>
+              <a:rPr lang="pt-BR" sz="900" dirty="0" smtClean="0"/>
+              <a:t>Controles: como serão os controles do personagem e suas habilidades</a:t>
+            </a:r>
+          </a:p>
+          <a:p>
+            <a:r>
+              <a:rPr lang="pt-BR" sz="900" dirty="0" smtClean="0"/>
+              <a:t>Perigos: é uma derivação do mundo, mas entra coisas que precisam de animação e programação especifica para interagir com o mundo</a:t>
+            </a:r>
+          </a:p>
+          <a:p>
+            <a:r>
+              <a:rPr lang="pt-BR" sz="900" dirty="0" smtClean="0"/>
+              <a:t>Inimigos: mesmo que os perigos, já que esses são ainda mais complexos</a:t>
+            </a:r>
+          </a:p>
+          <a:p>
+            <a:r>
+              <a:rPr lang="pt-BR" sz="900" dirty="0" smtClean="0"/>
+              <a:t>Menus e UI: Tem que ter e tem que ser bom</a:t>
             </a:r>
           </a:p>
         </p:txBody>

--- a/Project Data/Ciclo de trabalho.pptx
+++ b/Project Data/Ciclo de trabalho.pptx
@@ -1138,7 +1138,7 @@
       </dgm:t>
     </dgm:pt>
     <dgm:pt modelId="{F352CCD2-62DF-4A79-86CF-16258AD5F186}" type="pres">
-      <dgm:prSet presAssocID="{1F56803A-CBCA-4B80-9ED8-161886EDBA08}" presName="sibTransFirstNode" presStyleLbl="bgShp" presStyleIdx="0" presStyleCnt="1"/>
+      <dgm:prSet presAssocID="{1F56803A-CBCA-4B80-9ED8-161886EDBA08}" presName="sibTransFirstNode" presStyleLbl="bgShp" presStyleIdx="0" presStyleCnt="1" custLinFactNeighborX="5208" custLinFactNeighborY="905"/>
       <dgm:spPr/>
       <dgm:t>
         <a:bodyPr/>
@@ -1273,7 +1273,7 @@
       </dsp:nvSpPr>
       <dsp:spPr>
         <a:xfrm>
-          <a:off x="150258" y="138936"/>
+          <a:off x="415047" y="184949"/>
           <a:ext cx="5084279" cy="5084279"/>
         </a:xfrm>
         <a:prstGeom prst="circularArrow">
@@ -3369,7 +3369,7 @@
           <a:p>
             <a:fld id="{033C220F-AFE8-4CCC-95E1-E0424241E150}" type="datetimeFigureOut">
               <a:rPr lang="pt-BR" smtClean="0"/>
-              <a:t>22/11/2017</a:t>
+              <a:t>28/11/2017</a:t>
             </a:fld>
             <a:endParaRPr lang="pt-BR"/>
           </a:p>
@@ -3539,7 +3539,7 @@
           <a:p>
             <a:fld id="{033C220F-AFE8-4CCC-95E1-E0424241E150}" type="datetimeFigureOut">
               <a:rPr lang="pt-BR" smtClean="0"/>
-              <a:t>22/11/2017</a:t>
+              <a:t>28/11/2017</a:t>
             </a:fld>
             <a:endParaRPr lang="pt-BR"/>
           </a:p>
@@ -3719,7 +3719,7 @@
           <a:p>
             <a:fld id="{033C220F-AFE8-4CCC-95E1-E0424241E150}" type="datetimeFigureOut">
               <a:rPr lang="pt-BR" smtClean="0"/>
-              <a:t>22/11/2017</a:t>
+              <a:t>28/11/2017</a:t>
             </a:fld>
             <a:endParaRPr lang="pt-BR"/>
           </a:p>
@@ -3889,7 +3889,7 @@
           <a:p>
             <a:fld id="{033C220F-AFE8-4CCC-95E1-E0424241E150}" type="datetimeFigureOut">
               <a:rPr lang="pt-BR" smtClean="0"/>
-              <a:t>22/11/2017</a:t>
+              <a:t>28/11/2017</a:t>
             </a:fld>
             <a:endParaRPr lang="pt-BR"/>
           </a:p>
@@ -4135,7 +4135,7 @@
           <a:p>
             <a:fld id="{033C220F-AFE8-4CCC-95E1-E0424241E150}" type="datetimeFigureOut">
               <a:rPr lang="pt-BR" smtClean="0"/>
-              <a:t>22/11/2017</a:t>
+              <a:t>28/11/2017</a:t>
             </a:fld>
             <a:endParaRPr lang="pt-BR"/>
           </a:p>
@@ -4367,7 +4367,7 @@
           <a:p>
             <a:fld id="{033C220F-AFE8-4CCC-95E1-E0424241E150}" type="datetimeFigureOut">
               <a:rPr lang="pt-BR" smtClean="0"/>
-              <a:t>22/11/2017</a:t>
+              <a:t>28/11/2017</a:t>
             </a:fld>
             <a:endParaRPr lang="pt-BR"/>
           </a:p>
@@ -4734,7 +4734,7 @@
           <a:p>
             <a:fld id="{033C220F-AFE8-4CCC-95E1-E0424241E150}" type="datetimeFigureOut">
               <a:rPr lang="pt-BR" smtClean="0"/>
-              <a:t>22/11/2017</a:t>
+              <a:t>28/11/2017</a:t>
             </a:fld>
             <a:endParaRPr lang="pt-BR"/>
           </a:p>
@@ -4852,7 +4852,7 @@
           <a:p>
             <a:fld id="{033C220F-AFE8-4CCC-95E1-E0424241E150}" type="datetimeFigureOut">
               <a:rPr lang="pt-BR" smtClean="0"/>
-              <a:t>22/11/2017</a:t>
+              <a:t>28/11/2017</a:t>
             </a:fld>
             <a:endParaRPr lang="pt-BR"/>
           </a:p>
@@ -4947,7 +4947,7 @@
           <a:p>
             <a:fld id="{033C220F-AFE8-4CCC-95E1-E0424241E150}" type="datetimeFigureOut">
               <a:rPr lang="pt-BR" smtClean="0"/>
-              <a:t>22/11/2017</a:t>
+              <a:t>28/11/2017</a:t>
             </a:fld>
             <a:endParaRPr lang="pt-BR"/>
           </a:p>
@@ -5224,7 +5224,7 @@
           <a:p>
             <a:fld id="{033C220F-AFE8-4CCC-95E1-E0424241E150}" type="datetimeFigureOut">
               <a:rPr lang="pt-BR" smtClean="0"/>
-              <a:t>22/11/2017</a:t>
+              <a:t>28/11/2017</a:t>
             </a:fld>
             <a:endParaRPr lang="pt-BR"/>
           </a:p>
@@ -5477,7 +5477,7 @@
           <a:p>
             <a:fld id="{033C220F-AFE8-4CCC-95E1-E0424241E150}" type="datetimeFigureOut">
               <a:rPr lang="pt-BR" smtClean="0"/>
-              <a:t>22/11/2017</a:t>
+              <a:t>28/11/2017</a:t>
             </a:fld>
             <a:endParaRPr lang="pt-BR"/>
           </a:p>
@@ -5690,7 +5690,7 @@
           <a:p>
             <a:fld id="{033C220F-AFE8-4CCC-95E1-E0424241E150}" type="datetimeFigureOut">
               <a:rPr lang="pt-BR" smtClean="0"/>
-              <a:t>22/11/2017</a:t>
+              <a:t>28/11/2017</a:t>
             </a:fld>
             <a:endParaRPr lang="pt-BR"/>
           </a:p>
@@ -6102,13 +6102,13 @@
           <p:nvPr>
             <p:extLst>
               <p:ext uri="{D42A27DB-BD31-4B8C-83A1-F6EECF244321}">
-                <p14:modId xmlns:p14="http://schemas.microsoft.com/office/powerpoint/2010/main" val="1862705273"/>
+                <p14:modId xmlns:p14="http://schemas.microsoft.com/office/powerpoint/2010/main" val="1461853631"/>
               </p:ext>
             </p:extLst>
           </p:nvPr>
         </p:nvGraphicFramePr>
         <p:xfrm>
-          <a:off x="-517194" y="0"/>
+          <a:off x="40701" y="75080"/>
           <a:ext cx="5449922" cy="5327009"/>
         </p:xfrm>
         <a:graphic>
@@ -6572,8 +6572,8 @@
         </p:nvSpPr>
         <p:spPr>
           <a:xfrm>
-            <a:off x="5467277" y="980554"/>
-            <a:ext cx="6337242" cy="3139321"/>
+            <a:off x="9964918" y="923"/>
+            <a:ext cx="2125363" cy="1169551"/>
           </a:xfrm>
           <a:prstGeom prst="rect">
             <a:avLst/>
@@ -6587,145 +6587,145 @@
           <a:lstStyle/>
           <a:p>
             <a:r>
-              <a:rPr lang="pt-BR" dirty="0" smtClean="0"/>
+              <a:rPr lang="pt-BR" sz="700" dirty="0" smtClean="0"/>
               <a:t>Quinto ciclo</a:t>
             </a:r>
             <a:r>
-              <a:rPr lang="pt-BR" dirty="0" smtClean="0">
+              <a:rPr lang="pt-BR" sz="700" dirty="0" smtClean="0">
                 <a:sym typeface="Wingdings" panose="05000000000000000000" pitchFamily="2" charset="2"/>
               </a:rPr>
               <a:t>: </a:t>
             </a:r>
             <a:r>
-              <a:rPr lang="pt-BR" strike="sngStrike" dirty="0" smtClean="0">
+              <a:rPr lang="pt-BR" sz="700" strike="sngStrike" dirty="0" smtClean="0">
                 <a:sym typeface="Wingdings" panose="05000000000000000000" pitchFamily="2" charset="2"/>
               </a:rPr>
               <a:t>(BIG </a:t>
             </a:r>
             <a:r>
-              <a:rPr lang="pt-BR" strike="sngStrike" dirty="0" err="1" smtClean="0">
+              <a:rPr lang="pt-BR" sz="700" strike="sngStrike" dirty="0" err="1" smtClean="0">
                 <a:sym typeface="Wingdings" panose="05000000000000000000" pitchFamily="2" charset="2"/>
               </a:rPr>
               <a:t>Refactor</a:t>
             </a:r>
             <a:r>
-              <a:rPr lang="pt-BR" strike="sngStrike" dirty="0" smtClean="0">
+              <a:rPr lang="pt-BR" sz="700" strike="sngStrike" dirty="0" smtClean="0">
                 <a:sym typeface="Wingdings" panose="05000000000000000000" pitchFamily="2" charset="2"/>
               </a:rPr>
               <a:t>)</a:t>
             </a:r>
-            <a:endParaRPr lang="pt-BR" strike="sngStrike" dirty="0" smtClean="0"/>
-          </a:p>
-          <a:p>
-            <a:r>
-              <a:rPr lang="pt-BR" dirty="0" smtClean="0"/>
-              <a:t>	- </a:t>
-            </a:r>
-            <a:r>
-              <a:rPr lang="pt-BR" strike="sngStrike" dirty="0" smtClean="0"/>
+            <a:endParaRPr lang="pt-BR" sz="700" strike="sngStrike" dirty="0" smtClean="0"/>
+          </a:p>
+          <a:p>
+            <a:r>
+              <a:rPr lang="pt-BR" sz="700" dirty="0" smtClean="0"/>
+              <a:t>- </a:t>
+            </a:r>
+            <a:r>
+              <a:rPr lang="pt-BR" sz="700" strike="sngStrike" dirty="0" smtClean="0"/>
               <a:t>Remodelar </a:t>
             </a:r>
             <a:r>
-              <a:rPr lang="pt-BR" strike="sngStrike" dirty="0" err="1" smtClean="0"/>
+              <a:rPr lang="pt-BR" sz="700" strike="sngStrike" dirty="0" err="1" smtClean="0"/>
               <a:t>level</a:t>
             </a:r>
             <a:r>
-              <a:rPr lang="pt-BR" strike="sngStrike" dirty="0" smtClean="0"/>
+              <a:rPr lang="pt-BR" sz="700" strike="sngStrike" dirty="0" smtClean="0"/>
               <a:t> 1 com tiles simples ou copiados</a:t>
             </a:r>
           </a:p>
           <a:p>
             <a:r>
-              <a:rPr lang="pt-BR" dirty="0"/>
-              <a:t>	</a:t>
-            </a:r>
-            <a:r>
-              <a:rPr lang="pt-BR" strike="sngStrike" dirty="0" smtClean="0"/>
-              <a:t>- Desenhar animações de pulo, corrida e </a:t>
-            </a:r>
-            <a:r>
-              <a:rPr lang="pt-BR" strike="sngStrike" dirty="0" err="1" smtClean="0"/>
+              <a:rPr lang="pt-BR" sz="700" strike="sngStrike" dirty="0" smtClean="0"/>
+              <a:t>- </a:t>
+            </a:r>
+            <a:r>
+              <a:rPr lang="pt-BR" sz="700" strike="sngStrike" dirty="0" smtClean="0"/>
+              <a:t>Desenhar animações de pulo, corrida e </a:t>
+            </a:r>
+            <a:r>
+              <a:rPr lang="pt-BR" sz="700" strike="sngStrike" dirty="0" err="1" smtClean="0"/>
               <a:t>iddle</a:t>
             </a:r>
-            <a:endParaRPr lang="pt-BR" strike="sngStrike" dirty="0" smtClean="0"/>
-          </a:p>
-          <a:p>
-            <a:r>
-              <a:rPr lang="pt-BR" dirty="0"/>
-              <a:t>	</a:t>
-            </a:r>
-            <a:r>
-              <a:rPr lang="pt-BR" strike="sngStrike" dirty="0" smtClean="0"/>
-              <a:t>- habilidades de correr mais rápido</a:t>
-            </a:r>
-          </a:p>
-          <a:p>
-            <a:r>
-              <a:rPr lang="pt-BR" dirty="0"/>
-              <a:t>	</a:t>
-            </a:r>
-            <a:r>
-              <a:rPr lang="pt-BR" strike="sngStrike" dirty="0" smtClean="0"/>
-              <a:t>- programar joga bombas para ser coletável</a:t>
-            </a:r>
-          </a:p>
-          <a:p>
-            <a:r>
-              <a:rPr lang="pt-BR" dirty="0" smtClean="0"/>
-              <a:t>	</a:t>
-            </a:r>
-            <a:r>
-              <a:rPr lang="pt-BR" strike="sngStrike" dirty="0" smtClean="0"/>
-              <a:t>- tornar o raio amigável ao </a:t>
-            </a:r>
-            <a:r>
-              <a:rPr lang="pt-BR" strike="sngStrike" dirty="0" err="1" smtClean="0"/>
+            <a:endParaRPr lang="pt-BR" sz="700" strike="sngStrike" dirty="0" smtClean="0"/>
+          </a:p>
+          <a:p>
+            <a:r>
+              <a:rPr lang="pt-BR" sz="700" strike="sngStrike" dirty="0" smtClean="0"/>
+              <a:t>- </a:t>
+            </a:r>
+            <a:r>
+              <a:rPr lang="pt-BR" sz="700" strike="sngStrike" dirty="0" smtClean="0"/>
+              <a:t>habilidades de correr mais rápido</a:t>
+            </a:r>
+          </a:p>
+          <a:p>
+            <a:r>
+              <a:rPr lang="pt-BR" sz="700" strike="sngStrike" dirty="0" smtClean="0"/>
+              <a:t>- </a:t>
+            </a:r>
+            <a:r>
+              <a:rPr lang="pt-BR" sz="700" strike="sngStrike" dirty="0" smtClean="0"/>
+              <a:t>programar joga bombas para ser coletável</a:t>
+            </a:r>
+          </a:p>
+          <a:p>
+            <a:r>
+              <a:rPr lang="pt-BR" sz="700" strike="sngStrike" dirty="0" smtClean="0"/>
+              <a:t>- </a:t>
+            </a:r>
+            <a:r>
+              <a:rPr lang="pt-BR" sz="700" strike="sngStrike" dirty="0" smtClean="0"/>
+              <a:t>tornar o raio amigável ao </a:t>
+            </a:r>
+            <a:r>
+              <a:rPr lang="pt-BR" sz="700" strike="sngStrike" dirty="0" err="1" smtClean="0"/>
               <a:t>tileset</a:t>
             </a:r>
             <a:r>
-              <a:rPr lang="pt-BR" strike="sngStrike" dirty="0" smtClean="0"/>
+              <a:rPr lang="pt-BR" sz="700" strike="sngStrike" dirty="0" smtClean="0"/>
               <a:t> 32x32</a:t>
             </a:r>
           </a:p>
           <a:p>
             <a:r>
-              <a:rPr lang="pt-BR" dirty="0"/>
-              <a:t>	</a:t>
-            </a:r>
-            <a:r>
-              <a:rPr lang="pt-BR" dirty="0" smtClean="0"/>
-              <a:t>- animação </a:t>
-            </a:r>
-            <a:r>
-              <a:rPr lang="pt-BR" dirty="0" err="1" smtClean="0"/>
+              <a:rPr lang="pt-BR" sz="700" strike="sngStrike" dirty="0" smtClean="0"/>
+              <a:t>- </a:t>
+            </a:r>
+            <a:r>
+              <a:rPr lang="pt-BR" sz="700" strike="sngStrike" dirty="0" smtClean="0"/>
+              <a:t>animação </a:t>
+            </a:r>
+            <a:r>
+              <a:rPr lang="pt-BR" sz="700" strike="sngStrike" dirty="0" err="1" smtClean="0"/>
               <a:t>mik</a:t>
             </a:r>
-            <a:endParaRPr lang="pt-BR" dirty="0" smtClean="0"/>
-          </a:p>
-          <a:p>
-            <a:r>
-              <a:rPr lang="pt-BR" dirty="0"/>
-              <a:t>	</a:t>
-            </a:r>
-            <a:r>
-              <a:rPr lang="pt-BR" dirty="0" smtClean="0"/>
-              <a:t>- Fazer ser visível qual o botão selecionado mesmo com o </a:t>
-            </a:r>
-            <a:r>
-              <a:rPr lang="pt-BR" dirty="0" err="1" smtClean="0"/>
+            <a:endParaRPr lang="pt-BR" sz="700" strike="sngStrike" dirty="0" smtClean="0"/>
+          </a:p>
+          <a:p>
+            <a:r>
+              <a:rPr lang="pt-BR" sz="700" strike="sngStrike" dirty="0" smtClean="0"/>
+              <a:t>- </a:t>
+            </a:r>
+            <a:r>
+              <a:rPr lang="pt-BR" sz="700" strike="sngStrike" dirty="0" smtClean="0"/>
+              <a:t>Fazer ser visível qual o botão selecionado mesmo com o </a:t>
+            </a:r>
+            <a:r>
+              <a:rPr lang="pt-BR" sz="700" strike="sngStrike" dirty="0" err="1" smtClean="0"/>
               <a:t>gamepad</a:t>
             </a:r>
             <a:r>
-              <a:rPr lang="pt-BR" dirty="0" smtClean="0"/>
+              <a:rPr lang="pt-BR" sz="700" strike="sngStrike" dirty="0" smtClean="0"/>
               <a:t> (mouse já é de boa com a função </a:t>
             </a:r>
             <a:r>
-              <a:rPr lang="pt-BR" dirty="0" err="1" smtClean="0"/>
+              <a:rPr lang="pt-BR" sz="700" strike="sngStrike" dirty="0" err="1" smtClean="0"/>
               <a:t>hover</a:t>
             </a:r>
             <a:r>
-              <a:rPr lang="pt-BR" dirty="0" smtClean="0"/>
-              <a:t>). Adicionar contorno as vidas para que seja possível indicar quantas vidas se tem</a:t>
+              <a:rPr lang="pt-BR" sz="700" strike="sngStrike" dirty="0" smtClean="0"/>
+              <a:t>). UI : vidas , espigas e bombas funcionando</a:t>
             </a:r>
           </a:p>
         </p:txBody>
@@ -6738,7 +6738,7 @@
         </p:nvSpPr>
         <p:spPr>
           <a:xfrm>
-            <a:off x="5467277" y="4337472"/>
+            <a:off x="5664985" y="1170474"/>
             <a:ext cx="6337242" cy="2585323"/>
           </a:xfrm>
           <a:prstGeom prst="rect">

--- a/Project Data/Ciclo de trabalho.pptx
+++ b/Project Data/Ciclo de trabalho.pptx
@@ -3369,7 +3369,7 @@
           <a:p>
             <a:fld id="{033C220F-AFE8-4CCC-95E1-E0424241E150}" type="datetimeFigureOut">
               <a:rPr lang="pt-BR" smtClean="0"/>
-              <a:t>28/11/2017</a:t>
+              <a:t>29/11/2017</a:t>
             </a:fld>
             <a:endParaRPr lang="pt-BR"/>
           </a:p>
@@ -3539,7 +3539,7 @@
           <a:p>
             <a:fld id="{033C220F-AFE8-4CCC-95E1-E0424241E150}" type="datetimeFigureOut">
               <a:rPr lang="pt-BR" smtClean="0"/>
-              <a:t>28/11/2017</a:t>
+              <a:t>29/11/2017</a:t>
             </a:fld>
             <a:endParaRPr lang="pt-BR"/>
           </a:p>
@@ -3719,7 +3719,7 @@
           <a:p>
             <a:fld id="{033C220F-AFE8-4CCC-95E1-E0424241E150}" type="datetimeFigureOut">
               <a:rPr lang="pt-BR" smtClean="0"/>
-              <a:t>28/11/2017</a:t>
+              <a:t>29/11/2017</a:t>
             </a:fld>
             <a:endParaRPr lang="pt-BR"/>
           </a:p>
@@ -3889,7 +3889,7 @@
           <a:p>
             <a:fld id="{033C220F-AFE8-4CCC-95E1-E0424241E150}" type="datetimeFigureOut">
               <a:rPr lang="pt-BR" smtClean="0"/>
-              <a:t>28/11/2017</a:t>
+              <a:t>29/11/2017</a:t>
             </a:fld>
             <a:endParaRPr lang="pt-BR"/>
           </a:p>
@@ -4135,7 +4135,7 @@
           <a:p>
             <a:fld id="{033C220F-AFE8-4CCC-95E1-E0424241E150}" type="datetimeFigureOut">
               <a:rPr lang="pt-BR" smtClean="0"/>
-              <a:t>28/11/2017</a:t>
+              <a:t>29/11/2017</a:t>
             </a:fld>
             <a:endParaRPr lang="pt-BR"/>
           </a:p>
@@ -4367,7 +4367,7 @@
           <a:p>
             <a:fld id="{033C220F-AFE8-4CCC-95E1-E0424241E150}" type="datetimeFigureOut">
               <a:rPr lang="pt-BR" smtClean="0"/>
-              <a:t>28/11/2017</a:t>
+              <a:t>29/11/2017</a:t>
             </a:fld>
             <a:endParaRPr lang="pt-BR"/>
           </a:p>
@@ -4734,7 +4734,7 @@
           <a:p>
             <a:fld id="{033C220F-AFE8-4CCC-95E1-E0424241E150}" type="datetimeFigureOut">
               <a:rPr lang="pt-BR" smtClean="0"/>
-              <a:t>28/11/2017</a:t>
+              <a:t>29/11/2017</a:t>
             </a:fld>
             <a:endParaRPr lang="pt-BR"/>
           </a:p>
@@ -4852,7 +4852,7 @@
           <a:p>
             <a:fld id="{033C220F-AFE8-4CCC-95E1-E0424241E150}" type="datetimeFigureOut">
               <a:rPr lang="pt-BR" smtClean="0"/>
-              <a:t>28/11/2017</a:t>
+              <a:t>29/11/2017</a:t>
             </a:fld>
             <a:endParaRPr lang="pt-BR"/>
           </a:p>
@@ -4947,7 +4947,7 @@
           <a:p>
             <a:fld id="{033C220F-AFE8-4CCC-95E1-E0424241E150}" type="datetimeFigureOut">
               <a:rPr lang="pt-BR" smtClean="0"/>
-              <a:t>28/11/2017</a:t>
+              <a:t>29/11/2017</a:t>
             </a:fld>
             <a:endParaRPr lang="pt-BR"/>
           </a:p>
@@ -5224,7 +5224,7 @@
           <a:p>
             <a:fld id="{033C220F-AFE8-4CCC-95E1-E0424241E150}" type="datetimeFigureOut">
               <a:rPr lang="pt-BR" smtClean="0"/>
-              <a:t>28/11/2017</a:t>
+              <a:t>29/11/2017</a:t>
             </a:fld>
             <a:endParaRPr lang="pt-BR"/>
           </a:p>
@@ -5477,7 +5477,7 @@
           <a:p>
             <a:fld id="{033C220F-AFE8-4CCC-95E1-E0424241E150}" type="datetimeFigureOut">
               <a:rPr lang="pt-BR" smtClean="0"/>
-              <a:t>28/11/2017</a:t>
+              <a:t>29/11/2017</a:t>
             </a:fld>
             <a:endParaRPr lang="pt-BR"/>
           </a:p>
@@ -5690,7 +5690,7 @@
           <a:p>
             <a:fld id="{033C220F-AFE8-4CCC-95E1-E0424241E150}" type="datetimeFigureOut">
               <a:rPr lang="pt-BR" smtClean="0"/>
-              <a:t>28/11/2017</a:t>
+              <a:t>29/11/2017</a:t>
             </a:fld>
             <a:endParaRPr lang="pt-BR"/>
           </a:p>
@@ -6637,11 +6637,7 @@
           <a:p>
             <a:r>
               <a:rPr lang="pt-BR" sz="700" strike="sngStrike" dirty="0" smtClean="0"/>
-              <a:t>- </a:t>
-            </a:r>
-            <a:r>
-              <a:rPr lang="pt-BR" sz="700" strike="sngStrike" dirty="0" smtClean="0"/>
-              <a:t>Desenhar animações de pulo, corrida e </a:t>
+              <a:t>- Desenhar animações de pulo, corrida e </a:t>
             </a:r>
             <a:r>
               <a:rPr lang="pt-BR" sz="700" strike="sngStrike" dirty="0" err="1" smtClean="0"/>
@@ -6652,31 +6648,19 @@
           <a:p>
             <a:r>
               <a:rPr lang="pt-BR" sz="700" strike="sngStrike" dirty="0" smtClean="0"/>
-              <a:t>- </a:t>
-            </a:r>
+              <a:t>- habilidades de correr mais rápido</a:t>
+            </a:r>
+          </a:p>
+          <a:p>
             <a:r>
               <a:rPr lang="pt-BR" sz="700" strike="sngStrike" dirty="0" smtClean="0"/>
-              <a:t>habilidades de correr mais rápido</a:t>
+              <a:t>- programar joga bombas para ser coletável</a:t>
             </a:r>
           </a:p>
           <a:p>
             <a:r>
               <a:rPr lang="pt-BR" sz="700" strike="sngStrike" dirty="0" smtClean="0"/>
-              <a:t>- </a:t>
-            </a:r>
-            <a:r>
-              <a:rPr lang="pt-BR" sz="700" strike="sngStrike" dirty="0" smtClean="0"/>
-              <a:t>programar joga bombas para ser coletável</a:t>
-            </a:r>
-          </a:p>
-          <a:p>
-            <a:r>
-              <a:rPr lang="pt-BR" sz="700" strike="sngStrike" dirty="0" smtClean="0"/>
-              <a:t>- </a:t>
-            </a:r>
-            <a:r>
-              <a:rPr lang="pt-BR" sz="700" strike="sngStrike" dirty="0" smtClean="0"/>
-              <a:t>tornar o raio amigável ao </a:t>
+              <a:t>- tornar o raio amigável ao </a:t>
             </a:r>
             <a:r>
               <a:rPr lang="pt-BR" sz="700" strike="sngStrike" dirty="0" err="1" smtClean="0"/>
@@ -6690,11 +6674,7 @@
           <a:p>
             <a:r>
               <a:rPr lang="pt-BR" sz="700" strike="sngStrike" dirty="0" smtClean="0"/>
-              <a:t>- </a:t>
-            </a:r>
-            <a:r>
-              <a:rPr lang="pt-BR" sz="700" strike="sngStrike" dirty="0" smtClean="0"/>
-              <a:t>animação </a:t>
+              <a:t>- animação </a:t>
             </a:r>
             <a:r>
               <a:rPr lang="pt-BR" sz="700" strike="sngStrike" dirty="0" err="1" smtClean="0"/>
@@ -6705,11 +6685,7 @@
           <a:p>
             <a:r>
               <a:rPr lang="pt-BR" sz="700" strike="sngStrike" dirty="0" smtClean="0"/>
-              <a:t>- </a:t>
-            </a:r>
-            <a:r>
-              <a:rPr lang="pt-BR" sz="700" strike="sngStrike" dirty="0" smtClean="0"/>
-              <a:t>Fazer ser visível qual o botão selecionado mesmo com o </a:t>
+              <a:t>- Fazer ser visível qual o botão selecionado mesmo com o </a:t>
             </a:r>
             <a:r>
               <a:rPr lang="pt-BR" sz="700" strike="sngStrike" dirty="0" err="1" smtClean="0"/>
@@ -6760,21 +6736,27 @@
               <a:rPr lang="pt-BR" dirty="0" smtClean="0">
                 <a:sym typeface="Wingdings" panose="05000000000000000000" pitchFamily="2" charset="2"/>
               </a:rPr>
-              <a:t>: (</a:t>
-            </a:r>
-            <a:r>
-              <a:rPr lang="pt-BR" dirty="0" err="1" smtClean="0">
+              <a:t>: </a:t>
+            </a:r>
+            <a:r>
+              <a:rPr lang="pt-BR" strike="sngStrike" dirty="0" smtClean="0">
+                <a:sym typeface="Wingdings" panose="05000000000000000000" pitchFamily="2" charset="2"/>
+              </a:rPr>
+              <a:t>(</a:t>
+            </a:r>
+            <a:r>
+              <a:rPr lang="pt-BR" strike="sngStrike" dirty="0" err="1" smtClean="0">
                 <a:sym typeface="Wingdings" panose="05000000000000000000" pitchFamily="2" charset="2"/>
               </a:rPr>
               <a:t>QuickRefactor</a:t>
             </a:r>
             <a:r>
-              <a:rPr lang="pt-BR" dirty="0" smtClean="0">
+              <a:rPr lang="pt-BR" strike="sngStrike" dirty="0" smtClean="0">
                 <a:sym typeface="Wingdings" panose="05000000000000000000" pitchFamily="2" charset="2"/>
               </a:rPr>
               <a:t>)</a:t>
             </a:r>
-            <a:endParaRPr lang="pt-BR" dirty="0" smtClean="0"/>
+            <a:endParaRPr lang="pt-BR" strike="sngStrike" dirty="0" smtClean="0"/>
           </a:p>
           <a:p>
             <a:r>

--- a/Project Data/Ciclo de trabalho.pptx
+++ b/Project Data/Ciclo de trabalho.pptx
@@ -3369,7 +3369,7 @@
           <a:p>
             <a:fld id="{033C220F-AFE8-4CCC-95E1-E0424241E150}" type="datetimeFigureOut">
               <a:rPr lang="pt-BR" smtClean="0"/>
-              <a:t>29/11/2017</a:t>
+              <a:t>03/12/2017</a:t>
             </a:fld>
             <a:endParaRPr lang="pt-BR"/>
           </a:p>
@@ -3539,7 +3539,7 @@
           <a:p>
             <a:fld id="{033C220F-AFE8-4CCC-95E1-E0424241E150}" type="datetimeFigureOut">
               <a:rPr lang="pt-BR" smtClean="0"/>
-              <a:t>29/11/2017</a:t>
+              <a:t>03/12/2017</a:t>
             </a:fld>
             <a:endParaRPr lang="pt-BR"/>
           </a:p>
@@ -3719,7 +3719,7 @@
           <a:p>
             <a:fld id="{033C220F-AFE8-4CCC-95E1-E0424241E150}" type="datetimeFigureOut">
               <a:rPr lang="pt-BR" smtClean="0"/>
-              <a:t>29/11/2017</a:t>
+              <a:t>03/12/2017</a:t>
             </a:fld>
             <a:endParaRPr lang="pt-BR"/>
           </a:p>
@@ -3889,7 +3889,7 @@
           <a:p>
             <a:fld id="{033C220F-AFE8-4CCC-95E1-E0424241E150}" type="datetimeFigureOut">
               <a:rPr lang="pt-BR" smtClean="0"/>
-              <a:t>29/11/2017</a:t>
+              <a:t>03/12/2017</a:t>
             </a:fld>
             <a:endParaRPr lang="pt-BR"/>
           </a:p>
@@ -4135,7 +4135,7 @@
           <a:p>
             <a:fld id="{033C220F-AFE8-4CCC-95E1-E0424241E150}" type="datetimeFigureOut">
               <a:rPr lang="pt-BR" smtClean="0"/>
-              <a:t>29/11/2017</a:t>
+              <a:t>03/12/2017</a:t>
             </a:fld>
             <a:endParaRPr lang="pt-BR"/>
           </a:p>
@@ -4367,7 +4367,7 @@
           <a:p>
             <a:fld id="{033C220F-AFE8-4CCC-95E1-E0424241E150}" type="datetimeFigureOut">
               <a:rPr lang="pt-BR" smtClean="0"/>
-              <a:t>29/11/2017</a:t>
+              <a:t>03/12/2017</a:t>
             </a:fld>
             <a:endParaRPr lang="pt-BR"/>
           </a:p>
@@ -4734,7 +4734,7 @@
           <a:p>
             <a:fld id="{033C220F-AFE8-4CCC-95E1-E0424241E150}" type="datetimeFigureOut">
               <a:rPr lang="pt-BR" smtClean="0"/>
-              <a:t>29/11/2017</a:t>
+              <a:t>03/12/2017</a:t>
             </a:fld>
             <a:endParaRPr lang="pt-BR"/>
           </a:p>
@@ -4852,7 +4852,7 @@
           <a:p>
             <a:fld id="{033C220F-AFE8-4CCC-95E1-E0424241E150}" type="datetimeFigureOut">
               <a:rPr lang="pt-BR" smtClean="0"/>
-              <a:t>29/11/2017</a:t>
+              <a:t>03/12/2017</a:t>
             </a:fld>
             <a:endParaRPr lang="pt-BR"/>
           </a:p>
@@ -4947,7 +4947,7 @@
           <a:p>
             <a:fld id="{033C220F-AFE8-4CCC-95E1-E0424241E150}" type="datetimeFigureOut">
               <a:rPr lang="pt-BR" smtClean="0"/>
-              <a:t>29/11/2017</a:t>
+              <a:t>03/12/2017</a:t>
             </a:fld>
             <a:endParaRPr lang="pt-BR"/>
           </a:p>
@@ -5224,7 +5224,7 @@
           <a:p>
             <a:fld id="{033C220F-AFE8-4CCC-95E1-E0424241E150}" type="datetimeFigureOut">
               <a:rPr lang="pt-BR" smtClean="0"/>
-              <a:t>29/11/2017</a:t>
+              <a:t>03/12/2017</a:t>
             </a:fld>
             <a:endParaRPr lang="pt-BR"/>
           </a:p>
@@ -5477,7 +5477,7 @@
           <a:p>
             <a:fld id="{033C220F-AFE8-4CCC-95E1-E0424241E150}" type="datetimeFigureOut">
               <a:rPr lang="pt-BR" smtClean="0"/>
-              <a:t>29/11/2017</a:t>
+              <a:t>03/12/2017</a:t>
             </a:fld>
             <a:endParaRPr lang="pt-BR"/>
           </a:p>
@@ -5690,7 +5690,7 @@
           <a:p>
             <a:fld id="{033C220F-AFE8-4CCC-95E1-E0424241E150}" type="datetimeFigureOut">
               <a:rPr lang="pt-BR" smtClean="0"/>
-              <a:t>29/11/2017</a:t>
+              <a:t>03/12/2017</a:t>
             </a:fld>
             <a:endParaRPr lang="pt-BR"/>
           </a:p>
@@ -6761,15 +6761,23 @@
           <a:p>
             <a:r>
               <a:rPr lang="pt-BR" dirty="0" smtClean="0"/>
-              <a:t>	- Concluir </a:t>
-            </a:r>
-            <a:r>
-              <a:rPr lang="pt-BR" dirty="0" err="1" smtClean="0"/>
+              <a:t>	- </a:t>
+            </a:r>
+            <a:r>
+              <a:rPr lang="pt-BR" strike="sngStrike" dirty="0" smtClean="0"/>
+              <a:t>Concluir </a:t>
+            </a:r>
+            <a:r>
+              <a:rPr lang="pt-BR" strike="sngStrike" dirty="0" err="1" smtClean="0"/>
               <a:t>level</a:t>
             </a:r>
             <a:r>
+              <a:rPr lang="pt-BR" strike="sngStrike" dirty="0" smtClean="0"/>
+              <a:t> 1 </a:t>
+            </a:r>
+            <a:r>
               <a:rPr lang="pt-BR" dirty="0" smtClean="0"/>
-              <a:t> 1 e carregar informações para próximo </a:t>
+              <a:t>e carregar informações para próximo </a:t>
             </a:r>
             <a:r>
               <a:rPr lang="pt-BR" dirty="0" err="1" smtClean="0"/>

--- a/Project Data/Ciclo de trabalho.pptx
+++ b/Project Data/Ciclo de trabalho.pptx
@@ -1039,7 +1039,25 @@
             <a:rPr lang="pt-BR" dirty="0" smtClean="0"/>
             <a:t>Perigos</a:t>
           </a:r>
-          <a:endParaRPr lang="pt-BR" dirty="0"/>
+        </a:p>
+        <a:p>
+          <a:r>
+            <a:rPr lang="pt-BR" dirty="0" smtClean="0"/>
+            <a:t> </a:t>
+          </a:r>
+          <a:r>
+            <a:rPr lang="pt-BR" dirty="0" err="1" smtClean="0"/>
+            <a:t>stage</a:t>
+          </a:r>
+          <a:r>
+            <a:rPr lang="pt-BR" dirty="0" smtClean="0"/>
+            <a:t> </a:t>
+          </a:r>
+          <a:r>
+            <a:rPr lang="pt-BR" dirty="0" err="1" smtClean="0"/>
+            <a:t>assets</a:t>
+          </a:r>
+          <a:endParaRPr lang="pt-BR" dirty="0" smtClean="0"/>
         </a:p>
       </dgm:t>
     </dgm:pt>
@@ -1633,7 +1651,36 @@
             <a:rPr lang="pt-BR" sz="2000" kern="1200" dirty="0" smtClean="0"/>
             <a:t>Perigos</a:t>
           </a:r>
-          <a:endParaRPr lang="pt-BR" sz="2000" kern="1200" dirty="0"/>
+        </a:p>
+        <a:p>
+          <a:pPr lvl="0" algn="ctr" defTabSz="889000">
+            <a:lnSpc>
+              <a:spcPct val="90000"/>
+            </a:lnSpc>
+            <a:spcBef>
+              <a:spcPct val="0"/>
+            </a:spcBef>
+            <a:spcAft>
+              <a:spcPct val="35000"/>
+            </a:spcAft>
+          </a:pPr>
+          <a:r>
+            <a:rPr lang="pt-BR" sz="2000" kern="1200" dirty="0" smtClean="0"/>
+            <a:t> </a:t>
+          </a:r>
+          <a:r>
+            <a:rPr lang="pt-BR" sz="2000" kern="1200" dirty="0" err="1" smtClean="0"/>
+            <a:t>stage</a:t>
+          </a:r>
+          <a:r>
+            <a:rPr lang="pt-BR" sz="2000" kern="1200" dirty="0" smtClean="0"/>
+            <a:t> </a:t>
+          </a:r>
+          <a:r>
+            <a:rPr lang="pt-BR" sz="2000" kern="1200" dirty="0" err="1" smtClean="0"/>
+            <a:t>assets</a:t>
+          </a:r>
+          <a:endParaRPr lang="pt-BR" sz="2000" kern="1200" dirty="0" smtClean="0"/>
         </a:p>
       </dsp:txBody>
       <dsp:txXfrm>
@@ -3369,7 +3416,7 @@
           <a:p>
             <a:fld id="{033C220F-AFE8-4CCC-95E1-E0424241E150}" type="datetimeFigureOut">
               <a:rPr lang="pt-BR" smtClean="0"/>
-              <a:t>03/12/2017</a:t>
+              <a:t>20/12/2017</a:t>
             </a:fld>
             <a:endParaRPr lang="pt-BR"/>
           </a:p>
@@ -3539,7 +3586,7 @@
           <a:p>
             <a:fld id="{033C220F-AFE8-4CCC-95E1-E0424241E150}" type="datetimeFigureOut">
               <a:rPr lang="pt-BR" smtClean="0"/>
-              <a:t>03/12/2017</a:t>
+              <a:t>20/12/2017</a:t>
             </a:fld>
             <a:endParaRPr lang="pt-BR"/>
           </a:p>
@@ -3719,7 +3766,7 @@
           <a:p>
             <a:fld id="{033C220F-AFE8-4CCC-95E1-E0424241E150}" type="datetimeFigureOut">
               <a:rPr lang="pt-BR" smtClean="0"/>
-              <a:t>03/12/2017</a:t>
+              <a:t>20/12/2017</a:t>
             </a:fld>
             <a:endParaRPr lang="pt-BR"/>
           </a:p>
@@ -3889,7 +3936,7 @@
           <a:p>
             <a:fld id="{033C220F-AFE8-4CCC-95E1-E0424241E150}" type="datetimeFigureOut">
               <a:rPr lang="pt-BR" smtClean="0"/>
-              <a:t>03/12/2017</a:t>
+              <a:t>20/12/2017</a:t>
             </a:fld>
             <a:endParaRPr lang="pt-BR"/>
           </a:p>
@@ -4135,7 +4182,7 @@
           <a:p>
             <a:fld id="{033C220F-AFE8-4CCC-95E1-E0424241E150}" type="datetimeFigureOut">
               <a:rPr lang="pt-BR" smtClean="0"/>
-              <a:t>03/12/2017</a:t>
+              <a:t>20/12/2017</a:t>
             </a:fld>
             <a:endParaRPr lang="pt-BR"/>
           </a:p>
@@ -4367,7 +4414,7 @@
           <a:p>
             <a:fld id="{033C220F-AFE8-4CCC-95E1-E0424241E150}" type="datetimeFigureOut">
               <a:rPr lang="pt-BR" smtClean="0"/>
-              <a:t>03/12/2017</a:t>
+              <a:t>20/12/2017</a:t>
             </a:fld>
             <a:endParaRPr lang="pt-BR"/>
           </a:p>
@@ -4734,7 +4781,7 @@
           <a:p>
             <a:fld id="{033C220F-AFE8-4CCC-95E1-E0424241E150}" type="datetimeFigureOut">
               <a:rPr lang="pt-BR" smtClean="0"/>
-              <a:t>03/12/2017</a:t>
+              <a:t>20/12/2017</a:t>
             </a:fld>
             <a:endParaRPr lang="pt-BR"/>
           </a:p>
@@ -4852,7 +4899,7 @@
           <a:p>
             <a:fld id="{033C220F-AFE8-4CCC-95E1-E0424241E150}" type="datetimeFigureOut">
               <a:rPr lang="pt-BR" smtClean="0"/>
-              <a:t>03/12/2017</a:t>
+              <a:t>20/12/2017</a:t>
             </a:fld>
             <a:endParaRPr lang="pt-BR"/>
           </a:p>
@@ -4947,7 +4994,7 @@
           <a:p>
             <a:fld id="{033C220F-AFE8-4CCC-95E1-E0424241E150}" type="datetimeFigureOut">
               <a:rPr lang="pt-BR" smtClean="0"/>
-              <a:t>03/12/2017</a:t>
+              <a:t>20/12/2017</a:t>
             </a:fld>
             <a:endParaRPr lang="pt-BR"/>
           </a:p>
@@ -5224,7 +5271,7 @@
           <a:p>
             <a:fld id="{033C220F-AFE8-4CCC-95E1-E0424241E150}" type="datetimeFigureOut">
               <a:rPr lang="pt-BR" smtClean="0"/>
-              <a:t>03/12/2017</a:t>
+              <a:t>20/12/2017</a:t>
             </a:fld>
             <a:endParaRPr lang="pt-BR"/>
           </a:p>
@@ -5477,7 +5524,7 @@
           <a:p>
             <a:fld id="{033C220F-AFE8-4CCC-95E1-E0424241E150}" type="datetimeFigureOut">
               <a:rPr lang="pt-BR" smtClean="0"/>
-              <a:t>03/12/2017</a:t>
+              <a:t>20/12/2017</a:t>
             </a:fld>
             <a:endParaRPr lang="pt-BR"/>
           </a:p>
@@ -5690,7 +5737,7 @@
           <a:p>
             <a:fld id="{033C220F-AFE8-4CCC-95E1-E0424241E150}" type="datetimeFigureOut">
               <a:rPr lang="pt-BR" smtClean="0"/>
-              <a:t>03/12/2017</a:t>
+              <a:t>20/12/2017</a:t>
             </a:fld>
             <a:endParaRPr lang="pt-BR"/>
           </a:p>
@@ -6102,7 +6149,7 @@
           <p:nvPr>
             <p:extLst>
               <p:ext uri="{D42A27DB-BD31-4B8C-83A1-F6EECF244321}">
-                <p14:modId xmlns:p14="http://schemas.microsoft.com/office/powerpoint/2010/main" val="1461853631"/>
+                <p14:modId xmlns:p14="http://schemas.microsoft.com/office/powerpoint/2010/main" val="515299629"/>
               </p:ext>
             </p:extLst>
           </p:nvPr>
@@ -6715,7 +6762,7 @@
         <p:spPr>
           <a:xfrm>
             <a:off x="5664985" y="1170474"/>
-            <a:ext cx="6337242" cy="2585323"/>
+            <a:ext cx="6337242" cy="3416320"/>
           </a:xfrm>
           <a:prstGeom prst="rect">
             <a:avLst/>
@@ -6773,17 +6820,13 @@
             </a:r>
             <a:r>
               <a:rPr lang="pt-BR" strike="sngStrike" dirty="0" smtClean="0"/>
-              <a:t> 1 </a:t>
-            </a:r>
-            <a:r>
-              <a:rPr lang="pt-BR" dirty="0" smtClean="0"/>
-              <a:t>e carregar informações para próximo </a:t>
-            </a:r>
-            <a:r>
-              <a:rPr lang="pt-BR" dirty="0" err="1" smtClean="0"/>
+              <a:t> 1 e carregar informações para próximo </a:t>
+            </a:r>
+            <a:r>
+              <a:rPr lang="pt-BR" strike="sngStrike" dirty="0" err="1" smtClean="0"/>
               <a:t>level</a:t>
             </a:r>
-            <a:endParaRPr lang="pt-BR" dirty="0" smtClean="0"/>
+            <a:endParaRPr lang="pt-BR" strike="sngStrike" dirty="0" smtClean="0"/>
           </a:p>
           <a:p>
             <a:r>
@@ -6792,7 +6835,43 @@
             </a:r>
             <a:r>
               <a:rPr lang="pt-BR" dirty="0" smtClean="0"/>
-              <a:t>- Desenhar animações slide, hit, </a:t>
+              <a:t>- Desenhar animações </a:t>
+            </a:r>
+            <a:r>
+              <a:rPr lang="pt-BR" dirty="0" err="1" smtClean="0"/>
+              <a:t>add</a:t>
+            </a:r>
+            <a:r>
+              <a:rPr lang="pt-BR" dirty="0" smtClean="0"/>
+              <a:t> </a:t>
+            </a:r>
+            <a:r>
+              <a:rPr lang="pt-BR" dirty="0" err="1" smtClean="0"/>
+              <a:t>detail</a:t>
+            </a:r>
+            <a:r>
+              <a:rPr lang="pt-BR" dirty="0" smtClean="0"/>
+              <a:t> in </a:t>
+            </a:r>
+            <a:r>
+              <a:rPr lang="pt-BR" dirty="0" err="1" smtClean="0"/>
+              <a:t>existing</a:t>
+            </a:r>
+            <a:r>
+              <a:rPr lang="pt-BR" dirty="0" smtClean="0"/>
+              <a:t> </a:t>
+            </a:r>
+            <a:r>
+              <a:rPr lang="pt-BR" dirty="0" err="1" smtClean="0"/>
+              <a:t>ones</a:t>
+            </a:r>
+            <a:r>
+              <a:rPr lang="pt-BR" dirty="0" smtClean="0"/>
+              <a:t>, </a:t>
+            </a:r>
+            <a:r>
+              <a:rPr lang="pt-BR" dirty="0" smtClean="0"/>
+              <a:t>hit, </a:t>
             </a:r>
             <a:r>
               <a:rPr lang="pt-BR" dirty="0" err="1" smtClean="0"/>
@@ -6807,8 +6886,17 @@
             </a:r>
             <a:r>
               <a:rPr lang="pt-BR" dirty="0" smtClean="0"/>
-              <a:t>- Controles (não sei)</a:t>
-            </a:r>
+              <a:t>- Controles </a:t>
+            </a:r>
+            <a:r>
+              <a:rPr lang="pt-BR" dirty="0" smtClean="0"/>
+              <a:t>– programar um </a:t>
+            </a:r>
+            <a:r>
+              <a:rPr lang="pt-BR" dirty="0" err="1" smtClean="0"/>
+              <a:t>dash</a:t>
+            </a:r>
+            <a:endParaRPr lang="pt-BR" dirty="0" smtClean="0"/>
           </a:p>
           <a:p>
             <a:r>
@@ -6845,8 +6933,94 @@
             </a:r>
             <a:r>
               <a:rPr lang="pt-BR" dirty="0" smtClean="0"/>
-              <a:t>- desenhar tela para inicio de jogo</a:t>
-            </a:r>
+              <a:t>- desenhar tela para inicio de </a:t>
+            </a:r>
+            <a:r>
+              <a:rPr lang="pt-BR" dirty="0" smtClean="0"/>
+              <a:t>jogo</a:t>
+            </a:r>
+          </a:p>
+          <a:p>
+            <a:r>
+              <a:rPr lang="pt-BR" dirty="0"/>
+              <a:t>	</a:t>
+            </a:r>
+            <a:r>
+              <a:rPr lang="pt-BR" dirty="0" smtClean="0"/>
+              <a:t>- </a:t>
+            </a:r>
+            <a:r>
+              <a:rPr lang="pt-BR" dirty="0" err="1" smtClean="0"/>
+              <a:t>add</a:t>
+            </a:r>
+            <a:r>
+              <a:rPr lang="pt-BR" dirty="0" smtClean="0"/>
+              <a:t> menu </a:t>
+            </a:r>
+            <a:r>
+              <a:rPr lang="pt-BR" dirty="0" err="1" smtClean="0"/>
+              <a:t>with</a:t>
+            </a:r>
+            <a:r>
+              <a:rPr lang="pt-BR" dirty="0" smtClean="0"/>
+              <a:t> </a:t>
+            </a:r>
+            <a:r>
+              <a:rPr lang="pt-BR" dirty="0" err="1" smtClean="0"/>
+              <a:t>controls</a:t>
+            </a:r>
+            <a:endParaRPr lang="pt-BR" dirty="0" smtClean="0"/>
+          </a:p>
+          <a:p>
+            <a:r>
+              <a:rPr lang="pt-BR" dirty="0"/>
+              <a:t>	</a:t>
+            </a:r>
+            <a:r>
+              <a:rPr lang="pt-BR" dirty="0" smtClean="0"/>
+              <a:t>- </a:t>
+            </a:r>
+            <a:r>
+              <a:rPr lang="pt-BR" dirty="0" err="1" smtClean="0"/>
+              <a:t>add</a:t>
+            </a:r>
+            <a:r>
+              <a:rPr lang="pt-BR" dirty="0" smtClean="0"/>
+              <a:t> </a:t>
+            </a:r>
+            <a:r>
+              <a:rPr lang="pt-BR" dirty="0" err="1" smtClean="0"/>
+              <a:t>save</a:t>
+            </a:r>
+            <a:r>
+              <a:rPr lang="pt-BR" dirty="0" smtClean="0"/>
+              <a:t>/</a:t>
+            </a:r>
+            <a:r>
+              <a:rPr lang="pt-BR" dirty="0" err="1" smtClean="0"/>
+              <a:t>load</a:t>
+            </a:r>
+            <a:r>
+              <a:rPr lang="pt-BR" dirty="0" smtClean="0"/>
+              <a:t> </a:t>
+            </a:r>
+            <a:r>
+              <a:rPr lang="pt-BR" dirty="0" err="1" smtClean="0"/>
+              <a:t>logic</a:t>
+            </a:r>
+            <a:r>
+              <a:rPr lang="pt-BR" dirty="0" smtClean="0"/>
+              <a:t> </a:t>
+            </a:r>
+            <a:r>
+              <a:rPr lang="pt-BR" dirty="0" err="1" smtClean="0"/>
+              <a:t>to</a:t>
+            </a:r>
+            <a:r>
+              <a:rPr lang="pt-BR" dirty="0" smtClean="0"/>
+              <a:t> menus</a:t>
+            </a:r>
+            <a:endParaRPr lang="pt-BR" dirty="0" smtClean="0"/>
           </a:p>
         </p:txBody>
       </p:sp>

--- a/Project Data/Ciclo de trabalho.pptx
+++ b/Project Data/Ciclo de trabalho.pptx
@@ -6834,50 +6834,90 @@
               <a:t>	</a:t>
             </a:r>
             <a:r>
-              <a:rPr lang="pt-BR" dirty="0" smtClean="0"/>
+              <a:rPr lang="pt-BR" strike="sngStrike" dirty="0" smtClean="0"/>
               <a:t>- Desenhar animações </a:t>
             </a:r>
             <a:r>
-              <a:rPr lang="pt-BR" dirty="0" err="1" smtClean="0"/>
+              <a:rPr lang="pt-BR" strike="sngStrike" dirty="0" err="1" smtClean="0"/>
               <a:t>add</a:t>
             </a:r>
             <a:r>
-              <a:rPr lang="pt-BR" dirty="0" smtClean="0"/>
+              <a:rPr lang="pt-BR" strike="sngStrike" dirty="0" smtClean="0"/>
               <a:t> </a:t>
             </a:r>
             <a:r>
-              <a:rPr lang="pt-BR" dirty="0" err="1" smtClean="0"/>
+              <a:rPr lang="pt-BR" strike="sngStrike" dirty="0" err="1" smtClean="0"/>
               <a:t>detail</a:t>
             </a:r>
             <a:r>
-              <a:rPr lang="pt-BR" dirty="0" smtClean="0"/>
+              <a:rPr lang="pt-BR" strike="sngStrike" dirty="0" smtClean="0"/>
               <a:t> in </a:t>
             </a:r>
             <a:r>
-              <a:rPr lang="pt-BR" dirty="0" err="1" smtClean="0"/>
+              <a:rPr lang="pt-BR" strike="sngStrike" dirty="0" err="1" smtClean="0"/>
               <a:t>existing</a:t>
             </a:r>
             <a:r>
-              <a:rPr lang="pt-BR" dirty="0" smtClean="0"/>
+              <a:rPr lang="pt-BR" strike="sngStrike" dirty="0" smtClean="0"/>
               <a:t> </a:t>
             </a:r>
             <a:r>
-              <a:rPr lang="pt-BR" dirty="0" err="1" smtClean="0"/>
+              <a:rPr lang="pt-BR" strike="sngStrike" dirty="0" err="1" smtClean="0"/>
               <a:t>ones</a:t>
             </a:r>
             <a:r>
-              <a:rPr lang="pt-BR" dirty="0" smtClean="0"/>
-              <a:t>, </a:t>
-            </a:r>
-            <a:r>
-              <a:rPr lang="pt-BR" dirty="0" smtClean="0"/>
+              <a:rPr lang="pt-BR" strike="sngStrike" dirty="0" smtClean="0"/>
+              <a:t>(</a:t>
+            </a:r>
+            <a:r>
+              <a:rPr lang="pt-BR" strike="sngStrike" dirty="0" err="1" smtClean="0"/>
+              <a:t>jump</a:t>
+            </a:r>
+            <a:r>
+              <a:rPr lang="pt-BR" strike="sngStrike" dirty="0" smtClean="0"/>
+              <a:t> </a:t>
+            </a:r>
+            <a:r>
+              <a:rPr lang="pt-BR" strike="sngStrike" dirty="0" err="1" smtClean="0"/>
+              <a:t>fall</a:t>
+            </a:r>
+            <a:r>
+              <a:rPr lang="pt-BR" strike="sngStrike" dirty="0" smtClean="0"/>
+              <a:t> </a:t>
+            </a:r>
+            <a:r>
+              <a:rPr lang="pt-BR" strike="sngStrike" dirty="0" err="1" smtClean="0"/>
+              <a:t>wall</a:t>
+            </a:r>
+            <a:r>
+              <a:rPr lang="pt-BR" strike="sngStrike" dirty="0" smtClean="0"/>
+              <a:t> slide </a:t>
+            </a:r>
+            <a:r>
+              <a:rPr lang="pt-BR" strike="sngStrike" dirty="0" err="1" smtClean="0"/>
+              <a:t>run</a:t>
+            </a:r>
+            <a:r>
+              <a:rPr lang="pt-BR" strike="sngStrike" dirty="0" smtClean="0"/>
+              <a:t> </a:t>
+            </a:r>
+            <a:r>
+              <a:rPr lang="pt-BR" strike="sngStrike" dirty="0" err="1" smtClean="0"/>
+              <a:t>walk</a:t>
+            </a:r>
+            <a:r>
+              <a:rPr lang="pt-BR" strike="sngStrike" dirty="0" smtClean="0"/>
+              <a:t>), </a:t>
+            </a:r>
+            <a:r>
+              <a:rPr lang="pt-BR" strike="sngStrike" dirty="0" smtClean="0"/>
               <a:t>hit, </a:t>
             </a:r>
             <a:r>
-              <a:rPr lang="pt-BR" dirty="0" err="1" smtClean="0"/>
+              <a:rPr lang="pt-BR" strike="sngStrike" dirty="0" err="1" smtClean="0"/>
               <a:t>death</a:t>
             </a:r>
-            <a:endParaRPr lang="pt-BR" dirty="0" smtClean="0"/>
+            <a:endParaRPr lang="pt-BR" strike="sngStrike" dirty="0" smtClean="0"/>
           </a:p>
           <a:p>
             <a:r>
@@ -6886,11 +6926,7 @@
             </a:r>
             <a:r>
               <a:rPr lang="pt-BR" dirty="0" smtClean="0"/>
-              <a:t>- Controles </a:t>
-            </a:r>
-            <a:r>
-              <a:rPr lang="pt-BR" dirty="0" smtClean="0"/>
-              <a:t>– programar um </a:t>
+              <a:t>- Controles – programar um </a:t>
             </a:r>
             <a:r>
               <a:rPr lang="pt-BR" dirty="0" err="1" smtClean="0"/>
@@ -6905,7 +6941,15 @@
             </a:r>
             <a:r>
               <a:rPr lang="pt-BR" dirty="0" smtClean="0"/>
-              <a:t>- desenhar animação de </a:t>
+              <a:t>- </a:t>
+            </a:r>
+            <a:r>
+              <a:rPr lang="pt-BR" dirty="0" smtClean="0"/>
+              <a:t>desenhar </a:t>
+            </a:r>
+            <a:r>
+              <a:rPr lang="pt-BR" dirty="0" smtClean="0"/>
+              <a:t>animação de </a:t>
             </a:r>
             <a:r>
               <a:rPr lang="pt-BR" dirty="0" err="1" smtClean="0"/>

--- a/Project Data/Ciclo de trabalho.pptx
+++ b/Project Data/Ciclo de trabalho.pptx
@@ -3416,7 +3416,7 @@
           <a:p>
             <a:fld id="{033C220F-AFE8-4CCC-95E1-E0424241E150}" type="datetimeFigureOut">
               <a:rPr lang="pt-BR" smtClean="0"/>
-              <a:t>20/12/2017</a:t>
+              <a:t>15/01/2018</a:t>
             </a:fld>
             <a:endParaRPr lang="pt-BR"/>
           </a:p>
@@ -3586,7 +3586,7 @@
           <a:p>
             <a:fld id="{033C220F-AFE8-4CCC-95E1-E0424241E150}" type="datetimeFigureOut">
               <a:rPr lang="pt-BR" smtClean="0"/>
-              <a:t>20/12/2017</a:t>
+              <a:t>15/01/2018</a:t>
             </a:fld>
             <a:endParaRPr lang="pt-BR"/>
           </a:p>
@@ -3766,7 +3766,7 @@
           <a:p>
             <a:fld id="{033C220F-AFE8-4CCC-95E1-E0424241E150}" type="datetimeFigureOut">
               <a:rPr lang="pt-BR" smtClean="0"/>
-              <a:t>20/12/2017</a:t>
+              <a:t>15/01/2018</a:t>
             </a:fld>
             <a:endParaRPr lang="pt-BR"/>
           </a:p>
@@ -3936,7 +3936,7 @@
           <a:p>
             <a:fld id="{033C220F-AFE8-4CCC-95E1-E0424241E150}" type="datetimeFigureOut">
               <a:rPr lang="pt-BR" smtClean="0"/>
-              <a:t>20/12/2017</a:t>
+              <a:t>15/01/2018</a:t>
             </a:fld>
             <a:endParaRPr lang="pt-BR"/>
           </a:p>
@@ -4182,7 +4182,7 @@
           <a:p>
             <a:fld id="{033C220F-AFE8-4CCC-95E1-E0424241E150}" type="datetimeFigureOut">
               <a:rPr lang="pt-BR" smtClean="0"/>
-              <a:t>20/12/2017</a:t>
+              <a:t>15/01/2018</a:t>
             </a:fld>
             <a:endParaRPr lang="pt-BR"/>
           </a:p>
@@ -4414,7 +4414,7 @@
           <a:p>
             <a:fld id="{033C220F-AFE8-4CCC-95E1-E0424241E150}" type="datetimeFigureOut">
               <a:rPr lang="pt-BR" smtClean="0"/>
-              <a:t>20/12/2017</a:t>
+              <a:t>15/01/2018</a:t>
             </a:fld>
             <a:endParaRPr lang="pt-BR"/>
           </a:p>
@@ -4781,7 +4781,7 @@
           <a:p>
             <a:fld id="{033C220F-AFE8-4CCC-95E1-E0424241E150}" type="datetimeFigureOut">
               <a:rPr lang="pt-BR" smtClean="0"/>
-              <a:t>20/12/2017</a:t>
+              <a:t>15/01/2018</a:t>
             </a:fld>
             <a:endParaRPr lang="pt-BR"/>
           </a:p>
@@ -4899,7 +4899,7 @@
           <a:p>
             <a:fld id="{033C220F-AFE8-4CCC-95E1-E0424241E150}" type="datetimeFigureOut">
               <a:rPr lang="pt-BR" smtClean="0"/>
-              <a:t>20/12/2017</a:t>
+              <a:t>15/01/2018</a:t>
             </a:fld>
             <a:endParaRPr lang="pt-BR"/>
           </a:p>
@@ -4994,7 +4994,7 @@
           <a:p>
             <a:fld id="{033C220F-AFE8-4CCC-95E1-E0424241E150}" type="datetimeFigureOut">
               <a:rPr lang="pt-BR" smtClean="0"/>
-              <a:t>20/12/2017</a:t>
+              <a:t>15/01/2018</a:t>
             </a:fld>
             <a:endParaRPr lang="pt-BR"/>
           </a:p>
@@ -5271,7 +5271,7 @@
           <a:p>
             <a:fld id="{033C220F-AFE8-4CCC-95E1-E0424241E150}" type="datetimeFigureOut">
               <a:rPr lang="pt-BR" smtClean="0"/>
-              <a:t>20/12/2017</a:t>
+              <a:t>15/01/2018</a:t>
             </a:fld>
             <a:endParaRPr lang="pt-BR"/>
           </a:p>
@@ -5524,7 +5524,7 @@
           <a:p>
             <a:fld id="{033C220F-AFE8-4CCC-95E1-E0424241E150}" type="datetimeFigureOut">
               <a:rPr lang="pt-BR" smtClean="0"/>
-              <a:t>20/12/2017</a:t>
+              <a:t>15/01/2018</a:t>
             </a:fld>
             <a:endParaRPr lang="pt-BR"/>
           </a:p>
@@ -5737,7 +5737,7 @@
           <a:p>
             <a:fld id="{033C220F-AFE8-4CCC-95E1-E0424241E150}" type="datetimeFigureOut">
               <a:rPr lang="pt-BR" smtClean="0"/>
-              <a:t>20/12/2017</a:t>
+              <a:t>15/01/2018</a:t>
             </a:fld>
             <a:endParaRPr lang="pt-BR"/>
           </a:p>
@@ -6762,7 +6762,7 @@
         <p:spPr>
           <a:xfrm>
             <a:off x="5664985" y="1170474"/>
-            <a:ext cx="6337242" cy="3416320"/>
+            <a:ext cx="6337242" cy="2862322"/>
           </a:xfrm>
           <a:prstGeom prst="rect">
             <a:avLst/>
@@ -6907,11 +6907,7 @@
             </a:r>
             <a:r>
               <a:rPr lang="pt-BR" strike="sngStrike" dirty="0" smtClean="0"/>
-              <a:t>), </a:t>
-            </a:r>
-            <a:r>
-              <a:rPr lang="pt-BR" strike="sngStrike" dirty="0" smtClean="0"/>
-              <a:t>hit, </a:t>
+              <a:t>), hit, </a:t>
             </a:r>
             <a:r>
               <a:rPr lang="pt-BR" strike="sngStrike" dirty="0" err="1" smtClean="0"/>
@@ -6925,14 +6921,14 @@
               <a:t>	</a:t>
             </a:r>
             <a:r>
-              <a:rPr lang="pt-BR" dirty="0" smtClean="0"/>
+              <a:rPr lang="pt-BR" strike="sngStrike" dirty="0" smtClean="0"/>
               <a:t>- Controles – programar um </a:t>
             </a:r>
             <a:r>
-              <a:rPr lang="pt-BR" dirty="0" err="1" smtClean="0"/>
+              <a:rPr lang="pt-BR" strike="sngStrike" dirty="0" err="1" smtClean="0"/>
               <a:t>dash</a:t>
             </a:r>
-            <a:endParaRPr lang="pt-BR" dirty="0" smtClean="0"/>
+            <a:endParaRPr lang="pt-BR" strike="sngStrike" dirty="0" smtClean="0"/>
           </a:p>
           <a:p>
             <a:r>
@@ -6940,25 +6936,103 @@
               <a:t>	</a:t>
             </a:r>
             <a:r>
+              <a:rPr lang="pt-BR" strike="sngStrike" dirty="0" smtClean="0"/>
+              <a:t>- </a:t>
+            </a:r>
+            <a:r>
+              <a:rPr lang="pt-BR" strike="sngStrike" dirty="0" err="1" smtClean="0"/>
+              <a:t>spikes</a:t>
+            </a:r>
+            <a:r>
+              <a:rPr lang="pt-BR" strike="sngStrike" dirty="0" smtClean="0"/>
+              <a:t> </a:t>
+            </a:r>
+            <a:r>
+              <a:rPr lang="pt-BR" strike="sngStrike" dirty="0" err="1" smtClean="0"/>
+              <a:t>keeps</a:t>
+            </a:r>
+            <a:r>
+              <a:rPr lang="pt-BR" strike="sngStrike" dirty="0" smtClean="0"/>
+              <a:t> </a:t>
+            </a:r>
+            <a:r>
+              <a:rPr lang="pt-BR" strike="sngStrike" dirty="0" err="1" smtClean="0"/>
+              <a:t>damaging</a:t>
+            </a:r>
+            <a:r>
+              <a:rPr lang="pt-BR" strike="sngStrike" dirty="0" smtClean="0"/>
+              <a:t> </a:t>
+            </a:r>
+            <a:r>
+              <a:rPr lang="pt-BR" strike="sngStrike" dirty="0" err="1" smtClean="0"/>
+              <a:t>if</a:t>
+            </a:r>
+            <a:r>
+              <a:rPr lang="pt-BR" strike="sngStrike" dirty="0" smtClean="0"/>
+              <a:t> </a:t>
+            </a:r>
+            <a:r>
+              <a:rPr lang="pt-BR" strike="sngStrike" dirty="0" err="1" smtClean="0"/>
+              <a:t>inside</a:t>
+            </a:r>
+            <a:r>
+              <a:rPr lang="pt-BR" strike="sngStrike" dirty="0" smtClean="0"/>
+              <a:t> </a:t>
+            </a:r>
+            <a:r>
+              <a:rPr lang="pt-BR" strike="sngStrike" dirty="0" err="1" smtClean="0"/>
+              <a:t>colision</a:t>
+            </a:r>
+            <a:r>
+              <a:rPr lang="pt-BR" strike="sngStrike" dirty="0" smtClean="0"/>
+              <a:t> </a:t>
+            </a:r>
+            <a:r>
+              <a:rPr lang="pt-BR" strike="sngStrike" dirty="0" err="1" smtClean="0"/>
+              <a:t>area</a:t>
+            </a:r>
+            <a:endParaRPr lang="pt-BR" strike="sngStrike" dirty="0" smtClean="0"/>
+          </a:p>
+          <a:p>
+            <a:r>
+              <a:rPr lang="pt-BR" dirty="0"/>
+              <a:t>	</a:t>
+            </a:r>
+            <a:r>
+              <a:rPr lang="pt-BR" dirty="0" smtClean="0"/>
+              <a:t>- desenhar tela para inicio de jogo</a:t>
+            </a:r>
+          </a:p>
+          <a:p>
+            <a:r>
+              <a:rPr lang="pt-BR" dirty="0"/>
+              <a:t>	</a:t>
+            </a:r>
+            <a:r>
               <a:rPr lang="pt-BR" dirty="0" smtClean="0"/>
               <a:t>- </a:t>
             </a:r>
             <a:r>
+              <a:rPr lang="pt-BR" dirty="0" err="1" smtClean="0"/>
+              <a:t>add</a:t>
+            </a:r>
+            <a:r>
               <a:rPr lang="pt-BR" dirty="0" smtClean="0"/>
-              <a:t>desenhar </a:t>
+              <a:t> menu </a:t>
+            </a:r>
+            <a:r>
+              <a:rPr lang="pt-BR" dirty="0" err="1" smtClean="0"/>
+              <a:t>with</a:t>
             </a:r>
             <a:r>
               <a:rPr lang="pt-BR" dirty="0" smtClean="0"/>
-              <a:t>animação de </a:t>
+              <a:t> </a:t>
             </a:r>
             <a:r>
               <a:rPr lang="pt-BR" dirty="0" err="1" smtClean="0"/>
-              <a:t>dazzling</a:t>
-            </a:r>
-            <a:r>
-              <a:rPr lang="pt-BR" dirty="0" smtClean="0"/>
-              <a:t> ao coletar coisas importantes</a:t>
-            </a:r>
+              <a:t>controls</a:t>
+            </a:r>
+            <a:endParaRPr lang="pt-BR" dirty="0" smtClean="0"/>
           </a:p>
           <a:p>
             <a:r>
@@ -6967,30 +7041,6 @@
             </a:r>
             <a:r>
               <a:rPr lang="pt-BR" dirty="0" smtClean="0"/>
-              <a:t>- plataformas que caem com espetos embaixo</a:t>
-            </a:r>
-          </a:p>
-          <a:p>
-            <a:r>
-              <a:rPr lang="pt-BR" dirty="0"/>
-              <a:t>	</a:t>
-            </a:r>
-            <a:r>
-              <a:rPr lang="pt-BR" dirty="0" smtClean="0"/>
-              <a:t>- desenhar tela para inicio de </a:t>
-            </a:r>
-            <a:r>
-              <a:rPr lang="pt-BR" dirty="0" smtClean="0"/>
-              <a:t>jogo</a:t>
-            </a:r>
-          </a:p>
-          <a:p>
-            <a:r>
-              <a:rPr lang="pt-BR" dirty="0"/>
-              <a:t>	</a:t>
-            </a:r>
-            <a:r>
-              <a:rPr lang="pt-BR" dirty="0" smtClean="0"/>
               <a:t>- </a:t>
             </a:r>
             <a:r>
@@ -6999,11 +7049,19 @@
             </a:r>
             <a:r>
               <a:rPr lang="pt-BR" dirty="0" smtClean="0"/>
-              <a:t> menu </a:t>
+              <a:t> </a:t>
             </a:r>
             <a:r>
               <a:rPr lang="pt-BR" dirty="0" err="1" smtClean="0"/>
-              <a:t>with</a:t>
+              <a:t>save</a:t>
+            </a:r>
+            <a:r>
+              <a:rPr lang="pt-BR" dirty="0" smtClean="0"/>
+              <a:t>/</a:t>
+            </a:r>
+            <a:r>
+              <a:rPr lang="pt-BR" dirty="0" err="1" smtClean="0"/>
+              <a:t>load</a:t>
             </a:r>
             <a:r>
               <a:rPr lang="pt-BR" dirty="0" smtClean="0"/>
@@ -7011,22 +7069,7 @@
             </a:r>
             <a:r>
               <a:rPr lang="pt-BR" dirty="0" err="1" smtClean="0"/>
-              <a:t>controls</a:t>
-            </a:r>
-            <a:endParaRPr lang="pt-BR" dirty="0" smtClean="0"/>
-          </a:p>
-          <a:p>
-            <a:r>
-              <a:rPr lang="pt-BR" dirty="0"/>
-              <a:t>	</a:t>
-            </a:r>
-            <a:r>
-              <a:rPr lang="pt-BR" dirty="0" smtClean="0"/>
-              <a:t>- </a:t>
-            </a:r>
-            <a:r>
-              <a:rPr lang="pt-BR" dirty="0" err="1" smtClean="0"/>
-              <a:t>add</a:t>
+              <a:t>logic</a:t>
             </a:r>
             <a:r>
               <a:rPr lang="pt-BR" dirty="0" smtClean="0"/>
@@ -7034,37 +7077,12 @@
             </a:r>
             <a:r>
               <a:rPr lang="pt-BR" dirty="0" err="1" smtClean="0"/>
-              <a:t>save</a:t>
-            </a:r>
-            <a:r>
-              <a:rPr lang="pt-BR" dirty="0" smtClean="0"/>
-              <a:t>/</a:t>
-            </a:r>
-            <a:r>
-              <a:rPr lang="pt-BR" dirty="0" err="1" smtClean="0"/>
-              <a:t>load</a:t>
-            </a:r>
-            <a:r>
-              <a:rPr lang="pt-BR" dirty="0" smtClean="0"/>
-              <a:t> </a:t>
-            </a:r>
-            <a:r>
-              <a:rPr lang="pt-BR" dirty="0" err="1" smtClean="0"/>
-              <a:t>logic</a:t>
-            </a:r>
-            <a:r>
-              <a:rPr lang="pt-BR" dirty="0" smtClean="0"/>
-              <a:t> </a:t>
-            </a:r>
-            <a:r>
-              <a:rPr lang="pt-BR" dirty="0" err="1" smtClean="0"/>
               <a:t>to</a:t>
             </a:r>
             <a:r>
               <a:rPr lang="pt-BR" dirty="0" smtClean="0"/>
               <a:t> menus</a:t>
             </a:r>
-            <a:endParaRPr lang="pt-BR" dirty="0" smtClean="0"/>
           </a:p>
         </p:txBody>
       </p:sp>

--- a/Project Data/Ciclo de trabalho.pptx
+++ b/Project Data/Ciclo de trabalho.pptx
@@ -3416,7 +3416,7 @@
           <a:p>
             <a:fld id="{033C220F-AFE8-4CCC-95E1-E0424241E150}" type="datetimeFigureOut">
               <a:rPr lang="pt-BR" smtClean="0"/>
-              <a:t>15/01/2018</a:t>
+              <a:t>17/01/2018</a:t>
             </a:fld>
             <a:endParaRPr lang="pt-BR"/>
           </a:p>
@@ -3586,7 +3586,7 @@
           <a:p>
             <a:fld id="{033C220F-AFE8-4CCC-95E1-E0424241E150}" type="datetimeFigureOut">
               <a:rPr lang="pt-BR" smtClean="0"/>
-              <a:t>15/01/2018</a:t>
+              <a:t>17/01/2018</a:t>
             </a:fld>
             <a:endParaRPr lang="pt-BR"/>
           </a:p>
@@ -3766,7 +3766,7 @@
           <a:p>
             <a:fld id="{033C220F-AFE8-4CCC-95E1-E0424241E150}" type="datetimeFigureOut">
               <a:rPr lang="pt-BR" smtClean="0"/>
-              <a:t>15/01/2018</a:t>
+              <a:t>17/01/2018</a:t>
             </a:fld>
             <a:endParaRPr lang="pt-BR"/>
           </a:p>
@@ -3936,7 +3936,7 @@
           <a:p>
             <a:fld id="{033C220F-AFE8-4CCC-95E1-E0424241E150}" type="datetimeFigureOut">
               <a:rPr lang="pt-BR" smtClean="0"/>
-              <a:t>15/01/2018</a:t>
+              <a:t>17/01/2018</a:t>
             </a:fld>
             <a:endParaRPr lang="pt-BR"/>
           </a:p>
@@ -4182,7 +4182,7 @@
           <a:p>
             <a:fld id="{033C220F-AFE8-4CCC-95E1-E0424241E150}" type="datetimeFigureOut">
               <a:rPr lang="pt-BR" smtClean="0"/>
-              <a:t>15/01/2018</a:t>
+              <a:t>17/01/2018</a:t>
             </a:fld>
             <a:endParaRPr lang="pt-BR"/>
           </a:p>
@@ -4414,7 +4414,7 @@
           <a:p>
             <a:fld id="{033C220F-AFE8-4CCC-95E1-E0424241E150}" type="datetimeFigureOut">
               <a:rPr lang="pt-BR" smtClean="0"/>
-              <a:t>15/01/2018</a:t>
+              <a:t>17/01/2018</a:t>
             </a:fld>
             <a:endParaRPr lang="pt-BR"/>
           </a:p>
@@ -4781,7 +4781,7 @@
           <a:p>
             <a:fld id="{033C220F-AFE8-4CCC-95E1-E0424241E150}" type="datetimeFigureOut">
               <a:rPr lang="pt-BR" smtClean="0"/>
-              <a:t>15/01/2018</a:t>
+              <a:t>17/01/2018</a:t>
             </a:fld>
             <a:endParaRPr lang="pt-BR"/>
           </a:p>
@@ -4899,7 +4899,7 @@
           <a:p>
             <a:fld id="{033C220F-AFE8-4CCC-95E1-E0424241E150}" type="datetimeFigureOut">
               <a:rPr lang="pt-BR" smtClean="0"/>
-              <a:t>15/01/2018</a:t>
+              <a:t>17/01/2018</a:t>
             </a:fld>
             <a:endParaRPr lang="pt-BR"/>
           </a:p>
@@ -4994,7 +4994,7 @@
           <a:p>
             <a:fld id="{033C220F-AFE8-4CCC-95E1-E0424241E150}" type="datetimeFigureOut">
               <a:rPr lang="pt-BR" smtClean="0"/>
-              <a:t>15/01/2018</a:t>
+              <a:t>17/01/2018</a:t>
             </a:fld>
             <a:endParaRPr lang="pt-BR"/>
           </a:p>
@@ -5271,7 +5271,7 @@
           <a:p>
             <a:fld id="{033C220F-AFE8-4CCC-95E1-E0424241E150}" type="datetimeFigureOut">
               <a:rPr lang="pt-BR" smtClean="0"/>
-              <a:t>15/01/2018</a:t>
+              <a:t>17/01/2018</a:t>
             </a:fld>
             <a:endParaRPr lang="pt-BR"/>
           </a:p>
@@ -5524,7 +5524,7 @@
           <a:p>
             <a:fld id="{033C220F-AFE8-4CCC-95E1-E0424241E150}" type="datetimeFigureOut">
               <a:rPr lang="pt-BR" smtClean="0"/>
-              <a:t>15/01/2018</a:t>
+              <a:t>17/01/2018</a:t>
             </a:fld>
             <a:endParaRPr lang="pt-BR"/>
           </a:p>
@@ -5737,7 +5737,7 @@
           <a:p>
             <a:fld id="{033C220F-AFE8-4CCC-95E1-E0424241E150}" type="datetimeFigureOut">
               <a:rPr lang="pt-BR" smtClean="0"/>
-              <a:t>15/01/2018</a:t>
+              <a:t>17/01/2018</a:t>
             </a:fld>
             <a:endParaRPr lang="pt-BR"/>
           </a:p>
@@ -7013,26 +7013,26 @@
               <a:t>- </a:t>
             </a:r>
             <a:r>
-              <a:rPr lang="pt-BR" dirty="0" err="1" smtClean="0"/>
+              <a:rPr lang="pt-BR" strike="sngStrike" dirty="0" err="1" smtClean="0"/>
               <a:t>add</a:t>
             </a:r>
             <a:r>
-              <a:rPr lang="pt-BR" dirty="0" smtClean="0"/>
+              <a:rPr lang="pt-BR" strike="sngStrike" dirty="0" smtClean="0"/>
               <a:t> menu </a:t>
             </a:r>
             <a:r>
-              <a:rPr lang="pt-BR" dirty="0" err="1" smtClean="0"/>
+              <a:rPr lang="pt-BR" strike="sngStrike" dirty="0" err="1" smtClean="0"/>
               <a:t>with</a:t>
             </a:r>
             <a:r>
-              <a:rPr lang="pt-BR" dirty="0" smtClean="0"/>
+              <a:rPr lang="pt-BR" strike="sngStrike" dirty="0" smtClean="0"/>
               <a:t> </a:t>
             </a:r>
             <a:r>
-              <a:rPr lang="pt-BR" dirty="0" err="1" smtClean="0"/>
+              <a:rPr lang="pt-BR" strike="sngStrike" dirty="0" err="1" smtClean="0"/>
               <a:t>controls</a:t>
             </a:r>
-            <a:endParaRPr lang="pt-BR" dirty="0" smtClean="0"/>
+            <a:endParaRPr lang="pt-BR" strike="sngStrike" dirty="0" smtClean="0"/>
           </a:p>
           <a:p>
             <a:r>

--- a/Project Data/Ciclo de trabalho.pptx
+++ b/Project Data/Ciclo de trabalho.pptx
@@ -3416,7 +3416,7 @@
           <a:p>
             <a:fld id="{033C220F-AFE8-4CCC-95E1-E0424241E150}" type="datetimeFigureOut">
               <a:rPr lang="pt-BR" smtClean="0"/>
-              <a:t>17/01/2018</a:t>
+              <a:t>22/01/2018</a:t>
             </a:fld>
             <a:endParaRPr lang="pt-BR"/>
           </a:p>
@@ -3586,7 +3586,7 @@
           <a:p>
             <a:fld id="{033C220F-AFE8-4CCC-95E1-E0424241E150}" type="datetimeFigureOut">
               <a:rPr lang="pt-BR" smtClean="0"/>
-              <a:t>17/01/2018</a:t>
+              <a:t>22/01/2018</a:t>
             </a:fld>
             <a:endParaRPr lang="pt-BR"/>
           </a:p>
@@ -3766,7 +3766,7 @@
           <a:p>
             <a:fld id="{033C220F-AFE8-4CCC-95E1-E0424241E150}" type="datetimeFigureOut">
               <a:rPr lang="pt-BR" smtClean="0"/>
-              <a:t>17/01/2018</a:t>
+              <a:t>22/01/2018</a:t>
             </a:fld>
             <a:endParaRPr lang="pt-BR"/>
           </a:p>
@@ -3936,7 +3936,7 @@
           <a:p>
             <a:fld id="{033C220F-AFE8-4CCC-95E1-E0424241E150}" type="datetimeFigureOut">
               <a:rPr lang="pt-BR" smtClean="0"/>
-              <a:t>17/01/2018</a:t>
+              <a:t>22/01/2018</a:t>
             </a:fld>
             <a:endParaRPr lang="pt-BR"/>
           </a:p>
@@ -4182,7 +4182,7 @@
           <a:p>
             <a:fld id="{033C220F-AFE8-4CCC-95E1-E0424241E150}" type="datetimeFigureOut">
               <a:rPr lang="pt-BR" smtClean="0"/>
-              <a:t>17/01/2018</a:t>
+              <a:t>22/01/2018</a:t>
             </a:fld>
             <a:endParaRPr lang="pt-BR"/>
           </a:p>
@@ -4414,7 +4414,7 @@
           <a:p>
             <a:fld id="{033C220F-AFE8-4CCC-95E1-E0424241E150}" type="datetimeFigureOut">
               <a:rPr lang="pt-BR" smtClean="0"/>
-              <a:t>17/01/2018</a:t>
+              <a:t>22/01/2018</a:t>
             </a:fld>
             <a:endParaRPr lang="pt-BR"/>
           </a:p>
@@ -4781,7 +4781,7 @@
           <a:p>
             <a:fld id="{033C220F-AFE8-4CCC-95E1-E0424241E150}" type="datetimeFigureOut">
               <a:rPr lang="pt-BR" smtClean="0"/>
-              <a:t>17/01/2018</a:t>
+              <a:t>22/01/2018</a:t>
             </a:fld>
             <a:endParaRPr lang="pt-BR"/>
           </a:p>
@@ -4899,7 +4899,7 @@
           <a:p>
             <a:fld id="{033C220F-AFE8-4CCC-95E1-E0424241E150}" type="datetimeFigureOut">
               <a:rPr lang="pt-BR" smtClean="0"/>
-              <a:t>17/01/2018</a:t>
+              <a:t>22/01/2018</a:t>
             </a:fld>
             <a:endParaRPr lang="pt-BR"/>
           </a:p>
@@ -4994,7 +4994,7 @@
           <a:p>
             <a:fld id="{033C220F-AFE8-4CCC-95E1-E0424241E150}" type="datetimeFigureOut">
               <a:rPr lang="pt-BR" smtClean="0"/>
-              <a:t>17/01/2018</a:t>
+              <a:t>22/01/2018</a:t>
             </a:fld>
             <a:endParaRPr lang="pt-BR"/>
           </a:p>
@@ -5271,7 +5271,7 @@
           <a:p>
             <a:fld id="{033C220F-AFE8-4CCC-95E1-E0424241E150}" type="datetimeFigureOut">
               <a:rPr lang="pt-BR" smtClean="0"/>
-              <a:t>17/01/2018</a:t>
+              <a:t>22/01/2018</a:t>
             </a:fld>
             <a:endParaRPr lang="pt-BR"/>
           </a:p>
@@ -5524,7 +5524,7 @@
           <a:p>
             <a:fld id="{033C220F-AFE8-4CCC-95E1-E0424241E150}" type="datetimeFigureOut">
               <a:rPr lang="pt-BR" smtClean="0"/>
-              <a:t>17/01/2018</a:t>
+              <a:t>22/01/2018</a:t>
             </a:fld>
             <a:endParaRPr lang="pt-BR"/>
           </a:p>
@@ -5737,7 +5737,7 @@
           <a:p>
             <a:fld id="{033C220F-AFE8-4CCC-95E1-E0424241E150}" type="datetimeFigureOut">
               <a:rPr lang="pt-BR" smtClean="0"/>
-              <a:t>17/01/2018</a:t>
+              <a:t>22/01/2018</a:t>
             </a:fld>
             <a:endParaRPr lang="pt-BR"/>
           </a:p>
@@ -6999,7 +6999,7 @@
               <a:t>	</a:t>
             </a:r>
             <a:r>
-              <a:rPr lang="pt-BR" dirty="0" smtClean="0"/>
+              <a:rPr lang="pt-BR" strike="sngStrike" dirty="0" smtClean="0"/>
               <a:t>- desenhar tela para inicio de jogo</a:t>
             </a:r>
           </a:p>
@@ -7040,47 +7040,47 @@
               <a:t>	</a:t>
             </a:r>
             <a:r>
-              <a:rPr lang="pt-BR" dirty="0" smtClean="0"/>
+              <a:rPr lang="pt-BR" strike="sngStrike" dirty="0" smtClean="0"/>
               <a:t>- </a:t>
             </a:r>
             <a:r>
-              <a:rPr lang="pt-BR" dirty="0" err="1" smtClean="0"/>
+              <a:rPr lang="pt-BR" strike="sngStrike" dirty="0" err="1" smtClean="0"/>
               <a:t>add</a:t>
             </a:r>
             <a:r>
-              <a:rPr lang="pt-BR" dirty="0" smtClean="0"/>
+              <a:rPr lang="pt-BR" strike="sngStrike" dirty="0" smtClean="0"/>
               <a:t> </a:t>
             </a:r>
             <a:r>
-              <a:rPr lang="pt-BR" dirty="0" err="1" smtClean="0"/>
+              <a:rPr lang="pt-BR" strike="sngStrike" dirty="0" err="1" smtClean="0"/>
               <a:t>save</a:t>
             </a:r>
             <a:r>
-              <a:rPr lang="pt-BR" dirty="0" smtClean="0"/>
+              <a:rPr lang="pt-BR" strike="sngStrike" dirty="0" smtClean="0"/>
               <a:t>/</a:t>
             </a:r>
             <a:r>
-              <a:rPr lang="pt-BR" dirty="0" err="1" smtClean="0"/>
+              <a:rPr lang="pt-BR" strike="sngStrike" dirty="0" err="1" smtClean="0"/>
               <a:t>load</a:t>
             </a:r>
             <a:r>
-              <a:rPr lang="pt-BR" dirty="0" smtClean="0"/>
+              <a:rPr lang="pt-BR" strike="sngStrike" dirty="0" smtClean="0"/>
               <a:t> </a:t>
             </a:r>
             <a:r>
-              <a:rPr lang="pt-BR" dirty="0" err="1" smtClean="0"/>
+              <a:rPr lang="pt-BR" strike="sngStrike" dirty="0" err="1" smtClean="0"/>
               <a:t>logic</a:t>
             </a:r>
             <a:r>
-              <a:rPr lang="pt-BR" dirty="0" smtClean="0"/>
+              <a:rPr lang="pt-BR" strike="sngStrike" dirty="0" smtClean="0"/>
               <a:t> </a:t>
             </a:r>
             <a:r>
-              <a:rPr lang="pt-BR" dirty="0" err="1" smtClean="0"/>
+              <a:rPr lang="pt-BR" strike="sngStrike" dirty="0" err="1" smtClean="0"/>
               <a:t>to</a:t>
             </a:r>
             <a:r>
-              <a:rPr lang="pt-BR" dirty="0" smtClean="0"/>
+              <a:rPr lang="pt-BR" strike="sngStrike" dirty="0" smtClean="0"/>
               <a:t> menus</a:t>
             </a:r>
           </a:p>

--- a/Project Data/Ciclo de trabalho.pptx
+++ b/Project Data/Ciclo de trabalho.pptx
@@ -6451,8 +6451,8 @@
         </p:nvSpPr>
         <p:spPr>
           <a:xfrm>
-            <a:off x="8474920" y="3762"/>
-            <a:ext cx="1676857" cy="1277273"/>
+            <a:off x="8478891" y="-30976"/>
+            <a:ext cx="1948021" cy="1277273"/>
           </a:xfrm>
           <a:prstGeom prst="rect">
             <a:avLst/>
@@ -6619,7 +6619,7 @@
         </p:nvSpPr>
         <p:spPr>
           <a:xfrm>
-            <a:off x="9964918" y="923"/>
+            <a:off x="10197299" y="-14467"/>
             <a:ext cx="2125363" cy="1169551"/>
           </a:xfrm>
           <a:prstGeom prst="rect">
@@ -6761,8 +6761,8 @@
         </p:nvSpPr>
         <p:spPr>
           <a:xfrm>
-            <a:off x="5664985" y="1170474"/>
-            <a:ext cx="6337242" cy="2862322"/>
+            <a:off x="5417735" y="1241117"/>
+            <a:ext cx="2408211" cy="1061829"/>
           </a:xfrm>
           <a:prstGeom prst="rect">
             <a:avLst/>
@@ -6776,311 +6776,299 @@
           <a:lstStyle/>
           <a:p>
             <a:r>
-              <a:rPr lang="pt-BR" dirty="0" smtClean="0"/>
+              <a:rPr lang="pt-BR" sz="700" dirty="0" smtClean="0"/>
               <a:t>Sexto ciclo</a:t>
             </a:r>
             <a:r>
-              <a:rPr lang="pt-BR" dirty="0" smtClean="0">
+              <a:rPr lang="pt-BR" sz="700" dirty="0" smtClean="0">
                 <a:sym typeface="Wingdings" panose="05000000000000000000" pitchFamily="2" charset="2"/>
               </a:rPr>
               <a:t>: </a:t>
             </a:r>
             <a:r>
-              <a:rPr lang="pt-BR" strike="sngStrike" dirty="0" smtClean="0">
+              <a:rPr lang="pt-BR" sz="700" strike="sngStrike" dirty="0" smtClean="0">
                 <a:sym typeface="Wingdings" panose="05000000000000000000" pitchFamily="2" charset="2"/>
               </a:rPr>
               <a:t>(</a:t>
             </a:r>
             <a:r>
-              <a:rPr lang="pt-BR" strike="sngStrike" dirty="0" err="1" smtClean="0">
+              <a:rPr lang="pt-BR" sz="700" strike="sngStrike" dirty="0" err="1" smtClean="0">
                 <a:sym typeface="Wingdings" panose="05000000000000000000" pitchFamily="2" charset="2"/>
               </a:rPr>
               <a:t>QuickRefactor</a:t>
             </a:r>
             <a:r>
-              <a:rPr lang="pt-BR" strike="sngStrike" dirty="0" smtClean="0">
+              <a:rPr lang="pt-BR" sz="700" strike="sngStrike" dirty="0" smtClean="0">
                 <a:sym typeface="Wingdings" panose="05000000000000000000" pitchFamily="2" charset="2"/>
               </a:rPr>
               <a:t>)</a:t>
             </a:r>
-            <a:endParaRPr lang="pt-BR" strike="sngStrike" dirty="0" smtClean="0"/>
-          </a:p>
-          <a:p>
-            <a:r>
-              <a:rPr lang="pt-BR" dirty="0" smtClean="0"/>
-              <a:t>	- </a:t>
-            </a:r>
-            <a:r>
-              <a:rPr lang="pt-BR" strike="sngStrike" dirty="0" smtClean="0"/>
+            <a:endParaRPr lang="pt-BR" sz="700" strike="sngStrike" dirty="0" smtClean="0"/>
+          </a:p>
+          <a:p>
+            <a:r>
+              <a:rPr lang="pt-BR" sz="700" dirty="0" smtClean="0"/>
+              <a:t>- </a:t>
+            </a:r>
+            <a:r>
+              <a:rPr lang="pt-BR" sz="700" strike="sngStrike" dirty="0" smtClean="0"/>
               <a:t>Concluir </a:t>
             </a:r>
             <a:r>
-              <a:rPr lang="pt-BR" strike="sngStrike" dirty="0" err="1" smtClean="0"/>
+              <a:rPr lang="pt-BR" sz="700" strike="sngStrike" dirty="0" err="1" smtClean="0"/>
               <a:t>level</a:t>
             </a:r>
             <a:r>
-              <a:rPr lang="pt-BR" strike="sngStrike" dirty="0" smtClean="0"/>
+              <a:rPr lang="pt-BR" sz="700" strike="sngStrike" dirty="0" smtClean="0"/>
               <a:t> 1 e carregar informações para próximo </a:t>
             </a:r>
             <a:r>
-              <a:rPr lang="pt-BR" strike="sngStrike" dirty="0" err="1" smtClean="0"/>
+              <a:rPr lang="pt-BR" sz="700" strike="sngStrike" dirty="0" err="1" smtClean="0"/>
               <a:t>level</a:t>
             </a:r>
-            <a:endParaRPr lang="pt-BR" strike="sngStrike" dirty="0" smtClean="0"/>
-          </a:p>
-          <a:p>
-            <a:r>
-              <a:rPr lang="pt-BR" dirty="0"/>
-              <a:t>	</a:t>
-            </a:r>
-            <a:r>
-              <a:rPr lang="pt-BR" strike="sngStrike" dirty="0" smtClean="0"/>
-              <a:t>- Desenhar animações </a:t>
-            </a:r>
-            <a:r>
-              <a:rPr lang="pt-BR" strike="sngStrike" dirty="0" err="1" smtClean="0"/>
+            <a:endParaRPr lang="pt-BR" sz="700" strike="sngStrike" dirty="0" smtClean="0"/>
+          </a:p>
+          <a:p>
+            <a:r>
+              <a:rPr lang="pt-BR" sz="700" strike="sngStrike" dirty="0" smtClean="0"/>
+              <a:t>- </a:t>
+            </a:r>
+            <a:r>
+              <a:rPr lang="pt-BR" sz="700" strike="sngStrike" dirty="0" smtClean="0"/>
+              <a:t>Desenhar animações </a:t>
+            </a:r>
+            <a:r>
+              <a:rPr lang="pt-BR" sz="700" strike="sngStrike" dirty="0" err="1" smtClean="0"/>
               <a:t>add</a:t>
             </a:r>
             <a:r>
-              <a:rPr lang="pt-BR" strike="sngStrike" dirty="0" smtClean="0"/>
+              <a:rPr lang="pt-BR" sz="700" strike="sngStrike" dirty="0" smtClean="0"/>
               <a:t> </a:t>
             </a:r>
             <a:r>
-              <a:rPr lang="pt-BR" strike="sngStrike" dirty="0" err="1" smtClean="0"/>
+              <a:rPr lang="pt-BR" sz="700" strike="sngStrike" dirty="0" err="1" smtClean="0"/>
               <a:t>detail</a:t>
             </a:r>
             <a:r>
-              <a:rPr lang="pt-BR" strike="sngStrike" dirty="0" smtClean="0"/>
+              <a:rPr lang="pt-BR" sz="700" strike="sngStrike" dirty="0" smtClean="0"/>
               <a:t> in </a:t>
             </a:r>
             <a:r>
-              <a:rPr lang="pt-BR" strike="sngStrike" dirty="0" err="1" smtClean="0"/>
+              <a:rPr lang="pt-BR" sz="700" strike="sngStrike" dirty="0" err="1" smtClean="0"/>
               <a:t>existing</a:t>
             </a:r>
             <a:r>
-              <a:rPr lang="pt-BR" strike="sngStrike" dirty="0" smtClean="0"/>
+              <a:rPr lang="pt-BR" sz="700" strike="sngStrike" dirty="0" smtClean="0"/>
               <a:t> </a:t>
             </a:r>
             <a:r>
-              <a:rPr lang="pt-BR" strike="sngStrike" dirty="0" err="1" smtClean="0"/>
+              <a:rPr lang="pt-BR" sz="700" strike="sngStrike" dirty="0" err="1" smtClean="0"/>
               <a:t>ones</a:t>
             </a:r>
             <a:r>
-              <a:rPr lang="pt-BR" strike="sngStrike" dirty="0" smtClean="0"/>
+              <a:rPr lang="pt-BR" sz="700" strike="sngStrike" dirty="0" smtClean="0"/>
               <a:t>(</a:t>
             </a:r>
             <a:r>
-              <a:rPr lang="pt-BR" strike="sngStrike" dirty="0" err="1" smtClean="0"/>
+              <a:rPr lang="pt-BR" sz="700" strike="sngStrike" dirty="0" err="1" smtClean="0"/>
               <a:t>jump</a:t>
             </a:r>
             <a:r>
-              <a:rPr lang="pt-BR" strike="sngStrike" dirty="0" smtClean="0"/>
+              <a:rPr lang="pt-BR" sz="700" strike="sngStrike" dirty="0" smtClean="0"/>
               <a:t> </a:t>
             </a:r>
             <a:r>
-              <a:rPr lang="pt-BR" strike="sngStrike" dirty="0" err="1" smtClean="0"/>
+              <a:rPr lang="pt-BR" sz="700" strike="sngStrike" dirty="0" err="1" smtClean="0"/>
               <a:t>fall</a:t>
             </a:r>
             <a:r>
-              <a:rPr lang="pt-BR" strike="sngStrike" dirty="0" smtClean="0"/>
+              <a:rPr lang="pt-BR" sz="700" strike="sngStrike" dirty="0" smtClean="0"/>
               <a:t> </a:t>
             </a:r>
             <a:r>
-              <a:rPr lang="pt-BR" strike="sngStrike" dirty="0" err="1" smtClean="0"/>
+              <a:rPr lang="pt-BR" sz="700" strike="sngStrike" dirty="0" err="1" smtClean="0"/>
               <a:t>wall</a:t>
             </a:r>
             <a:r>
-              <a:rPr lang="pt-BR" strike="sngStrike" dirty="0" smtClean="0"/>
+              <a:rPr lang="pt-BR" sz="700" strike="sngStrike" dirty="0" smtClean="0"/>
               <a:t> slide </a:t>
             </a:r>
             <a:r>
-              <a:rPr lang="pt-BR" strike="sngStrike" dirty="0" err="1" smtClean="0"/>
+              <a:rPr lang="pt-BR" sz="700" strike="sngStrike" dirty="0" err="1" smtClean="0"/>
               <a:t>run</a:t>
             </a:r>
             <a:r>
-              <a:rPr lang="pt-BR" strike="sngStrike" dirty="0" smtClean="0"/>
+              <a:rPr lang="pt-BR" sz="700" strike="sngStrike" dirty="0" smtClean="0"/>
               <a:t> </a:t>
             </a:r>
             <a:r>
-              <a:rPr lang="pt-BR" strike="sngStrike" dirty="0" err="1" smtClean="0"/>
+              <a:rPr lang="pt-BR" sz="700" strike="sngStrike" dirty="0" err="1" smtClean="0"/>
               <a:t>walk</a:t>
             </a:r>
             <a:r>
-              <a:rPr lang="pt-BR" strike="sngStrike" dirty="0" smtClean="0"/>
+              <a:rPr lang="pt-BR" sz="700" strike="sngStrike" dirty="0" smtClean="0"/>
               <a:t>), hit, </a:t>
             </a:r>
             <a:r>
-              <a:rPr lang="pt-BR" strike="sngStrike" dirty="0" err="1" smtClean="0"/>
+              <a:rPr lang="pt-BR" sz="700" strike="sngStrike" dirty="0" err="1" smtClean="0"/>
               <a:t>death</a:t>
             </a:r>
-            <a:endParaRPr lang="pt-BR" strike="sngStrike" dirty="0" smtClean="0"/>
-          </a:p>
-          <a:p>
-            <a:r>
-              <a:rPr lang="pt-BR" dirty="0"/>
-              <a:t>	</a:t>
-            </a:r>
-            <a:r>
-              <a:rPr lang="pt-BR" strike="sngStrike" dirty="0" smtClean="0"/>
-              <a:t>- Controles – programar um </a:t>
-            </a:r>
-            <a:r>
-              <a:rPr lang="pt-BR" strike="sngStrike" dirty="0" err="1" smtClean="0"/>
+            <a:endParaRPr lang="pt-BR" sz="700" strike="sngStrike" dirty="0" smtClean="0"/>
+          </a:p>
+          <a:p>
+            <a:r>
+              <a:rPr lang="pt-BR" sz="700" strike="sngStrike" dirty="0" smtClean="0"/>
+              <a:t>- </a:t>
+            </a:r>
+            <a:r>
+              <a:rPr lang="pt-BR" sz="700" strike="sngStrike" dirty="0" smtClean="0"/>
+              <a:t>Controles – programar um </a:t>
+            </a:r>
+            <a:r>
+              <a:rPr lang="pt-BR" sz="700" strike="sngStrike" dirty="0" err="1" smtClean="0"/>
               <a:t>dash</a:t>
             </a:r>
-            <a:endParaRPr lang="pt-BR" strike="sngStrike" dirty="0" smtClean="0"/>
-          </a:p>
-          <a:p>
-            <a:r>
-              <a:rPr lang="pt-BR" dirty="0"/>
-              <a:t>	</a:t>
-            </a:r>
-            <a:r>
-              <a:rPr lang="pt-BR" strike="sngStrike" dirty="0" smtClean="0"/>
+            <a:endParaRPr lang="pt-BR" sz="700" strike="sngStrike" dirty="0" smtClean="0"/>
+          </a:p>
+          <a:p>
+            <a:r>
+              <a:rPr lang="pt-BR" sz="700" strike="sngStrike" dirty="0" smtClean="0"/>
               <a:t>- </a:t>
             </a:r>
             <a:r>
-              <a:rPr lang="pt-BR" strike="sngStrike" dirty="0" err="1" smtClean="0"/>
+              <a:rPr lang="pt-BR" sz="700" strike="sngStrike" dirty="0" err="1" smtClean="0"/>
               <a:t>spikes</a:t>
             </a:r>
             <a:r>
-              <a:rPr lang="pt-BR" strike="sngStrike" dirty="0" smtClean="0"/>
+              <a:rPr lang="pt-BR" sz="700" strike="sngStrike" dirty="0" smtClean="0"/>
               <a:t> </a:t>
             </a:r>
             <a:r>
-              <a:rPr lang="pt-BR" strike="sngStrike" dirty="0" err="1" smtClean="0"/>
+              <a:rPr lang="pt-BR" sz="700" strike="sngStrike" dirty="0" err="1" smtClean="0"/>
               <a:t>keeps</a:t>
             </a:r>
             <a:r>
-              <a:rPr lang="pt-BR" strike="sngStrike" dirty="0" smtClean="0"/>
+              <a:rPr lang="pt-BR" sz="700" strike="sngStrike" dirty="0" smtClean="0"/>
               <a:t> </a:t>
             </a:r>
             <a:r>
-              <a:rPr lang="pt-BR" strike="sngStrike" dirty="0" err="1" smtClean="0"/>
+              <a:rPr lang="pt-BR" sz="700" strike="sngStrike" dirty="0" err="1" smtClean="0"/>
               <a:t>damaging</a:t>
             </a:r>
             <a:r>
-              <a:rPr lang="pt-BR" strike="sngStrike" dirty="0" smtClean="0"/>
+              <a:rPr lang="pt-BR" sz="700" strike="sngStrike" dirty="0" smtClean="0"/>
               <a:t> </a:t>
             </a:r>
             <a:r>
-              <a:rPr lang="pt-BR" strike="sngStrike" dirty="0" err="1" smtClean="0"/>
+              <a:rPr lang="pt-BR" sz="700" strike="sngStrike" dirty="0" err="1" smtClean="0"/>
               <a:t>if</a:t>
             </a:r>
             <a:r>
-              <a:rPr lang="pt-BR" strike="sngStrike" dirty="0" smtClean="0"/>
+              <a:rPr lang="pt-BR" sz="700" strike="sngStrike" dirty="0" smtClean="0"/>
               <a:t> </a:t>
             </a:r>
             <a:r>
-              <a:rPr lang="pt-BR" strike="sngStrike" dirty="0" err="1" smtClean="0"/>
+              <a:rPr lang="pt-BR" sz="700" strike="sngStrike" dirty="0" err="1" smtClean="0"/>
               <a:t>inside</a:t>
             </a:r>
             <a:r>
-              <a:rPr lang="pt-BR" strike="sngStrike" dirty="0" smtClean="0"/>
+              <a:rPr lang="pt-BR" sz="700" strike="sngStrike" dirty="0" smtClean="0"/>
               <a:t> </a:t>
             </a:r>
             <a:r>
-              <a:rPr lang="pt-BR" strike="sngStrike" dirty="0" err="1" smtClean="0"/>
+              <a:rPr lang="pt-BR" sz="700" strike="sngStrike" dirty="0" err="1" smtClean="0"/>
               <a:t>colision</a:t>
             </a:r>
             <a:r>
-              <a:rPr lang="pt-BR" strike="sngStrike" dirty="0" smtClean="0"/>
+              <a:rPr lang="pt-BR" sz="700" strike="sngStrike" dirty="0" smtClean="0"/>
               <a:t> </a:t>
             </a:r>
             <a:r>
-              <a:rPr lang="pt-BR" strike="sngStrike" dirty="0" err="1" smtClean="0"/>
+              <a:rPr lang="pt-BR" sz="700" strike="sngStrike" dirty="0" err="1" smtClean="0"/>
               <a:t>area</a:t>
             </a:r>
-            <a:endParaRPr lang="pt-BR" strike="sngStrike" dirty="0" smtClean="0"/>
-          </a:p>
-          <a:p>
-            <a:r>
-              <a:rPr lang="pt-BR" dirty="0"/>
-              <a:t>	</a:t>
-            </a:r>
-            <a:r>
-              <a:rPr lang="pt-BR" strike="sngStrike" dirty="0" smtClean="0"/>
-              <a:t>- desenhar tela para inicio de jogo</a:t>
-            </a:r>
-          </a:p>
-          <a:p>
-            <a:r>
-              <a:rPr lang="pt-BR" dirty="0"/>
-              <a:t>	</a:t>
-            </a:r>
-            <a:r>
-              <a:rPr lang="pt-BR" dirty="0" smtClean="0"/>
+            <a:endParaRPr lang="pt-BR" sz="700" strike="sngStrike" dirty="0" smtClean="0"/>
+          </a:p>
+          <a:p>
+            <a:r>
+              <a:rPr lang="pt-BR" sz="700" strike="sngStrike" dirty="0" smtClean="0"/>
               <a:t>- </a:t>
             </a:r>
             <a:r>
-              <a:rPr lang="pt-BR" strike="sngStrike" dirty="0" err="1" smtClean="0"/>
+              <a:rPr lang="pt-BR" sz="700" strike="sngStrike" dirty="0" smtClean="0"/>
+              <a:t>desenhar tela para inicio de jogo</a:t>
+            </a:r>
+          </a:p>
+          <a:p>
+            <a:r>
+              <a:rPr lang="pt-BR" sz="700" dirty="0" smtClean="0"/>
+              <a:t>- </a:t>
+            </a:r>
+            <a:r>
+              <a:rPr lang="pt-BR" sz="700" strike="sngStrike" dirty="0" err="1" smtClean="0"/>
               <a:t>add</a:t>
             </a:r>
             <a:r>
-              <a:rPr lang="pt-BR" strike="sngStrike" dirty="0" smtClean="0"/>
+              <a:rPr lang="pt-BR" sz="700" strike="sngStrike" dirty="0" smtClean="0"/>
               <a:t> menu </a:t>
             </a:r>
             <a:r>
-              <a:rPr lang="pt-BR" strike="sngStrike" dirty="0" err="1" smtClean="0"/>
+              <a:rPr lang="pt-BR" sz="700" strike="sngStrike" dirty="0" err="1" smtClean="0"/>
               <a:t>with</a:t>
             </a:r>
             <a:r>
-              <a:rPr lang="pt-BR" strike="sngStrike" dirty="0" smtClean="0"/>
+              <a:rPr lang="pt-BR" sz="700" strike="sngStrike" dirty="0" smtClean="0"/>
               <a:t> </a:t>
             </a:r>
             <a:r>
-              <a:rPr lang="pt-BR" strike="sngStrike" dirty="0" err="1" smtClean="0"/>
+              <a:rPr lang="pt-BR" sz="700" strike="sngStrike" dirty="0" err="1" smtClean="0"/>
               <a:t>controls</a:t>
             </a:r>
-            <a:endParaRPr lang="pt-BR" strike="sngStrike" dirty="0" smtClean="0"/>
-          </a:p>
-          <a:p>
-            <a:r>
-              <a:rPr lang="pt-BR" dirty="0"/>
-              <a:t>	</a:t>
-            </a:r>
-            <a:r>
-              <a:rPr lang="pt-BR" strike="sngStrike" dirty="0" smtClean="0"/>
+            <a:endParaRPr lang="pt-BR" sz="700" strike="sngStrike" dirty="0" smtClean="0"/>
+          </a:p>
+          <a:p>
+            <a:r>
+              <a:rPr lang="pt-BR" sz="700" strike="sngStrike" dirty="0" smtClean="0"/>
               <a:t>- </a:t>
             </a:r>
             <a:r>
-              <a:rPr lang="pt-BR" strike="sngStrike" dirty="0" err="1" smtClean="0"/>
+              <a:rPr lang="pt-BR" sz="700" strike="sngStrike" dirty="0" err="1" smtClean="0"/>
               <a:t>add</a:t>
             </a:r>
             <a:r>
-              <a:rPr lang="pt-BR" strike="sngStrike" dirty="0" smtClean="0"/>
+              <a:rPr lang="pt-BR" sz="700" strike="sngStrike" dirty="0" smtClean="0"/>
               <a:t> </a:t>
             </a:r>
             <a:r>
-              <a:rPr lang="pt-BR" strike="sngStrike" dirty="0" err="1" smtClean="0"/>
+              <a:rPr lang="pt-BR" sz="700" strike="sngStrike" dirty="0" err="1" smtClean="0"/>
               <a:t>save</a:t>
             </a:r>
             <a:r>
-              <a:rPr lang="pt-BR" strike="sngStrike" dirty="0" smtClean="0"/>
+              <a:rPr lang="pt-BR" sz="700" strike="sngStrike" dirty="0" smtClean="0"/>
               <a:t>/</a:t>
             </a:r>
             <a:r>
-              <a:rPr lang="pt-BR" strike="sngStrike" dirty="0" err="1" smtClean="0"/>
+              <a:rPr lang="pt-BR" sz="700" strike="sngStrike" dirty="0" err="1" smtClean="0"/>
               <a:t>load</a:t>
             </a:r>
             <a:r>
-              <a:rPr lang="pt-BR" strike="sngStrike" dirty="0" smtClean="0"/>
+              <a:rPr lang="pt-BR" sz="700" strike="sngStrike" dirty="0" smtClean="0"/>
               <a:t> </a:t>
             </a:r>
             <a:r>
-              <a:rPr lang="pt-BR" strike="sngStrike" dirty="0" err="1" smtClean="0"/>
+              <a:rPr lang="pt-BR" sz="700" strike="sngStrike" dirty="0" err="1" smtClean="0"/>
               <a:t>logic</a:t>
             </a:r>
             <a:r>
-              <a:rPr lang="pt-BR" strike="sngStrike" dirty="0" smtClean="0"/>
+              <a:rPr lang="pt-BR" sz="700" strike="sngStrike" dirty="0" smtClean="0"/>
               <a:t> </a:t>
             </a:r>
             <a:r>
-              <a:rPr lang="pt-BR" strike="sngStrike" dirty="0" err="1" smtClean="0"/>
+              <a:rPr lang="pt-BR" sz="700" strike="sngStrike" dirty="0" err="1" smtClean="0"/>
               <a:t>to</a:t>
             </a:r>
             <a:r>
-              <a:rPr lang="pt-BR" strike="sngStrike" dirty="0" smtClean="0"/>
+              <a:rPr lang="pt-BR" sz="700" strike="sngStrike" dirty="0" smtClean="0"/>
               <a:t> menus</a:t>
             </a:r>
           </a:p>
@@ -7194,6 +7182,168 @@
             <a:r>
               <a:rPr lang="pt-BR" sz="900" dirty="0" smtClean="0"/>
               <a:t>Menus e UI: Tem que ter e tem que ser bom</a:t>
+            </a:r>
+          </a:p>
+        </p:txBody>
+      </p:sp>
+      <p:sp>
+        <p:nvSpPr>
+          <p:cNvPr id="12" name="CaixaDeTexto 11"/>
+          <p:cNvSpPr txBox="1"/>
+          <p:nvPr/>
+        </p:nvSpPr>
+        <p:spPr>
+          <a:xfrm>
+            <a:off x="5937363" y="2564207"/>
+            <a:ext cx="6337242" cy="2308324"/>
+          </a:xfrm>
+          <a:prstGeom prst="rect">
+            <a:avLst/>
+          </a:prstGeom>
+          <a:noFill/>
+        </p:spPr>
+        <p:txBody>
+          <a:bodyPr wrap="square" rtlCol="0">
+            <a:spAutoFit/>
+          </a:bodyPr>
+          <a:lstStyle/>
+          <a:p>
+            <a:r>
+              <a:rPr lang="pt-BR" dirty="0" smtClean="0"/>
+              <a:t>Sétimo ciclo</a:t>
+            </a:r>
+            <a:r>
+              <a:rPr lang="pt-BR" dirty="0" smtClean="0">
+                <a:sym typeface="Wingdings" panose="05000000000000000000" pitchFamily="2" charset="2"/>
+              </a:rPr>
+              <a:t>: (</a:t>
+            </a:r>
+            <a:r>
+              <a:rPr lang="pt-BR" dirty="0" err="1" smtClean="0">
+                <a:sym typeface="Wingdings" panose="05000000000000000000" pitchFamily="2" charset="2"/>
+              </a:rPr>
+              <a:t>QuickRefactor</a:t>
+            </a:r>
+            <a:r>
+              <a:rPr lang="pt-BR" dirty="0" smtClean="0">
+                <a:sym typeface="Wingdings" panose="05000000000000000000" pitchFamily="2" charset="2"/>
+              </a:rPr>
+              <a:t>)</a:t>
+            </a:r>
+            <a:endParaRPr lang="pt-BR" dirty="0" smtClean="0"/>
+          </a:p>
+          <a:p>
+            <a:r>
+              <a:rPr lang="pt-BR" dirty="0" smtClean="0"/>
+              <a:t>	- </a:t>
+            </a:r>
+            <a:r>
+              <a:rPr lang="pt-BR" dirty="0" smtClean="0"/>
+              <a:t>Aumentar o nível 1 e Concluir </a:t>
+            </a:r>
+            <a:r>
+              <a:rPr lang="pt-BR" dirty="0" err="1" smtClean="0"/>
+              <a:t>level</a:t>
+            </a:r>
+            <a:r>
+              <a:rPr lang="pt-BR" dirty="0" smtClean="0"/>
+              <a:t> </a:t>
+            </a:r>
+            <a:r>
+              <a:rPr lang="pt-BR" dirty="0" smtClean="0"/>
+              <a:t>2 </a:t>
+            </a:r>
+            <a:r>
+              <a:rPr lang="pt-BR" dirty="0" err="1" smtClean="0"/>
+              <a:t>level</a:t>
+            </a:r>
+            <a:r>
+              <a:rPr lang="pt-BR" dirty="0" smtClean="0"/>
+              <a:t> </a:t>
+            </a:r>
+            <a:r>
+              <a:rPr lang="pt-BR" dirty="0" err="1" smtClean="0"/>
+              <a:t>desing</a:t>
+            </a:r>
+            <a:endParaRPr lang="pt-BR" dirty="0" smtClean="0"/>
+          </a:p>
+          <a:p>
+            <a:r>
+              <a:rPr lang="pt-BR" dirty="0"/>
+              <a:t>	</a:t>
+            </a:r>
+            <a:r>
+              <a:rPr lang="pt-BR" dirty="0" smtClean="0"/>
+              <a:t>- </a:t>
+            </a:r>
+            <a:r>
+              <a:rPr lang="pt-BR" dirty="0" smtClean="0"/>
+              <a:t>Animar o Dash	</a:t>
+            </a:r>
+          </a:p>
+          <a:p>
+            <a:r>
+              <a:rPr lang="pt-BR" dirty="0"/>
+              <a:t>	</a:t>
+            </a:r>
+            <a:r>
+              <a:rPr lang="pt-BR" dirty="0" smtClean="0"/>
+              <a:t>- </a:t>
+            </a:r>
+            <a:r>
+              <a:rPr lang="pt-BR" dirty="0" smtClean="0"/>
+              <a:t>Melhorar a Bomba (e o seu UI)</a:t>
+            </a:r>
+          </a:p>
+          <a:p>
+            <a:r>
+              <a:rPr lang="pt-BR" dirty="0"/>
+              <a:t>	</a:t>
+            </a:r>
+            <a:r>
+              <a:rPr lang="pt-BR" dirty="0" smtClean="0"/>
+              <a:t>- </a:t>
+            </a:r>
+            <a:r>
+              <a:rPr lang="pt-BR" dirty="0" smtClean="0"/>
+              <a:t>Fazer parede esmagadora (ver como fazer isso de se a colisão for menor que a área do personagem esmagar ele)</a:t>
+            </a:r>
+            <a:endParaRPr lang="pt-BR" dirty="0" smtClean="0"/>
+          </a:p>
+          <a:p>
+            <a:r>
+              <a:rPr lang="pt-BR" dirty="0"/>
+              <a:t>	</a:t>
+            </a:r>
+            <a:r>
+              <a:rPr lang="pt-BR" dirty="0" smtClean="0"/>
+              <a:t>- </a:t>
+            </a:r>
+            <a:r>
+              <a:rPr lang="pt-BR" dirty="0" smtClean="0"/>
+              <a:t>Programar a cobra criada</a:t>
+            </a:r>
+          </a:p>
+          <a:p>
+            <a:r>
+              <a:rPr lang="pt-BR" dirty="0"/>
+              <a:t>	</a:t>
+            </a:r>
+            <a:r>
+              <a:rPr lang="pt-BR" dirty="0" smtClean="0"/>
+              <a:t>- </a:t>
+            </a:r>
+            <a:r>
+              <a:rPr lang="pt-BR" dirty="0" smtClean="0"/>
+              <a:t>Mais detalhe no background do </a:t>
+            </a:r>
+            <a:r>
+              <a:rPr lang="pt-BR" dirty="0" err="1" smtClean="0"/>
+              <a:t>main</a:t>
+            </a:r>
+            <a:r>
+              <a:rPr lang="pt-BR" dirty="0" smtClean="0"/>
+              <a:t> menu</a:t>
             </a:r>
           </a:p>
         </p:txBody>

--- a/Project Data/Ciclo de trabalho.pptx
+++ b/Project Data/Ciclo de trabalho.pptx
@@ -3416,7 +3416,7 @@
           <a:p>
             <a:fld id="{033C220F-AFE8-4CCC-95E1-E0424241E150}" type="datetimeFigureOut">
               <a:rPr lang="pt-BR" smtClean="0"/>
-              <a:t>22/01/2018</a:t>
+              <a:t>06/02/2018</a:t>
             </a:fld>
             <a:endParaRPr lang="pt-BR"/>
           </a:p>
@@ -3586,7 +3586,7 @@
           <a:p>
             <a:fld id="{033C220F-AFE8-4CCC-95E1-E0424241E150}" type="datetimeFigureOut">
               <a:rPr lang="pt-BR" smtClean="0"/>
-              <a:t>22/01/2018</a:t>
+              <a:t>06/02/2018</a:t>
             </a:fld>
             <a:endParaRPr lang="pt-BR"/>
           </a:p>
@@ -3766,7 +3766,7 @@
           <a:p>
             <a:fld id="{033C220F-AFE8-4CCC-95E1-E0424241E150}" type="datetimeFigureOut">
               <a:rPr lang="pt-BR" smtClean="0"/>
-              <a:t>22/01/2018</a:t>
+              <a:t>06/02/2018</a:t>
             </a:fld>
             <a:endParaRPr lang="pt-BR"/>
           </a:p>
@@ -3936,7 +3936,7 @@
           <a:p>
             <a:fld id="{033C220F-AFE8-4CCC-95E1-E0424241E150}" type="datetimeFigureOut">
               <a:rPr lang="pt-BR" smtClean="0"/>
-              <a:t>22/01/2018</a:t>
+              <a:t>06/02/2018</a:t>
             </a:fld>
             <a:endParaRPr lang="pt-BR"/>
           </a:p>
@@ -4182,7 +4182,7 @@
           <a:p>
             <a:fld id="{033C220F-AFE8-4CCC-95E1-E0424241E150}" type="datetimeFigureOut">
               <a:rPr lang="pt-BR" smtClean="0"/>
-              <a:t>22/01/2018</a:t>
+              <a:t>06/02/2018</a:t>
             </a:fld>
             <a:endParaRPr lang="pt-BR"/>
           </a:p>
@@ -4414,7 +4414,7 @@
           <a:p>
             <a:fld id="{033C220F-AFE8-4CCC-95E1-E0424241E150}" type="datetimeFigureOut">
               <a:rPr lang="pt-BR" smtClean="0"/>
-              <a:t>22/01/2018</a:t>
+              <a:t>06/02/2018</a:t>
             </a:fld>
             <a:endParaRPr lang="pt-BR"/>
           </a:p>
@@ -4781,7 +4781,7 @@
           <a:p>
             <a:fld id="{033C220F-AFE8-4CCC-95E1-E0424241E150}" type="datetimeFigureOut">
               <a:rPr lang="pt-BR" smtClean="0"/>
-              <a:t>22/01/2018</a:t>
+              <a:t>06/02/2018</a:t>
             </a:fld>
             <a:endParaRPr lang="pt-BR"/>
           </a:p>
@@ -4899,7 +4899,7 @@
           <a:p>
             <a:fld id="{033C220F-AFE8-4CCC-95E1-E0424241E150}" type="datetimeFigureOut">
               <a:rPr lang="pt-BR" smtClean="0"/>
-              <a:t>22/01/2018</a:t>
+              <a:t>06/02/2018</a:t>
             </a:fld>
             <a:endParaRPr lang="pt-BR"/>
           </a:p>
@@ -4994,7 +4994,7 @@
           <a:p>
             <a:fld id="{033C220F-AFE8-4CCC-95E1-E0424241E150}" type="datetimeFigureOut">
               <a:rPr lang="pt-BR" smtClean="0"/>
-              <a:t>22/01/2018</a:t>
+              <a:t>06/02/2018</a:t>
             </a:fld>
             <a:endParaRPr lang="pt-BR"/>
           </a:p>
@@ -5271,7 +5271,7 @@
           <a:p>
             <a:fld id="{033C220F-AFE8-4CCC-95E1-E0424241E150}" type="datetimeFigureOut">
               <a:rPr lang="pt-BR" smtClean="0"/>
-              <a:t>22/01/2018</a:t>
+              <a:t>06/02/2018</a:t>
             </a:fld>
             <a:endParaRPr lang="pt-BR"/>
           </a:p>
@@ -5524,7 +5524,7 @@
           <a:p>
             <a:fld id="{033C220F-AFE8-4CCC-95E1-E0424241E150}" type="datetimeFigureOut">
               <a:rPr lang="pt-BR" smtClean="0"/>
-              <a:t>22/01/2018</a:t>
+              <a:t>06/02/2018</a:t>
             </a:fld>
             <a:endParaRPr lang="pt-BR"/>
           </a:p>
@@ -5737,7 +5737,7 @@
           <a:p>
             <a:fld id="{033C220F-AFE8-4CCC-95E1-E0424241E150}" type="datetimeFigureOut">
               <a:rPr lang="pt-BR" smtClean="0"/>
-              <a:t>22/01/2018</a:t>
+              <a:t>06/02/2018</a:t>
             </a:fld>
             <a:endParaRPr lang="pt-BR"/>
           </a:p>
@@ -6831,11 +6831,7 @@
           <a:p>
             <a:r>
               <a:rPr lang="pt-BR" sz="700" strike="sngStrike" dirty="0" smtClean="0"/>
-              <a:t>- </a:t>
-            </a:r>
-            <a:r>
-              <a:rPr lang="pt-BR" sz="700" strike="sngStrike" dirty="0" smtClean="0"/>
-              <a:t>Desenhar animações </a:t>
+              <a:t>- Desenhar animações </a:t>
             </a:r>
             <a:r>
               <a:rPr lang="pt-BR" sz="700" strike="sngStrike" dirty="0" err="1" smtClean="0"/>
@@ -6918,11 +6914,7 @@
           <a:p>
             <a:r>
               <a:rPr lang="pt-BR" sz="700" strike="sngStrike" dirty="0" smtClean="0"/>
-              <a:t>- </a:t>
-            </a:r>
-            <a:r>
-              <a:rPr lang="pt-BR" sz="700" strike="sngStrike" dirty="0" smtClean="0"/>
-              <a:t>Controles – programar um </a:t>
+              <a:t>- Controles – programar um </a:t>
             </a:r>
             <a:r>
               <a:rPr lang="pt-BR" sz="700" strike="sngStrike" dirty="0" err="1" smtClean="0"/>
@@ -6992,11 +6984,7 @@
           <a:p>
             <a:r>
               <a:rPr lang="pt-BR" sz="700" strike="sngStrike" dirty="0" smtClean="0"/>
-              <a:t>- </a:t>
-            </a:r>
-            <a:r>
-              <a:rPr lang="pt-BR" sz="700" strike="sngStrike" dirty="0" smtClean="0"/>
-              <a:t>desenhar tela para inicio de jogo</a:t>
+              <a:t>- desenhar tela para inicio de jogo</a:t>
             </a:r>
           </a:p>
           <a:p>
@@ -7235,11 +7223,11 @@
           <a:p>
             <a:r>
               <a:rPr lang="pt-BR" dirty="0" smtClean="0"/>
-              <a:t>	- </a:t>
+              <a:t>	- Aumentar o </a:t>
             </a:r>
             <a:r>
               <a:rPr lang="pt-BR" dirty="0" smtClean="0"/>
-              <a:t>Aumentar o nível 1 e Concluir </a:t>
+              <a:t>nível 1 e Concluir </a:t>
             </a:r>
             <a:r>
               <a:rPr lang="pt-BR" dirty="0" err="1" smtClean="0"/>
@@ -7247,11 +7235,7 @@
             </a:r>
             <a:r>
               <a:rPr lang="pt-BR" dirty="0" smtClean="0"/>
-              <a:t> </a:t>
-            </a:r>
-            <a:r>
-              <a:rPr lang="pt-BR" dirty="0" smtClean="0"/>
-              <a:t>2 </a:t>
+              <a:t> 2 </a:t>
             </a:r>
             <a:r>
               <a:rPr lang="pt-BR" dirty="0" err="1" smtClean="0"/>
@@ -7274,11 +7258,7 @@
             </a:r>
             <a:r>
               <a:rPr lang="pt-BR" dirty="0" smtClean="0"/>
-              <a:t>- </a:t>
-            </a:r>
-            <a:r>
-              <a:rPr lang="pt-BR" dirty="0" smtClean="0"/>
-              <a:t>Animar o Dash	</a:t>
+              <a:t>- Animar o Dash	</a:t>
             </a:r>
           </a:p>
           <a:p>
@@ -7288,11 +7268,11 @@
             </a:r>
             <a:r>
               <a:rPr lang="pt-BR" dirty="0" smtClean="0"/>
-              <a:t>- </a:t>
-            </a:r>
-            <a:r>
-              <a:rPr lang="pt-BR" dirty="0" smtClean="0"/>
-              <a:t>Melhorar a Bomba (e o seu UI)</a:t>
+              <a:t>- Melhorar a Bomba </a:t>
+            </a:r>
+            <a:r>
+              <a:rPr lang="pt-BR" strike="sngStrike" dirty="0" smtClean="0"/>
+              <a:t>(e o seu UI)</a:t>
             </a:r>
           </a:p>
           <a:p>
@@ -7302,13 +7282,16 @@
             </a:r>
             <a:r>
               <a:rPr lang="pt-BR" dirty="0" smtClean="0"/>
-              <a:t>- </a:t>
+              <a:t>- Fazer parede </a:t>
+            </a:r>
+            <a:r>
+              <a:rPr lang="pt-BR" dirty="0" err="1" smtClean="0"/>
+              <a:t>quebravel</a:t>
             </a:r>
             <a:r>
               <a:rPr lang="pt-BR" dirty="0" smtClean="0"/>
-              <a:t>Fazer parede esmagadora (ver como fazer isso de se a colisão for menor que a área do personagem esmagar ele)</a:t>
-            </a:r>
-            <a:endParaRPr lang="pt-BR" dirty="0" smtClean="0"/>
+              <a:t> </a:t>
+            </a:r>
           </a:p>
           <a:p>
             <a:r>
@@ -7317,12 +7300,13 @@
             </a:r>
             <a:r>
               <a:rPr lang="pt-BR" dirty="0" smtClean="0"/>
-              <a:t>- </a:t>
+              <a:t>- Programar a cobra </a:t>
             </a:r>
             <a:r>
               <a:rPr lang="pt-BR" dirty="0" smtClean="0"/>
-              <a:t>Programar a cobra criada</a:t>
-            </a:r>
+              <a:t>criada(rafa já tem a animação)</a:t>
+            </a:r>
+            <a:endParaRPr lang="pt-BR" dirty="0" smtClean="0"/>
           </a:p>
           <a:p>
             <a:r>
@@ -7331,11 +7315,15 @@
             </a:r>
             <a:r>
               <a:rPr lang="pt-BR" dirty="0" smtClean="0"/>
-              <a:t>- </a:t>
+              <a:t>- Mais detalhe no </a:t>
             </a:r>
             <a:r>
               <a:rPr lang="pt-BR" dirty="0" smtClean="0"/>
-              <a:t>Mais detalhe no background do </a:t>
+              <a:t>background(rafa fez nuvens) </a:t>
+            </a:r>
+            <a:r>
+              <a:rPr lang="pt-BR" dirty="0" smtClean="0"/>
+              <a:t>do </a:t>
             </a:r>
             <a:r>
               <a:rPr lang="pt-BR" dirty="0" err="1" smtClean="0"/>
@@ -7343,8 +7331,13 @@
             </a:r>
             <a:r>
               <a:rPr lang="pt-BR" dirty="0" smtClean="0"/>
-              <a:t> menu</a:t>
-            </a:r>
+              <a:t> </a:t>
+            </a:r>
+            <a:r>
+              <a:rPr lang="pt-BR" dirty="0" smtClean="0"/>
+              <a:t>menu(rafa fazendo mapa da fazenda)</a:t>
+            </a:r>
+            <a:endParaRPr lang="pt-BR" dirty="0" smtClean="0"/>
           </a:p>
         </p:txBody>
       </p:sp>

--- a/Project Data/Ciclo de trabalho.pptx
+++ b/Project Data/Ciclo de trabalho.pptx
@@ -7,6 +7,7 @@
   <p:sldIdLst>
     <p:sldId id="257" r:id="rId2"/>
     <p:sldId id="256" r:id="rId3"/>
+    <p:sldId id="258" r:id="rId4"/>
   </p:sldIdLst>
   <p:sldSz cx="12192000" cy="6858000"/>
   <p:notesSz cx="6858000" cy="9144000"/>
@@ -3416,7 +3417,7 @@
           <a:p>
             <a:fld id="{033C220F-AFE8-4CCC-95E1-E0424241E150}" type="datetimeFigureOut">
               <a:rPr lang="pt-BR" smtClean="0"/>
-              <a:t>06/02/2018</a:t>
+              <a:t>15/02/2018</a:t>
             </a:fld>
             <a:endParaRPr lang="pt-BR"/>
           </a:p>
@@ -3586,7 +3587,7 @@
           <a:p>
             <a:fld id="{033C220F-AFE8-4CCC-95E1-E0424241E150}" type="datetimeFigureOut">
               <a:rPr lang="pt-BR" smtClean="0"/>
-              <a:t>06/02/2018</a:t>
+              <a:t>15/02/2018</a:t>
             </a:fld>
             <a:endParaRPr lang="pt-BR"/>
           </a:p>
@@ -3766,7 +3767,7 @@
           <a:p>
             <a:fld id="{033C220F-AFE8-4CCC-95E1-E0424241E150}" type="datetimeFigureOut">
               <a:rPr lang="pt-BR" smtClean="0"/>
-              <a:t>06/02/2018</a:t>
+              <a:t>15/02/2018</a:t>
             </a:fld>
             <a:endParaRPr lang="pt-BR"/>
           </a:p>
@@ -3936,7 +3937,7 @@
           <a:p>
             <a:fld id="{033C220F-AFE8-4CCC-95E1-E0424241E150}" type="datetimeFigureOut">
               <a:rPr lang="pt-BR" smtClean="0"/>
-              <a:t>06/02/2018</a:t>
+              <a:t>15/02/2018</a:t>
             </a:fld>
             <a:endParaRPr lang="pt-BR"/>
           </a:p>
@@ -4182,7 +4183,7 @@
           <a:p>
             <a:fld id="{033C220F-AFE8-4CCC-95E1-E0424241E150}" type="datetimeFigureOut">
               <a:rPr lang="pt-BR" smtClean="0"/>
-              <a:t>06/02/2018</a:t>
+              <a:t>15/02/2018</a:t>
             </a:fld>
             <a:endParaRPr lang="pt-BR"/>
           </a:p>
@@ -4414,7 +4415,7 @@
           <a:p>
             <a:fld id="{033C220F-AFE8-4CCC-95E1-E0424241E150}" type="datetimeFigureOut">
               <a:rPr lang="pt-BR" smtClean="0"/>
-              <a:t>06/02/2018</a:t>
+              <a:t>15/02/2018</a:t>
             </a:fld>
             <a:endParaRPr lang="pt-BR"/>
           </a:p>
@@ -4781,7 +4782,7 @@
           <a:p>
             <a:fld id="{033C220F-AFE8-4CCC-95E1-E0424241E150}" type="datetimeFigureOut">
               <a:rPr lang="pt-BR" smtClean="0"/>
-              <a:t>06/02/2018</a:t>
+              <a:t>15/02/2018</a:t>
             </a:fld>
             <a:endParaRPr lang="pt-BR"/>
           </a:p>
@@ -4899,7 +4900,7 @@
           <a:p>
             <a:fld id="{033C220F-AFE8-4CCC-95E1-E0424241E150}" type="datetimeFigureOut">
               <a:rPr lang="pt-BR" smtClean="0"/>
-              <a:t>06/02/2018</a:t>
+              <a:t>15/02/2018</a:t>
             </a:fld>
             <a:endParaRPr lang="pt-BR"/>
           </a:p>
@@ -4994,7 +4995,7 @@
           <a:p>
             <a:fld id="{033C220F-AFE8-4CCC-95E1-E0424241E150}" type="datetimeFigureOut">
               <a:rPr lang="pt-BR" smtClean="0"/>
-              <a:t>06/02/2018</a:t>
+              <a:t>15/02/2018</a:t>
             </a:fld>
             <a:endParaRPr lang="pt-BR"/>
           </a:p>
@@ -5271,7 +5272,7 @@
           <a:p>
             <a:fld id="{033C220F-AFE8-4CCC-95E1-E0424241E150}" type="datetimeFigureOut">
               <a:rPr lang="pt-BR" smtClean="0"/>
-              <a:t>06/02/2018</a:t>
+              <a:t>15/02/2018</a:t>
             </a:fld>
             <a:endParaRPr lang="pt-BR"/>
           </a:p>
@@ -5524,7 +5525,7 @@
           <a:p>
             <a:fld id="{033C220F-AFE8-4CCC-95E1-E0424241E150}" type="datetimeFigureOut">
               <a:rPr lang="pt-BR" smtClean="0"/>
-              <a:t>06/02/2018</a:t>
+              <a:t>15/02/2018</a:t>
             </a:fld>
             <a:endParaRPr lang="pt-BR"/>
           </a:p>
@@ -5737,7 +5738,7 @@
           <a:p>
             <a:fld id="{033C220F-AFE8-4CCC-95E1-E0424241E150}" type="datetimeFigureOut">
               <a:rPr lang="pt-BR" smtClean="0"/>
-              <a:t>06/02/2018</a:t>
+              <a:t>15/02/2018</a:t>
             </a:fld>
             <a:endParaRPr lang="pt-BR"/>
           </a:p>
@@ -7223,11 +7224,7 @@
           <a:p>
             <a:r>
               <a:rPr lang="pt-BR" dirty="0" smtClean="0"/>
-              <a:t>	- Aumentar o </a:t>
-            </a:r>
-            <a:r>
-              <a:rPr lang="pt-BR" dirty="0" smtClean="0"/>
-              <a:t>nível 1 e Concluir </a:t>
+              <a:t>	- Aumentar o nível 1 e Concluir </a:t>
             </a:r>
             <a:r>
               <a:rPr lang="pt-BR" dirty="0" err="1" smtClean="0"/>
@@ -7300,13 +7297,8 @@
             </a:r>
             <a:r>
               <a:rPr lang="pt-BR" dirty="0" smtClean="0"/>
-              <a:t>- Programar a cobra </a:t>
-            </a:r>
-            <a:r>
-              <a:rPr lang="pt-BR" dirty="0" smtClean="0"/>
-              <a:t>criada(rafa já tem a animação)</a:t>
-            </a:r>
-            <a:endParaRPr lang="pt-BR" dirty="0" smtClean="0"/>
+              <a:t>- Programar a cobra criada(rafa já tem a animação)</a:t>
+            </a:r>
           </a:p>
           <a:p>
             <a:r>
@@ -7315,15 +7307,7 @@
             </a:r>
             <a:r>
               <a:rPr lang="pt-BR" dirty="0" smtClean="0"/>
-              <a:t>- Mais detalhe no </a:t>
-            </a:r>
-            <a:r>
-              <a:rPr lang="pt-BR" dirty="0" smtClean="0"/>
-              <a:t>background(rafa fez nuvens) </a:t>
-            </a:r>
-            <a:r>
-              <a:rPr lang="pt-BR" dirty="0" smtClean="0"/>
-              <a:t>do </a:t>
+              <a:t>- Mais detalhe no background(rafa fez nuvens) do </a:t>
             </a:r>
             <a:r>
               <a:rPr lang="pt-BR" dirty="0" err="1" smtClean="0"/>
@@ -7331,13 +7315,8 @@
             </a:r>
             <a:r>
               <a:rPr lang="pt-BR" dirty="0" smtClean="0"/>
-              <a:t> </a:t>
-            </a:r>
-            <a:r>
-              <a:rPr lang="pt-BR" dirty="0" smtClean="0"/>
-              <a:t>menu(rafa fazendo mapa da fazenda)</a:t>
-            </a:r>
-            <a:endParaRPr lang="pt-BR" dirty="0" smtClean="0"/>
+              <a:t> menu(rafa fazendo mapa da fazenda)</a:t>
+            </a:r>
           </a:p>
         </p:txBody>
       </p:sp>
@@ -9428,6 +9407,962 @@
 </p:sld>
 </file>
 
+<file path=ppt/slides/slide3.xml><?xml version="1.0" encoding="utf-8"?>
+<p:sld xmlns:a="http://schemas.openxmlformats.org/drawingml/2006/main" xmlns:r="http://schemas.openxmlformats.org/officeDocument/2006/relationships" xmlns:p="http://schemas.openxmlformats.org/presentationml/2006/main">
+  <p:cSld>
+    <p:spTree>
+      <p:nvGrpSpPr>
+        <p:cNvPr id="1" name=""/>
+        <p:cNvGrpSpPr/>
+        <p:nvPr/>
+      </p:nvGrpSpPr>
+      <p:grpSpPr>
+        <a:xfrm>
+          <a:off x="0" y="0"/>
+          <a:ext cx="0" cy="0"/>
+          <a:chOff x="0" y="0"/>
+          <a:chExt cx="0" cy="0"/>
+        </a:xfrm>
+      </p:grpSpPr>
+      <p:sp>
+        <p:nvSpPr>
+          <p:cNvPr id="2" name="Título 1"/>
+          <p:cNvSpPr>
+            <a:spLocks noGrp="1"/>
+          </p:cNvSpPr>
+          <p:nvPr>
+            <p:ph type="title"/>
+          </p:nvPr>
+        </p:nvSpPr>
+        <p:spPr/>
+        <p:txBody>
+          <a:bodyPr/>
+          <a:lstStyle/>
+          <a:p>
+            <a:r>
+              <a:rPr lang="en-US" dirty="0" err="1" smtClean="0"/>
+              <a:t>Roteiro</a:t>
+            </a:r>
+            <a:r>
+              <a:rPr lang="en-US" dirty="0" smtClean="0"/>
+              <a:t> de </a:t>
+            </a:r>
+            <a:r>
+              <a:rPr lang="en-US" dirty="0" err="1" smtClean="0"/>
+              <a:t>habilidade</a:t>
+            </a:r>
+            <a:r>
+              <a:rPr lang="en-US" dirty="0" smtClean="0"/>
+              <a:t> e </a:t>
+            </a:r>
+            <a:r>
+              <a:rPr lang="en-US" dirty="0" err="1" smtClean="0"/>
+              <a:t>fases</a:t>
+            </a:r>
+            <a:r>
+              <a:rPr lang="en-US" dirty="0" smtClean="0"/>
+              <a:t>	</a:t>
+            </a:r>
+            <a:endParaRPr lang="pt-BR" dirty="0"/>
+          </a:p>
+        </p:txBody>
+      </p:sp>
+      <p:sp>
+        <p:nvSpPr>
+          <p:cNvPr id="3" name="Espaço Reservado para Conteúdo 2"/>
+          <p:cNvSpPr>
+            <a:spLocks noGrp="1"/>
+          </p:cNvSpPr>
+          <p:nvPr>
+            <p:ph idx="1"/>
+          </p:nvPr>
+        </p:nvSpPr>
+        <p:spPr/>
+        <p:txBody>
+          <a:bodyPr>
+            <a:normAutofit fontScale="55000" lnSpcReduction="20000"/>
+          </a:bodyPr>
+          <a:lstStyle/>
+          <a:p>
+            <a:r>
+              <a:rPr lang="en-US" dirty="0" err="1" smtClean="0"/>
+              <a:t>Começa</a:t>
+            </a:r>
+            <a:r>
+              <a:rPr lang="en-US" dirty="0" smtClean="0"/>
+              <a:t> com o </a:t>
+            </a:r>
+            <a:r>
+              <a:rPr lang="en-US" dirty="0" err="1" smtClean="0"/>
+              <a:t>menino</a:t>
+            </a:r>
+            <a:r>
+              <a:rPr lang="en-US" dirty="0" smtClean="0"/>
+              <a:t> </a:t>
+            </a:r>
+            <a:r>
+              <a:rPr lang="en-US" dirty="0" err="1" smtClean="0"/>
+              <a:t>ensinando</a:t>
+            </a:r>
+            <a:r>
+              <a:rPr lang="en-US" dirty="0" smtClean="0"/>
+              <a:t> a </a:t>
+            </a:r>
+            <a:r>
+              <a:rPr lang="en-US" dirty="0" err="1" smtClean="0"/>
+              <a:t>correr</a:t>
+            </a:r>
+            <a:r>
+              <a:rPr lang="en-US" dirty="0" smtClean="0"/>
+              <a:t>.</a:t>
+            </a:r>
+          </a:p>
+          <a:p>
+            <a:r>
+              <a:rPr lang="en-US" dirty="0" err="1" smtClean="0"/>
+              <a:t>Fim</a:t>
+            </a:r>
+            <a:r>
+              <a:rPr lang="en-US" dirty="0" smtClean="0"/>
+              <a:t> da </a:t>
+            </a:r>
+            <a:r>
+              <a:rPr lang="en-US" dirty="0" err="1" smtClean="0"/>
+              <a:t>primeira</a:t>
+            </a:r>
+            <a:r>
+              <a:rPr lang="en-US" dirty="0" smtClean="0"/>
+              <a:t> </a:t>
+            </a:r>
+            <a:r>
+              <a:rPr lang="en-US" dirty="0" err="1" smtClean="0"/>
+              <a:t>fase</a:t>
+            </a:r>
+            <a:r>
+              <a:rPr lang="en-US" dirty="0" smtClean="0"/>
+              <a:t> a </a:t>
+            </a:r>
+            <a:r>
+              <a:rPr lang="en-US" dirty="0" err="1" smtClean="0"/>
+              <a:t>bomba</a:t>
+            </a:r>
+            <a:r>
+              <a:rPr lang="en-US" dirty="0" smtClean="0"/>
+              <a:t> é </a:t>
+            </a:r>
+            <a:r>
+              <a:rPr lang="en-US" dirty="0" err="1" smtClean="0"/>
+              <a:t>apresentada</a:t>
+            </a:r>
+            <a:endParaRPr lang="en-US" dirty="0" smtClean="0"/>
+          </a:p>
+          <a:p>
+            <a:r>
+              <a:rPr lang="en-US" dirty="0" smtClean="0"/>
+              <a:t>2ª </a:t>
+            </a:r>
+            <a:r>
+              <a:rPr lang="en-US" dirty="0" err="1" smtClean="0"/>
+              <a:t>fase</a:t>
+            </a:r>
+            <a:r>
+              <a:rPr lang="en-US" dirty="0" smtClean="0"/>
+              <a:t> </a:t>
+            </a:r>
+            <a:r>
+              <a:rPr lang="en-US" dirty="0" err="1" smtClean="0"/>
+              <a:t>toda</a:t>
+            </a:r>
+            <a:r>
+              <a:rPr lang="en-US" dirty="0" smtClean="0"/>
+              <a:t> </a:t>
+            </a:r>
+            <a:r>
+              <a:rPr lang="en-US" dirty="0" err="1" smtClean="0"/>
+              <a:t>sobre</a:t>
+            </a:r>
+            <a:r>
+              <a:rPr lang="en-US" dirty="0" smtClean="0"/>
+              <a:t> </a:t>
+            </a:r>
+            <a:r>
+              <a:rPr lang="en-US" dirty="0" err="1" smtClean="0"/>
+              <a:t>bombas</a:t>
+            </a:r>
+            <a:r>
+              <a:rPr lang="en-US" dirty="0" smtClean="0"/>
+              <a:t> e </a:t>
+            </a:r>
+            <a:r>
+              <a:rPr lang="en-US" dirty="0" err="1" smtClean="0"/>
+              <a:t>pulos</a:t>
+            </a:r>
+            <a:r>
+              <a:rPr lang="en-US" dirty="0" smtClean="0"/>
+              <a:t> </a:t>
+            </a:r>
+            <a:r>
+              <a:rPr lang="en-US" dirty="0" err="1" smtClean="0"/>
+              <a:t>na</a:t>
+            </a:r>
+            <a:r>
+              <a:rPr lang="en-US" dirty="0" smtClean="0"/>
+              <a:t> </a:t>
+            </a:r>
+            <a:r>
+              <a:rPr lang="en-US" dirty="0" err="1" smtClean="0"/>
+              <a:t>parede</a:t>
+            </a:r>
+            <a:r>
+              <a:rPr lang="en-US" dirty="0" smtClean="0"/>
+              <a:t> (e cobras)</a:t>
+            </a:r>
+          </a:p>
+          <a:p>
+            <a:r>
+              <a:rPr lang="en-US" dirty="0" smtClean="0"/>
+              <a:t>3 </a:t>
+            </a:r>
+            <a:r>
+              <a:rPr lang="en-US" dirty="0" err="1" smtClean="0"/>
+              <a:t>fase</a:t>
+            </a:r>
+            <a:r>
+              <a:rPr lang="en-US" dirty="0" smtClean="0"/>
+              <a:t> um boss</a:t>
+            </a:r>
+          </a:p>
+          <a:p>
+            <a:r>
+              <a:rPr lang="en-US" dirty="0" err="1" smtClean="0"/>
+              <a:t>Transição</a:t>
+            </a:r>
+            <a:r>
+              <a:rPr lang="en-US" dirty="0" smtClean="0"/>
+              <a:t> </a:t>
+            </a:r>
+            <a:r>
+              <a:rPr lang="en-US" dirty="0" err="1" smtClean="0"/>
+              <a:t>onde</a:t>
+            </a:r>
+            <a:r>
+              <a:rPr lang="en-US" dirty="0" smtClean="0"/>
+              <a:t> o </a:t>
+            </a:r>
+            <a:r>
+              <a:rPr lang="en-US" dirty="0" err="1" smtClean="0"/>
+              <a:t>menino</a:t>
+            </a:r>
+            <a:r>
+              <a:rPr lang="en-US" dirty="0" smtClean="0"/>
+              <a:t> </a:t>
+            </a:r>
+            <a:r>
+              <a:rPr lang="en-US" dirty="0" err="1" smtClean="0"/>
+              <a:t>mostra</a:t>
+            </a:r>
+            <a:r>
+              <a:rPr lang="en-US" dirty="0" smtClean="0"/>
+              <a:t> o </a:t>
+            </a:r>
+            <a:r>
+              <a:rPr lang="en-US" dirty="0" err="1" smtClean="0"/>
+              <a:t>aviao</a:t>
+            </a:r>
+            <a:r>
+              <a:rPr lang="en-US" dirty="0" smtClean="0"/>
+              <a:t>  no </a:t>
+            </a:r>
+            <a:r>
+              <a:rPr lang="en-US" dirty="0" err="1" smtClean="0"/>
+              <a:t>celeiro</a:t>
+            </a:r>
+            <a:r>
+              <a:rPr lang="en-US" dirty="0" smtClean="0"/>
+              <a:t> e da o </a:t>
+            </a:r>
+            <a:r>
+              <a:rPr lang="en-US" dirty="0" err="1" smtClean="0"/>
+              <a:t>cachecol</a:t>
+            </a:r>
+            <a:r>
+              <a:rPr lang="en-US" dirty="0" smtClean="0"/>
+              <a:t> pro mm</a:t>
+            </a:r>
+          </a:p>
+          <a:p>
+            <a:r>
+              <a:rPr lang="en-US" dirty="0" err="1" smtClean="0"/>
+              <a:t>Fase</a:t>
+            </a:r>
+            <a:r>
+              <a:rPr lang="en-US" dirty="0" smtClean="0"/>
+              <a:t> de </a:t>
+            </a:r>
+            <a:r>
+              <a:rPr lang="en-US" dirty="0" err="1" smtClean="0"/>
+              <a:t>tiro</a:t>
+            </a:r>
+            <a:r>
+              <a:rPr lang="en-US" dirty="0" smtClean="0"/>
+              <a:t> no </a:t>
+            </a:r>
+            <a:r>
+              <a:rPr lang="en-US" dirty="0" err="1" smtClean="0"/>
+              <a:t>ceu</a:t>
+            </a:r>
+            <a:endParaRPr lang="en-US" dirty="0" smtClean="0"/>
+          </a:p>
+          <a:p>
+            <a:r>
+              <a:rPr lang="en-US" dirty="0" smtClean="0"/>
+              <a:t>2 </a:t>
+            </a:r>
+            <a:r>
+              <a:rPr lang="en-US" dirty="0" err="1" smtClean="0"/>
+              <a:t>fase</a:t>
+            </a:r>
+            <a:r>
+              <a:rPr lang="en-US" dirty="0" smtClean="0"/>
+              <a:t> de </a:t>
+            </a:r>
+            <a:r>
+              <a:rPr lang="en-US" dirty="0" err="1" smtClean="0"/>
+              <a:t>tiro</a:t>
+            </a:r>
+            <a:r>
+              <a:rPr lang="en-US" dirty="0" smtClean="0"/>
+              <a:t> no </a:t>
+            </a:r>
+            <a:r>
+              <a:rPr lang="en-US" dirty="0" err="1" smtClean="0"/>
+              <a:t>ceu</a:t>
+            </a:r>
+            <a:r>
+              <a:rPr lang="en-US" dirty="0" smtClean="0"/>
+              <a:t> e </a:t>
+            </a:r>
+            <a:r>
+              <a:rPr lang="en-US" dirty="0" err="1" smtClean="0"/>
+              <a:t>termina</a:t>
+            </a:r>
+            <a:r>
+              <a:rPr lang="en-US" dirty="0" smtClean="0"/>
+              <a:t> com a </a:t>
+            </a:r>
+            <a:r>
+              <a:rPr lang="en-US" dirty="0" err="1" smtClean="0"/>
+              <a:t>aleafar</a:t>
+            </a:r>
+            <a:r>
+              <a:rPr lang="en-US" dirty="0" smtClean="0"/>
+              <a:t> </a:t>
+            </a:r>
+            <a:r>
+              <a:rPr lang="en-US" dirty="0" err="1" smtClean="0"/>
+              <a:t>derrubando</a:t>
+            </a:r>
+            <a:r>
+              <a:rPr lang="en-US" dirty="0" smtClean="0"/>
+              <a:t> o MM</a:t>
+            </a:r>
+          </a:p>
+          <a:p>
+            <a:r>
+              <a:rPr lang="en-US" dirty="0" smtClean="0"/>
+              <a:t>1 </a:t>
+            </a:r>
+            <a:r>
+              <a:rPr lang="en-US" dirty="0" err="1" smtClean="0"/>
+              <a:t>fase</a:t>
+            </a:r>
+            <a:r>
+              <a:rPr lang="en-US" dirty="0" smtClean="0"/>
+              <a:t> da </a:t>
+            </a:r>
+            <a:r>
+              <a:rPr lang="en-US" dirty="0" err="1" smtClean="0"/>
+              <a:t>floresta</a:t>
+            </a:r>
+            <a:r>
+              <a:rPr lang="en-US" dirty="0" smtClean="0"/>
+              <a:t> com o </a:t>
+            </a:r>
+            <a:r>
+              <a:rPr lang="en-US" dirty="0" err="1" smtClean="0"/>
+              <a:t>cachecol</a:t>
+            </a:r>
+            <a:r>
+              <a:rPr lang="en-US" dirty="0" smtClean="0"/>
+              <a:t> </a:t>
+            </a:r>
+            <a:r>
+              <a:rPr lang="en-US" dirty="0" err="1" smtClean="0"/>
+              <a:t>rasgado</a:t>
+            </a:r>
+            <a:r>
+              <a:rPr lang="en-US" dirty="0" smtClean="0"/>
+              <a:t> , que agora é </a:t>
+            </a:r>
+            <a:r>
+              <a:rPr lang="en-US" dirty="0" err="1" smtClean="0"/>
+              <a:t>uma</a:t>
+            </a:r>
+            <a:r>
+              <a:rPr lang="en-US" dirty="0" smtClean="0"/>
+              <a:t> </a:t>
+            </a:r>
+            <a:r>
+              <a:rPr lang="en-US" dirty="0" err="1" smtClean="0"/>
+              <a:t>caa</a:t>
+            </a:r>
+            <a:r>
+              <a:rPr lang="en-US" dirty="0" smtClean="0"/>
+              <a:t> </a:t>
+            </a:r>
+            <a:r>
+              <a:rPr lang="en-US" dirty="0" err="1" smtClean="0"/>
+              <a:t>ele</a:t>
+            </a:r>
+            <a:r>
+              <a:rPr lang="en-US" dirty="0" smtClean="0"/>
+              <a:t> </a:t>
+            </a:r>
+            <a:r>
+              <a:rPr lang="en-US" dirty="0" err="1" smtClean="0"/>
+              <a:t>ganha</a:t>
+            </a:r>
+            <a:r>
+              <a:rPr lang="en-US" dirty="0" smtClean="0"/>
+              <a:t> o dash</a:t>
+            </a:r>
+          </a:p>
+          <a:p>
+            <a:r>
+              <a:rPr lang="en-US" dirty="0" smtClean="0"/>
+              <a:t>2 </a:t>
+            </a:r>
+            <a:r>
+              <a:rPr lang="en-US" dirty="0" err="1" smtClean="0"/>
+              <a:t>fase</a:t>
+            </a:r>
+            <a:r>
+              <a:rPr lang="en-US" dirty="0" smtClean="0"/>
+              <a:t> da </a:t>
+            </a:r>
+            <a:r>
+              <a:rPr lang="en-US" dirty="0" err="1" smtClean="0"/>
+              <a:t>floresta</a:t>
+            </a:r>
+            <a:r>
+              <a:rPr lang="en-US" dirty="0" smtClean="0"/>
+              <a:t> </a:t>
+            </a:r>
+            <a:r>
+              <a:rPr lang="en-US" dirty="0" err="1" smtClean="0"/>
+              <a:t>explora</a:t>
+            </a:r>
+            <a:r>
+              <a:rPr lang="en-US" dirty="0" smtClean="0"/>
+              <a:t> a </a:t>
+            </a:r>
+            <a:r>
+              <a:rPr lang="en-US" dirty="0" err="1" smtClean="0"/>
+              <a:t>habilidade</a:t>
+            </a:r>
+            <a:r>
+              <a:rPr lang="en-US" dirty="0" smtClean="0"/>
+              <a:t> de dash e </a:t>
+            </a:r>
+            <a:r>
+              <a:rPr lang="en-US" dirty="0" err="1" smtClean="0"/>
+              <a:t>pulo</a:t>
+            </a:r>
+            <a:r>
+              <a:rPr lang="en-US" dirty="0" smtClean="0"/>
+              <a:t> </a:t>
+            </a:r>
+            <a:r>
+              <a:rPr lang="en-US" dirty="0" err="1" smtClean="0"/>
+              <a:t>na</a:t>
+            </a:r>
+            <a:r>
+              <a:rPr lang="en-US" dirty="0" smtClean="0"/>
+              <a:t> </a:t>
+            </a:r>
+            <a:r>
+              <a:rPr lang="en-US" dirty="0" err="1" smtClean="0"/>
+              <a:t>parede</a:t>
+            </a:r>
+            <a:r>
+              <a:rPr lang="en-US" dirty="0" smtClean="0"/>
+              <a:t> </a:t>
+            </a:r>
+            <a:r>
+              <a:rPr lang="en-US" dirty="0" err="1" smtClean="0"/>
+              <a:t>escorregando</a:t>
+            </a:r>
+            <a:r>
+              <a:rPr lang="en-US" dirty="0" smtClean="0"/>
+              <a:t>.</a:t>
+            </a:r>
+          </a:p>
+          <a:p>
+            <a:r>
+              <a:rPr lang="en-US" dirty="0" err="1" smtClean="0"/>
+              <a:t>Miniboss</a:t>
+            </a:r>
+            <a:r>
+              <a:rPr lang="en-US" dirty="0" smtClean="0"/>
+              <a:t> (</a:t>
+            </a:r>
+            <a:r>
+              <a:rPr lang="en-US" dirty="0" err="1" smtClean="0"/>
+              <a:t>pode</a:t>
+            </a:r>
+            <a:r>
+              <a:rPr lang="en-US" dirty="0" smtClean="0"/>
+              <a:t> </a:t>
+            </a:r>
+            <a:r>
+              <a:rPr lang="en-US" dirty="0" err="1" smtClean="0"/>
+              <a:t>ser</a:t>
+            </a:r>
+            <a:r>
+              <a:rPr lang="en-US" dirty="0" smtClean="0"/>
+              <a:t> um </a:t>
+            </a:r>
+            <a:r>
+              <a:rPr lang="en-US" dirty="0" err="1" smtClean="0"/>
+              <a:t>cao</a:t>
+            </a:r>
+            <a:r>
+              <a:rPr lang="en-US" dirty="0" smtClean="0"/>
+              <a:t> de </a:t>
+            </a:r>
+            <a:r>
+              <a:rPr lang="en-US" dirty="0" err="1" smtClean="0"/>
+              <a:t>guarda</a:t>
+            </a:r>
+            <a:r>
+              <a:rPr lang="en-US" dirty="0"/>
+              <a:t> </a:t>
+            </a:r>
+            <a:r>
+              <a:rPr lang="en-US" dirty="0" smtClean="0"/>
+              <a:t>do </a:t>
+            </a:r>
+            <a:r>
+              <a:rPr lang="en-US" dirty="0" err="1" smtClean="0"/>
+              <a:t>Laboratorio</a:t>
+            </a:r>
+            <a:r>
+              <a:rPr lang="en-US" dirty="0" smtClean="0"/>
+              <a:t>)</a:t>
+            </a:r>
+          </a:p>
+          <a:p>
+            <a:r>
+              <a:rPr lang="en-US" dirty="0" smtClean="0"/>
+              <a:t>1 </a:t>
+            </a:r>
+            <a:r>
+              <a:rPr lang="en-US" dirty="0" err="1" smtClean="0"/>
+              <a:t>fase</a:t>
+            </a:r>
+            <a:r>
+              <a:rPr lang="en-US" dirty="0" smtClean="0"/>
+              <a:t> do </a:t>
+            </a:r>
+            <a:r>
+              <a:rPr lang="en-US" dirty="0" err="1" smtClean="0"/>
+              <a:t>laboratorio</a:t>
+            </a:r>
+            <a:r>
+              <a:rPr lang="en-US" dirty="0" smtClean="0"/>
+              <a:t> (</a:t>
+            </a:r>
+            <a:r>
+              <a:rPr lang="en-US" dirty="0" err="1" smtClean="0"/>
+              <a:t>começa</a:t>
+            </a:r>
+            <a:r>
+              <a:rPr lang="en-US" dirty="0" smtClean="0"/>
+              <a:t> a </a:t>
+            </a:r>
+            <a:r>
+              <a:rPr lang="en-US" dirty="0" err="1" smtClean="0"/>
+              <a:t>explorar</a:t>
+            </a:r>
+            <a:r>
+              <a:rPr lang="en-US" dirty="0" smtClean="0"/>
+              <a:t> </a:t>
+            </a:r>
+            <a:r>
+              <a:rPr lang="en-US" dirty="0" err="1" smtClean="0"/>
+              <a:t>os</a:t>
+            </a:r>
+            <a:r>
+              <a:rPr lang="en-US" dirty="0" smtClean="0"/>
+              <a:t> </a:t>
+            </a:r>
+            <a:r>
+              <a:rPr lang="en-US" dirty="0" err="1" smtClean="0"/>
+              <a:t>raios</a:t>
+            </a:r>
+            <a:r>
+              <a:rPr lang="en-US" dirty="0" smtClean="0"/>
+              <a:t>)</a:t>
+            </a:r>
+          </a:p>
+          <a:p>
+            <a:r>
+              <a:rPr lang="en-US" dirty="0" smtClean="0"/>
+              <a:t>2 </a:t>
+            </a:r>
+            <a:r>
+              <a:rPr lang="en-US" dirty="0" err="1" smtClean="0"/>
+              <a:t>fase</a:t>
+            </a:r>
+            <a:r>
+              <a:rPr lang="en-US" dirty="0" smtClean="0"/>
+              <a:t> do </a:t>
+            </a:r>
+            <a:r>
+              <a:rPr lang="en-US" dirty="0" err="1" smtClean="0"/>
+              <a:t>laboratorio</a:t>
+            </a:r>
+            <a:r>
+              <a:rPr lang="en-US" dirty="0" smtClean="0"/>
+              <a:t> </a:t>
+            </a:r>
+            <a:r>
+              <a:rPr lang="en-US" dirty="0" err="1" smtClean="0"/>
+              <a:t>adiciona</a:t>
+            </a:r>
+            <a:r>
+              <a:rPr lang="en-US" dirty="0" smtClean="0"/>
+              <a:t> </a:t>
+            </a:r>
+            <a:r>
+              <a:rPr lang="en-US" dirty="0" err="1" smtClean="0"/>
+              <a:t>algum</a:t>
+            </a:r>
+            <a:r>
+              <a:rPr lang="en-US" dirty="0" smtClean="0"/>
+              <a:t> </a:t>
+            </a:r>
+            <a:r>
+              <a:rPr lang="en-US" dirty="0" err="1" smtClean="0"/>
+              <a:t>inimigo</a:t>
+            </a:r>
+            <a:r>
+              <a:rPr lang="en-US" dirty="0" smtClean="0"/>
+              <a:t> que </a:t>
+            </a:r>
+            <a:r>
+              <a:rPr lang="en-US" dirty="0" err="1" smtClean="0"/>
+              <a:t>taca</a:t>
+            </a:r>
+            <a:r>
+              <a:rPr lang="en-US" dirty="0" smtClean="0"/>
+              <a:t> </a:t>
+            </a:r>
+            <a:r>
+              <a:rPr lang="en-US" dirty="0" err="1" smtClean="0"/>
+              <a:t>coisas</a:t>
+            </a:r>
+            <a:r>
+              <a:rPr lang="en-US" dirty="0" smtClean="0"/>
+              <a:t> </a:t>
+            </a:r>
+            <a:r>
+              <a:rPr lang="en-US" dirty="0" err="1" smtClean="0"/>
+              <a:t>como</a:t>
+            </a:r>
+            <a:r>
+              <a:rPr lang="en-US" dirty="0" smtClean="0"/>
+              <a:t> </a:t>
+            </a:r>
+            <a:r>
+              <a:rPr lang="en-US" dirty="0" err="1" smtClean="0"/>
+              <a:t>frascos</a:t>
+            </a:r>
+            <a:r>
+              <a:rPr lang="en-US" dirty="0" smtClean="0"/>
+              <a:t> de </a:t>
+            </a:r>
+            <a:r>
+              <a:rPr lang="en-US" dirty="0" err="1" smtClean="0"/>
+              <a:t>veneno</a:t>
+            </a:r>
+            <a:r>
+              <a:rPr lang="en-US" dirty="0" smtClean="0"/>
+              <a:t> (</a:t>
+            </a:r>
+            <a:r>
+              <a:rPr lang="en-US" dirty="0" err="1" smtClean="0"/>
+              <a:t>macaco</a:t>
+            </a:r>
+            <a:r>
+              <a:rPr lang="en-US" dirty="0" smtClean="0"/>
+              <a:t>).</a:t>
+            </a:r>
+          </a:p>
+          <a:p>
+            <a:r>
+              <a:rPr lang="en-US" dirty="0" smtClean="0"/>
+              <a:t>3 </a:t>
+            </a:r>
+            <a:r>
+              <a:rPr lang="en-US" dirty="0" err="1" smtClean="0"/>
+              <a:t>fase</a:t>
+            </a:r>
+            <a:r>
+              <a:rPr lang="en-US" dirty="0" smtClean="0"/>
+              <a:t> mm no </a:t>
+            </a:r>
+            <a:r>
+              <a:rPr lang="en-US" dirty="0" err="1" smtClean="0"/>
+              <a:t>fim</a:t>
+            </a:r>
+            <a:r>
+              <a:rPr lang="en-US" dirty="0" smtClean="0"/>
+              <a:t> mm </a:t>
+            </a:r>
+            <a:r>
+              <a:rPr lang="en-US" dirty="0" err="1" smtClean="0"/>
+              <a:t>chega</a:t>
+            </a:r>
+            <a:r>
+              <a:rPr lang="en-US" dirty="0" smtClean="0"/>
+              <a:t> </a:t>
+            </a:r>
+            <a:r>
+              <a:rPr lang="en-US" dirty="0" err="1" smtClean="0"/>
+              <a:t>na</a:t>
+            </a:r>
+            <a:r>
+              <a:rPr lang="en-US" dirty="0" smtClean="0"/>
+              <a:t> </a:t>
+            </a:r>
+            <a:r>
+              <a:rPr lang="en-US" dirty="0" err="1" smtClean="0"/>
+              <a:t>sala</a:t>
+            </a:r>
+            <a:r>
+              <a:rPr lang="en-US" dirty="0" smtClean="0"/>
+              <a:t> da </a:t>
+            </a:r>
+            <a:r>
+              <a:rPr lang="en-US" dirty="0" err="1" smtClean="0"/>
+              <a:t>aleafar</a:t>
+            </a:r>
+            <a:r>
+              <a:rPr lang="en-US" dirty="0" smtClean="0"/>
+              <a:t>. Ela </a:t>
+            </a:r>
+            <a:r>
+              <a:rPr lang="en-US" dirty="0" err="1" smtClean="0"/>
+              <a:t>fala</a:t>
+            </a:r>
+            <a:r>
+              <a:rPr lang="en-US" dirty="0" smtClean="0"/>
+              <a:t> que </a:t>
+            </a:r>
+            <a:r>
+              <a:rPr lang="en-US" dirty="0" err="1" smtClean="0"/>
+              <a:t>ele</a:t>
+            </a:r>
+            <a:r>
+              <a:rPr lang="en-US" dirty="0" smtClean="0"/>
+              <a:t> é o </a:t>
+            </a:r>
+            <a:r>
+              <a:rPr lang="en-US" dirty="0" err="1" smtClean="0"/>
+              <a:t>unico</a:t>
+            </a:r>
+            <a:r>
+              <a:rPr lang="en-US" dirty="0" smtClean="0"/>
+              <a:t> experiment </a:t>
+            </a:r>
+            <a:r>
+              <a:rPr lang="en-US" dirty="0" err="1" smtClean="0"/>
+              <a:t>bem</a:t>
+            </a:r>
+            <a:r>
+              <a:rPr lang="en-US" dirty="0" smtClean="0"/>
+              <a:t> </a:t>
+            </a:r>
+            <a:r>
+              <a:rPr lang="en-US" dirty="0" err="1" smtClean="0"/>
+              <a:t>sucedido</a:t>
+            </a:r>
+            <a:r>
+              <a:rPr lang="en-US" dirty="0" smtClean="0"/>
+              <a:t> que </a:t>
+            </a:r>
+            <a:r>
+              <a:rPr lang="en-US" dirty="0" err="1" smtClean="0"/>
+              <a:t>ela</a:t>
+            </a:r>
+            <a:r>
+              <a:rPr lang="en-US" dirty="0" smtClean="0"/>
+              <a:t> </a:t>
+            </a:r>
+            <a:r>
+              <a:rPr lang="en-US" dirty="0" err="1" smtClean="0"/>
+              <a:t>teve</a:t>
+            </a:r>
+            <a:r>
+              <a:rPr lang="en-US" dirty="0" smtClean="0"/>
+              <a:t>, e o </a:t>
+            </a:r>
+            <a:r>
+              <a:rPr lang="en-US" dirty="0" err="1" smtClean="0"/>
+              <a:t>convida</a:t>
+            </a:r>
+            <a:r>
+              <a:rPr lang="en-US" dirty="0" smtClean="0"/>
+              <a:t> </a:t>
+            </a:r>
+            <a:r>
+              <a:rPr lang="en-US" dirty="0" err="1" smtClean="0"/>
+              <a:t>pra</a:t>
+            </a:r>
+            <a:r>
+              <a:rPr lang="en-US" dirty="0" smtClean="0"/>
+              <a:t> </a:t>
+            </a:r>
+            <a:r>
+              <a:rPr lang="en-US" dirty="0" err="1" smtClean="0"/>
+              <a:t>ser</a:t>
+            </a:r>
+            <a:r>
+              <a:rPr lang="en-US" dirty="0" smtClean="0"/>
+              <a:t> </a:t>
+            </a:r>
+            <a:r>
+              <a:rPr lang="en-US" dirty="0" err="1" smtClean="0"/>
+              <a:t>seu</a:t>
+            </a:r>
+            <a:r>
+              <a:rPr lang="en-US" dirty="0" smtClean="0"/>
+              <a:t> </a:t>
+            </a:r>
+            <a:r>
+              <a:rPr lang="en-US" dirty="0" err="1" smtClean="0"/>
+              <a:t>braço</a:t>
+            </a:r>
+            <a:r>
+              <a:rPr lang="en-US" dirty="0" smtClean="0"/>
+              <a:t> </a:t>
+            </a:r>
+            <a:r>
+              <a:rPr lang="en-US" dirty="0" err="1" smtClean="0"/>
+              <a:t>direito</a:t>
+            </a:r>
+            <a:r>
+              <a:rPr lang="en-US" dirty="0"/>
+              <a:t> </a:t>
+            </a:r>
+            <a:r>
+              <a:rPr lang="en-US" dirty="0" err="1" smtClean="0"/>
+              <a:t>na</a:t>
+            </a:r>
+            <a:r>
+              <a:rPr lang="en-US" dirty="0" smtClean="0"/>
+              <a:t> </a:t>
+            </a:r>
+            <a:r>
+              <a:rPr lang="en-US" dirty="0" err="1" smtClean="0"/>
+              <a:t>criação</a:t>
+            </a:r>
+            <a:r>
+              <a:rPr lang="en-US" dirty="0" smtClean="0"/>
+              <a:t> de um </a:t>
+            </a:r>
+            <a:r>
+              <a:rPr lang="en-US" dirty="0" err="1" smtClean="0"/>
+              <a:t>mundo</a:t>
+            </a:r>
+            <a:r>
+              <a:rPr lang="en-US" dirty="0" smtClean="0"/>
+              <a:t> </a:t>
+            </a:r>
+            <a:r>
+              <a:rPr lang="en-US" dirty="0" err="1" smtClean="0"/>
+              <a:t>sem</a:t>
+            </a:r>
+            <a:r>
+              <a:rPr lang="en-US" dirty="0" smtClean="0"/>
+              <a:t> </a:t>
+            </a:r>
+            <a:r>
+              <a:rPr lang="en-US" dirty="0" err="1" smtClean="0"/>
+              <a:t>insetos</a:t>
+            </a:r>
+            <a:r>
+              <a:rPr lang="en-US" dirty="0" smtClean="0"/>
+              <a:t> e </a:t>
+            </a:r>
+            <a:r>
+              <a:rPr lang="en-US" dirty="0" err="1" smtClean="0"/>
+              <a:t>pragas</a:t>
+            </a:r>
+            <a:r>
+              <a:rPr lang="en-US" dirty="0" smtClean="0"/>
+              <a:t> do </a:t>
+            </a:r>
+            <a:r>
+              <a:rPr lang="en-US" dirty="0" err="1" smtClean="0"/>
+              <a:t>milho</a:t>
+            </a:r>
+            <a:r>
+              <a:rPr lang="en-US" dirty="0" smtClean="0"/>
+              <a:t>.</a:t>
+            </a:r>
+          </a:p>
+          <a:p>
+            <a:r>
+              <a:rPr lang="en-US" dirty="0" smtClean="0"/>
+              <a:t>Boss e </a:t>
+            </a:r>
+            <a:r>
+              <a:rPr lang="en-US" dirty="0" err="1" smtClean="0"/>
+              <a:t>termina</a:t>
+            </a:r>
+            <a:r>
+              <a:rPr lang="en-US" dirty="0" smtClean="0"/>
+              <a:t> com a </a:t>
+            </a:r>
+            <a:r>
+              <a:rPr lang="en-US" dirty="0" err="1" smtClean="0"/>
+              <a:t>destruição</a:t>
+            </a:r>
+            <a:r>
+              <a:rPr lang="en-US" dirty="0" smtClean="0"/>
+              <a:t> do lab.</a:t>
+            </a:r>
+          </a:p>
+          <a:p>
+            <a:endParaRPr lang="pt-BR" dirty="0"/>
+          </a:p>
+        </p:txBody>
+      </p:sp>
+    </p:spTree>
+    <p:extLst>
+      <p:ext uri="{BB962C8B-B14F-4D97-AF65-F5344CB8AC3E}">
+        <p14:creationId xmlns:p14="http://schemas.microsoft.com/office/powerpoint/2010/main" val="1698269805"/>
+      </p:ext>
+    </p:extLst>
+  </p:cSld>
+  <p:clrMapOvr>
+    <a:masterClrMapping/>
+  </p:clrMapOvr>
+</p:sld>
+</file>
+
 <file path=ppt/theme/theme1.xml><?xml version="1.0" encoding="utf-8"?>
 <a:theme xmlns:a="http://schemas.openxmlformats.org/drawingml/2006/main" name="Tema do Office">
   <a:themeElements>

--- a/Project Data/Ciclo de trabalho.pptx
+++ b/Project Data/Ciclo de trabalho.pptx
@@ -3417,7 +3417,7 @@
           <a:p>
             <a:fld id="{033C220F-AFE8-4CCC-95E1-E0424241E150}" type="datetimeFigureOut">
               <a:rPr lang="pt-BR" smtClean="0"/>
-              <a:t>15/02/2018</a:t>
+              <a:t>19/02/2018</a:t>
             </a:fld>
             <a:endParaRPr lang="pt-BR"/>
           </a:p>
@@ -3587,7 +3587,7 @@
           <a:p>
             <a:fld id="{033C220F-AFE8-4CCC-95E1-E0424241E150}" type="datetimeFigureOut">
               <a:rPr lang="pt-BR" smtClean="0"/>
-              <a:t>15/02/2018</a:t>
+              <a:t>19/02/2018</a:t>
             </a:fld>
             <a:endParaRPr lang="pt-BR"/>
           </a:p>
@@ -3767,7 +3767,7 @@
           <a:p>
             <a:fld id="{033C220F-AFE8-4CCC-95E1-E0424241E150}" type="datetimeFigureOut">
               <a:rPr lang="pt-BR" smtClean="0"/>
-              <a:t>15/02/2018</a:t>
+              <a:t>19/02/2018</a:t>
             </a:fld>
             <a:endParaRPr lang="pt-BR"/>
           </a:p>
@@ -3937,7 +3937,7 @@
           <a:p>
             <a:fld id="{033C220F-AFE8-4CCC-95E1-E0424241E150}" type="datetimeFigureOut">
               <a:rPr lang="pt-BR" smtClean="0"/>
-              <a:t>15/02/2018</a:t>
+              <a:t>19/02/2018</a:t>
             </a:fld>
             <a:endParaRPr lang="pt-BR"/>
           </a:p>
@@ -4183,7 +4183,7 @@
           <a:p>
             <a:fld id="{033C220F-AFE8-4CCC-95E1-E0424241E150}" type="datetimeFigureOut">
               <a:rPr lang="pt-BR" smtClean="0"/>
-              <a:t>15/02/2018</a:t>
+              <a:t>19/02/2018</a:t>
             </a:fld>
             <a:endParaRPr lang="pt-BR"/>
           </a:p>
@@ -4415,7 +4415,7 @@
           <a:p>
             <a:fld id="{033C220F-AFE8-4CCC-95E1-E0424241E150}" type="datetimeFigureOut">
               <a:rPr lang="pt-BR" smtClean="0"/>
-              <a:t>15/02/2018</a:t>
+              <a:t>19/02/2018</a:t>
             </a:fld>
             <a:endParaRPr lang="pt-BR"/>
           </a:p>
@@ -4782,7 +4782,7 @@
           <a:p>
             <a:fld id="{033C220F-AFE8-4CCC-95E1-E0424241E150}" type="datetimeFigureOut">
               <a:rPr lang="pt-BR" smtClean="0"/>
-              <a:t>15/02/2018</a:t>
+              <a:t>19/02/2018</a:t>
             </a:fld>
             <a:endParaRPr lang="pt-BR"/>
           </a:p>
@@ -4900,7 +4900,7 @@
           <a:p>
             <a:fld id="{033C220F-AFE8-4CCC-95E1-E0424241E150}" type="datetimeFigureOut">
               <a:rPr lang="pt-BR" smtClean="0"/>
-              <a:t>15/02/2018</a:t>
+              <a:t>19/02/2018</a:t>
             </a:fld>
             <a:endParaRPr lang="pt-BR"/>
           </a:p>
@@ -4995,7 +4995,7 @@
           <a:p>
             <a:fld id="{033C220F-AFE8-4CCC-95E1-E0424241E150}" type="datetimeFigureOut">
               <a:rPr lang="pt-BR" smtClean="0"/>
-              <a:t>15/02/2018</a:t>
+              <a:t>19/02/2018</a:t>
             </a:fld>
             <a:endParaRPr lang="pt-BR"/>
           </a:p>
@@ -5272,7 +5272,7 @@
           <a:p>
             <a:fld id="{033C220F-AFE8-4CCC-95E1-E0424241E150}" type="datetimeFigureOut">
               <a:rPr lang="pt-BR" smtClean="0"/>
-              <a:t>15/02/2018</a:t>
+              <a:t>19/02/2018</a:t>
             </a:fld>
             <a:endParaRPr lang="pt-BR"/>
           </a:p>
@@ -5525,7 +5525,7 @@
           <a:p>
             <a:fld id="{033C220F-AFE8-4CCC-95E1-E0424241E150}" type="datetimeFigureOut">
               <a:rPr lang="pt-BR" smtClean="0"/>
-              <a:t>15/02/2018</a:t>
+              <a:t>19/02/2018</a:t>
             </a:fld>
             <a:endParaRPr lang="pt-BR"/>
           </a:p>
@@ -5738,7 +5738,7 @@
           <a:p>
             <a:fld id="{033C220F-AFE8-4CCC-95E1-E0424241E150}" type="datetimeFigureOut">
               <a:rPr lang="pt-BR" smtClean="0"/>
-              <a:t>15/02/2018</a:t>
+              <a:t>19/02/2018</a:t>
             </a:fld>
             <a:endParaRPr lang="pt-BR"/>
           </a:p>
@@ -7224,7 +7224,15 @@
           <a:p>
             <a:r>
               <a:rPr lang="pt-BR" dirty="0" smtClean="0"/>
-              <a:t>	- Aumentar o nível 1 e Concluir </a:t>
+              <a:t>	- </a:t>
+            </a:r>
+            <a:r>
+              <a:rPr lang="pt-BR" strike="sngStrike" dirty="0" smtClean="0"/>
+              <a:t>Aumentar o nível 1 </a:t>
+            </a:r>
+            <a:r>
+              <a:rPr lang="pt-BR" dirty="0" smtClean="0"/>
+              <a:t>e Concluir </a:t>
             </a:r>
             <a:r>
               <a:rPr lang="pt-BR" dirty="0" err="1" smtClean="0"/>
@@ -7264,12 +7272,8 @@
               <a:t>	</a:t>
             </a:r>
             <a:r>
-              <a:rPr lang="pt-BR" dirty="0" smtClean="0"/>
-              <a:t>- Melhorar a Bomba </a:t>
-            </a:r>
-            <a:r>
               <a:rPr lang="pt-BR" strike="sngStrike" dirty="0" smtClean="0"/>
-              <a:t>(e o seu UI)</a:t>
+              <a:t>- Melhorar a Bomba (e o seu UI)</a:t>
             </a:r>
           </a:p>
           <a:p>
@@ -7278,15 +7282,15 @@
               <a:t>	</a:t>
             </a:r>
             <a:r>
-              <a:rPr lang="pt-BR" dirty="0" smtClean="0"/>
+              <a:rPr lang="pt-BR" strike="sngStrike" dirty="0" smtClean="0"/>
               <a:t>- Fazer parede </a:t>
             </a:r>
             <a:r>
-              <a:rPr lang="pt-BR" dirty="0" err="1" smtClean="0"/>
+              <a:rPr lang="pt-BR" strike="sngStrike" dirty="0" err="1" smtClean="0"/>
               <a:t>quebravel</a:t>
             </a:r>
             <a:r>
-              <a:rPr lang="pt-BR" dirty="0" smtClean="0"/>
+              <a:rPr lang="pt-BR" strike="sngStrike" dirty="0" smtClean="0"/>
               <a:t> </a:t>
             </a:r>
           </a:p>
@@ -7306,15 +7310,15 @@
               <a:t>	</a:t>
             </a:r>
             <a:r>
-              <a:rPr lang="pt-BR" dirty="0" smtClean="0"/>
+              <a:rPr lang="pt-BR" strike="sngStrike" dirty="0" smtClean="0"/>
               <a:t>- Mais detalhe no background(rafa fez nuvens) do </a:t>
             </a:r>
             <a:r>
-              <a:rPr lang="pt-BR" dirty="0" err="1" smtClean="0"/>
+              <a:rPr lang="pt-BR" strike="sngStrike" dirty="0" err="1" smtClean="0"/>
               <a:t>main</a:t>
             </a:r>
             <a:r>
-              <a:rPr lang="pt-BR" dirty="0" smtClean="0"/>
+              <a:rPr lang="pt-BR" strike="sngStrike" dirty="0" smtClean="0"/>
               <a:t> menu(rafa fazendo mapa da fazenda)</a:t>
             </a:r>
           </a:p>

--- a/Project Data/Ciclo de trabalho.pptx
+++ b/Project Data/Ciclo de trabalho.pptx
@@ -3417,7 +3417,7 @@
           <a:p>
             <a:fld id="{033C220F-AFE8-4CCC-95E1-E0424241E150}" type="datetimeFigureOut">
               <a:rPr lang="pt-BR" smtClean="0"/>
-              <a:t>19/02/2018</a:t>
+              <a:t>30/03/2018</a:t>
             </a:fld>
             <a:endParaRPr lang="pt-BR"/>
           </a:p>
@@ -3587,7 +3587,7 @@
           <a:p>
             <a:fld id="{033C220F-AFE8-4CCC-95E1-E0424241E150}" type="datetimeFigureOut">
               <a:rPr lang="pt-BR" smtClean="0"/>
-              <a:t>19/02/2018</a:t>
+              <a:t>30/03/2018</a:t>
             </a:fld>
             <a:endParaRPr lang="pt-BR"/>
           </a:p>
@@ -3767,7 +3767,7 @@
           <a:p>
             <a:fld id="{033C220F-AFE8-4CCC-95E1-E0424241E150}" type="datetimeFigureOut">
               <a:rPr lang="pt-BR" smtClean="0"/>
-              <a:t>19/02/2018</a:t>
+              <a:t>30/03/2018</a:t>
             </a:fld>
             <a:endParaRPr lang="pt-BR"/>
           </a:p>
@@ -3937,7 +3937,7 @@
           <a:p>
             <a:fld id="{033C220F-AFE8-4CCC-95E1-E0424241E150}" type="datetimeFigureOut">
               <a:rPr lang="pt-BR" smtClean="0"/>
-              <a:t>19/02/2018</a:t>
+              <a:t>30/03/2018</a:t>
             </a:fld>
             <a:endParaRPr lang="pt-BR"/>
           </a:p>
@@ -4183,7 +4183,7 @@
           <a:p>
             <a:fld id="{033C220F-AFE8-4CCC-95E1-E0424241E150}" type="datetimeFigureOut">
               <a:rPr lang="pt-BR" smtClean="0"/>
-              <a:t>19/02/2018</a:t>
+              <a:t>30/03/2018</a:t>
             </a:fld>
             <a:endParaRPr lang="pt-BR"/>
           </a:p>
@@ -4415,7 +4415,7 @@
           <a:p>
             <a:fld id="{033C220F-AFE8-4CCC-95E1-E0424241E150}" type="datetimeFigureOut">
               <a:rPr lang="pt-BR" smtClean="0"/>
-              <a:t>19/02/2018</a:t>
+              <a:t>30/03/2018</a:t>
             </a:fld>
             <a:endParaRPr lang="pt-BR"/>
           </a:p>
@@ -4782,7 +4782,7 @@
           <a:p>
             <a:fld id="{033C220F-AFE8-4CCC-95E1-E0424241E150}" type="datetimeFigureOut">
               <a:rPr lang="pt-BR" smtClean="0"/>
-              <a:t>19/02/2018</a:t>
+              <a:t>30/03/2018</a:t>
             </a:fld>
             <a:endParaRPr lang="pt-BR"/>
           </a:p>
@@ -4900,7 +4900,7 @@
           <a:p>
             <a:fld id="{033C220F-AFE8-4CCC-95E1-E0424241E150}" type="datetimeFigureOut">
               <a:rPr lang="pt-BR" smtClean="0"/>
-              <a:t>19/02/2018</a:t>
+              <a:t>30/03/2018</a:t>
             </a:fld>
             <a:endParaRPr lang="pt-BR"/>
           </a:p>
@@ -4995,7 +4995,7 @@
           <a:p>
             <a:fld id="{033C220F-AFE8-4CCC-95E1-E0424241E150}" type="datetimeFigureOut">
               <a:rPr lang="pt-BR" smtClean="0"/>
-              <a:t>19/02/2018</a:t>
+              <a:t>30/03/2018</a:t>
             </a:fld>
             <a:endParaRPr lang="pt-BR"/>
           </a:p>
@@ -5272,7 +5272,7 @@
           <a:p>
             <a:fld id="{033C220F-AFE8-4CCC-95E1-E0424241E150}" type="datetimeFigureOut">
               <a:rPr lang="pt-BR" smtClean="0"/>
-              <a:t>19/02/2018</a:t>
+              <a:t>30/03/2018</a:t>
             </a:fld>
             <a:endParaRPr lang="pt-BR"/>
           </a:p>
@@ -5525,7 +5525,7 @@
           <a:p>
             <a:fld id="{033C220F-AFE8-4CCC-95E1-E0424241E150}" type="datetimeFigureOut">
               <a:rPr lang="pt-BR" smtClean="0"/>
-              <a:t>19/02/2018</a:t>
+              <a:t>30/03/2018</a:t>
             </a:fld>
             <a:endParaRPr lang="pt-BR"/>
           </a:p>
@@ -5738,7 +5738,7 @@
           <a:p>
             <a:fld id="{033C220F-AFE8-4CCC-95E1-E0424241E150}" type="datetimeFigureOut">
               <a:rPr lang="pt-BR" smtClean="0"/>
-              <a:t>19/02/2018</a:t>
+              <a:t>30/03/2018</a:t>
             </a:fld>
             <a:endParaRPr lang="pt-BR"/>
           </a:p>
@@ -6762,7 +6762,7 @@
         </p:nvSpPr>
         <p:spPr>
           <a:xfrm>
-            <a:off x="5417735" y="1241117"/>
+            <a:off x="5567656" y="1196421"/>
             <a:ext cx="2408211" cy="1061829"/>
           </a:xfrm>
           <a:prstGeom prst="rect">
@@ -7301,8 +7301,13 @@
             </a:r>
             <a:r>
               <a:rPr lang="pt-BR" dirty="0" smtClean="0"/>
-              <a:t>- Programar a cobra criada(rafa já tem a animação)</a:t>
-            </a:r>
+              <a:t>- Programar a </a:t>
+            </a:r>
+            <a:r>
+              <a:rPr lang="pt-BR" smtClean="0"/>
+              <a:t>cobra criada</a:t>
+            </a:r>
+            <a:endParaRPr lang="pt-BR" dirty="0" smtClean="0"/>
           </a:p>
           <a:p>
             <a:r>
